--- a/doc/arch.pptx
+++ b/doc/arch.pptx
@@ -10,9 +10,13 @@
     <p:sldId id="323" r:id="rId4"/>
     <p:sldId id="321" r:id="rId5"/>
     <p:sldId id="324" r:id="rId6"/>
-    <p:sldId id="325" r:id="rId7"/>
-    <p:sldId id="326" r:id="rId8"/>
-    <p:sldId id="327" r:id="rId9"/>
+    <p:sldId id="328" r:id="rId7"/>
+    <p:sldId id="325" r:id="rId8"/>
+    <p:sldId id="329" r:id="rId9"/>
+    <p:sldId id="326" r:id="rId10"/>
+    <p:sldId id="330" r:id="rId11"/>
+    <p:sldId id="327" r:id="rId12"/>
+    <p:sldId id="331" r:id="rId13"/>
   </p:sldIdLst>
   <p:sldSz cx="12192000" cy="6858000"/>
   <p:notesSz cx="6858000" cy="9144000"/>
@@ -266,7 +270,7 @@
           <a:p>
             <a:fld id="{40398E49-7B02-45E2-82B4-982F99B89FFD}" type="datetimeFigureOut">
               <a:rPr kumimoji="1" lang="ja-JP" altLang="en-US" smtClean="0"/>
-              <a:t>2019/8/29</a:t>
+              <a:t>2019/8/31</a:t>
             </a:fld>
             <a:endParaRPr kumimoji="1" lang="ja-JP" altLang="en-US"/>
           </a:p>
@@ -496,7 +500,7 @@
           <a:p>
             <a:fld id="{40398E49-7B02-45E2-82B4-982F99B89FFD}" type="datetimeFigureOut">
               <a:rPr kumimoji="1" lang="ja-JP" altLang="en-US" smtClean="0"/>
-              <a:t>2019/8/29</a:t>
+              <a:t>2019/8/31</a:t>
             </a:fld>
             <a:endParaRPr kumimoji="1" lang="ja-JP" altLang="en-US"/>
           </a:p>
@@ -736,7 +740,7 @@
           <a:p>
             <a:fld id="{40398E49-7B02-45E2-82B4-982F99B89FFD}" type="datetimeFigureOut">
               <a:rPr kumimoji="1" lang="ja-JP" altLang="en-US" smtClean="0"/>
-              <a:t>2019/8/29</a:t>
+              <a:t>2019/8/31</a:t>
             </a:fld>
             <a:endParaRPr kumimoji="1" lang="ja-JP" altLang="en-US"/>
           </a:p>
@@ -966,7 +970,7 @@
           <a:p>
             <a:fld id="{40398E49-7B02-45E2-82B4-982F99B89FFD}" type="datetimeFigureOut">
               <a:rPr kumimoji="1" lang="ja-JP" altLang="en-US" smtClean="0"/>
-              <a:t>2019/8/29</a:t>
+              <a:t>2019/8/31</a:t>
             </a:fld>
             <a:endParaRPr kumimoji="1" lang="ja-JP" altLang="en-US"/>
           </a:p>
@@ -1241,7 +1245,7 @@
           <a:p>
             <a:fld id="{40398E49-7B02-45E2-82B4-982F99B89FFD}" type="datetimeFigureOut">
               <a:rPr kumimoji="1" lang="ja-JP" altLang="en-US" smtClean="0"/>
-              <a:t>2019/8/29</a:t>
+              <a:t>2019/8/31</a:t>
             </a:fld>
             <a:endParaRPr kumimoji="1" lang="ja-JP" altLang="en-US"/>
           </a:p>
@@ -1570,7 +1574,7 @@
           <a:p>
             <a:fld id="{40398E49-7B02-45E2-82B4-982F99B89FFD}" type="datetimeFigureOut">
               <a:rPr kumimoji="1" lang="ja-JP" altLang="en-US" smtClean="0"/>
-              <a:t>2019/8/29</a:t>
+              <a:t>2019/8/31</a:t>
             </a:fld>
             <a:endParaRPr kumimoji="1" lang="ja-JP" altLang="en-US"/>
           </a:p>
@@ -2046,7 +2050,7 @@
           <a:p>
             <a:fld id="{40398E49-7B02-45E2-82B4-982F99B89FFD}" type="datetimeFigureOut">
               <a:rPr kumimoji="1" lang="ja-JP" altLang="en-US" smtClean="0"/>
-              <a:t>2019/8/29</a:t>
+              <a:t>2019/8/31</a:t>
             </a:fld>
             <a:endParaRPr kumimoji="1" lang="ja-JP" altLang="en-US"/>
           </a:p>
@@ -2187,7 +2191,7 @@
           <a:p>
             <a:fld id="{40398E49-7B02-45E2-82B4-982F99B89FFD}" type="datetimeFigureOut">
               <a:rPr kumimoji="1" lang="ja-JP" altLang="en-US" smtClean="0"/>
-              <a:t>2019/8/29</a:t>
+              <a:t>2019/8/31</a:t>
             </a:fld>
             <a:endParaRPr kumimoji="1" lang="ja-JP" altLang="en-US"/>
           </a:p>
@@ -2300,7 +2304,7 @@
           <a:p>
             <a:fld id="{40398E49-7B02-45E2-82B4-982F99B89FFD}" type="datetimeFigureOut">
               <a:rPr kumimoji="1" lang="ja-JP" altLang="en-US" smtClean="0"/>
-              <a:t>2019/8/29</a:t>
+              <a:t>2019/8/31</a:t>
             </a:fld>
             <a:endParaRPr kumimoji="1" lang="ja-JP" altLang="en-US"/>
           </a:p>
@@ -2643,7 +2647,7 @@
           <a:p>
             <a:fld id="{40398E49-7B02-45E2-82B4-982F99B89FFD}" type="datetimeFigureOut">
               <a:rPr kumimoji="1" lang="ja-JP" altLang="en-US" smtClean="0"/>
-              <a:t>2019/8/29</a:t>
+              <a:t>2019/8/31</a:t>
             </a:fld>
             <a:endParaRPr kumimoji="1" lang="ja-JP" altLang="en-US"/>
           </a:p>
@@ -2931,7 +2935,7 @@
           <a:p>
             <a:fld id="{40398E49-7B02-45E2-82B4-982F99B89FFD}" type="datetimeFigureOut">
               <a:rPr kumimoji="1" lang="ja-JP" altLang="en-US" smtClean="0"/>
-              <a:t>2019/8/29</a:t>
+              <a:t>2019/8/31</a:t>
             </a:fld>
             <a:endParaRPr kumimoji="1" lang="ja-JP" altLang="en-US"/>
           </a:p>
@@ -3204,7 +3208,7 @@
           <a:p>
             <a:fld id="{40398E49-7B02-45E2-82B4-982F99B89FFD}" type="datetimeFigureOut">
               <a:rPr kumimoji="1" lang="ja-JP" altLang="en-US" smtClean="0"/>
-              <a:t>2019/8/29</a:t>
+              <a:t>2019/8/31</a:t>
             </a:fld>
             <a:endParaRPr kumimoji="1" lang="ja-JP" altLang="en-US"/>
           </a:p>
@@ -3639,7 +3643,7 @@
         </p:nvSpPr>
         <p:spPr>
           <a:xfrm>
-            <a:off x="838200" y="365125"/>
+            <a:off x="838199" y="835387"/>
             <a:ext cx="10515600" cy="559435"/>
           </a:xfrm>
         </p:spPr>
@@ -3649,6 +3653,7 @@
           </a:bodyPr>
           <a:lstStyle/>
           <a:p>
+            <a:pPr algn="ctr"/>
             <a:r>
               <a:rPr kumimoji="1" lang="ja-JP" altLang="en-US" dirty="0"/>
               <a:t>課題</a:t>
@@ -3658,6 +3663,116 @@
               <a:t>3</a:t>
             </a:r>
             <a:endParaRPr kumimoji="1" lang="ja-JP" altLang="en-US" dirty="0"/>
+          </a:p>
+        </p:txBody>
+      </p:sp>
+      <p:sp>
+        <p:nvSpPr>
+          <p:cNvPr id="3" name="タイトル 1">
+            <a:extLst>
+              <a:ext uri="{FF2B5EF4-FFF2-40B4-BE49-F238E27FC236}">
+                <a16:creationId xmlns:a16="http://schemas.microsoft.com/office/drawing/2014/main" id="{6E71A312-A432-4BE4-B5D5-4800EEDB7298}"/>
+              </a:ext>
+            </a:extLst>
+          </p:cNvPr>
+          <p:cNvSpPr txBox="1">
+            <a:spLocks/>
+          </p:cNvSpPr>
+          <p:nvPr/>
+        </p:nvSpPr>
+        <p:spPr>
+          <a:xfrm>
+            <a:off x="3769721" y="3269434"/>
+            <a:ext cx="4652555" cy="559435"/>
+          </a:xfrm>
+          <a:prstGeom prst="rect">
+            <a:avLst/>
+          </a:prstGeom>
+        </p:spPr>
+        <p:txBody>
+          <a:bodyPr vert="horz" lIns="91440" tIns="45720" rIns="91440" bIns="45720" rtlCol="0" anchor="ctr">
+            <a:normAutofit fontScale="90000" lnSpcReduction="20000"/>
+          </a:bodyPr>
+          <a:lstStyle>
+            <a:lvl1pPr algn="l" defTabSz="914400" rtl="0" eaLnBrk="1" latinLnBrk="0" hangingPunct="1">
+              <a:lnSpc>
+                <a:spcPct val="90000"/>
+              </a:lnSpc>
+              <a:spcBef>
+                <a:spcPct val="0"/>
+              </a:spcBef>
+              <a:buNone/>
+              <a:defRPr kumimoji="1" sz="4400" kern="1200">
+                <a:solidFill>
+                  <a:schemeClr val="tx1"/>
+                </a:solidFill>
+                <a:latin typeface="+mj-lt"/>
+                <a:ea typeface="+mj-ea"/>
+                <a:cs typeface="+mj-cs"/>
+              </a:defRPr>
+            </a:lvl1pPr>
+          </a:lstStyle>
+          <a:p>
+            <a:pPr algn="ctr"/>
+            <a:r>
+              <a:rPr lang="ja-JP" altLang="en-US" dirty="0"/>
+              <a:t>設計説明書</a:t>
+            </a:r>
+          </a:p>
+        </p:txBody>
+      </p:sp>
+      <p:sp>
+        <p:nvSpPr>
+          <p:cNvPr id="4" name="タイトル 1">
+            <a:extLst>
+              <a:ext uri="{FF2B5EF4-FFF2-40B4-BE49-F238E27FC236}">
+                <a16:creationId xmlns:a16="http://schemas.microsoft.com/office/drawing/2014/main" id="{2987D920-7403-4B1A-9148-D14864109C4C}"/>
+              </a:ext>
+            </a:extLst>
+          </p:cNvPr>
+          <p:cNvSpPr txBox="1">
+            <a:spLocks/>
+          </p:cNvSpPr>
+          <p:nvPr/>
+        </p:nvSpPr>
+        <p:spPr>
+          <a:xfrm>
+            <a:off x="9034052" y="5860235"/>
+            <a:ext cx="2748645" cy="559435"/>
+          </a:xfrm>
+          <a:prstGeom prst="rect">
+            <a:avLst/>
+          </a:prstGeom>
+        </p:spPr>
+        <p:txBody>
+          <a:bodyPr vert="horz" lIns="91440" tIns="45720" rIns="91440" bIns="45720" rtlCol="0" anchor="ctr">
+            <a:normAutofit fontScale="97500"/>
+          </a:bodyPr>
+          <a:lstStyle>
+            <a:lvl1pPr algn="l" defTabSz="914400" rtl="0" eaLnBrk="1" latinLnBrk="0" hangingPunct="1">
+              <a:lnSpc>
+                <a:spcPct val="90000"/>
+              </a:lnSpc>
+              <a:spcBef>
+                <a:spcPct val="0"/>
+              </a:spcBef>
+              <a:buNone/>
+              <a:defRPr kumimoji="1" sz="4400" kern="1200">
+                <a:solidFill>
+                  <a:schemeClr val="tx1"/>
+                </a:solidFill>
+                <a:latin typeface="+mj-lt"/>
+                <a:ea typeface="+mj-ea"/>
+                <a:cs typeface="+mj-cs"/>
+              </a:defRPr>
+            </a:lvl1pPr>
+          </a:lstStyle>
+          <a:p>
+            <a:pPr algn="r"/>
+            <a:r>
+              <a:rPr lang="ja-JP" altLang="en-US" sz="2800" dirty="0"/>
+              <a:t>児玉　新次</a:t>
+            </a:r>
           </a:p>
         </p:txBody>
       </p:sp>
@@ -3674,7 +3789,7 @@
 </p:sld>
 </file>
 
-<file path=ppt/slides/slide2.xml><?xml version="1.0" encoding="utf-8"?>
+<file path=ppt/slides/slide10.xml><?xml version="1.0" encoding="utf-8"?>
 <p:sld xmlns:a="http://schemas.openxmlformats.org/drawingml/2006/main" xmlns:r="http://schemas.openxmlformats.org/officeDocument/2006/relationships" xmlns:p="http://schemas.openxmlformats.org/presentationml/2006/main">
   <p:cSld>
     <p:spTree>
@@ -3691,12 +3806,589 @@
           <a:chExt cx="0" cy="0"/>
         </a:xfrm>
       </p:grpSpPr>
+      <p:pic>
+        <p:nvPicPr>
+          <p:cNvPr id="18" name="Graphic 59">
+            <a:extLst>
+              <a:ext uri="{FF2B5EF4-FFF2-40B4-BE49-F238E27FC236}">
+                <a16:creationId xmlns:a16="http://schemas.microsoft.com/office/drawing/2014/main" id="{5E5B22F8-B044-4392-838C-DB5098A844B2}"/>
+              </a:ext>
+            </a:extLst>
+          </p:cNvPr>
+          <p:cNvPicPr>
+            <a:picLocks noChangeAspect="1"/>
+          </p:cNvPicPr>
+          <p:nvPr/>
+        </p:nvPicPr>
+        <p:blipFill>
+          <a:blip r:embed="rId2">
+            <a:extLst>
+              <a:ext uri="{96DAC541-7B7A-43D3-8B79-37D633B846F1}">
+                <asvg:svgBlip xmlns:asvg="http://schemas.microsoft.com/office/drawing/2016/SVG/main" r:embed="rId3"/>
+              </a:ext>
+            </a:extLst>
+          </a:blip>
+          <a:stretch>
+            <a:fillRect/>
+          </a:stretch>
+        </p:blipFill>
+        <p:spPr>
+          <a:xfrm>
+            <a:off x="3587187" y="988649"/>
+            <a:ext cx="762000" cy="952500"/>
+          </a:xfrm>
+          <a:prstGeom prst="rect">
+            <a:avLst/>
+          </a:prstGeom>
+        </p:spPr>
+      </p:pic>
+      <p:pic>
+        <p:nvPicPr>
+          <p:cNvPr id="19" name="Graphic 2">
+            <a:extLst>
+              <a:ext uri="{FF2B5EF4-FFF2-40B4-BE49-F238E27FC236}">
+                <a16:creationId xmlns:a16="http://schemas.microsoft.com/office/drawing/2014/main" id="{B2D5FC1A-1D96-426F-B4E3-4C42DB443A36}"/>
+              </a:ext>
+            </a:extLst>
+          </p:cNvPr>
+          <p:cNvPicPr>
+            <a:picLocks noChangeAspect="1"/>
+          </p:cNvPicPr>
+          <p:nvPr/>
+        </p:nvPicPr>
+        <p:blipFill>
+          <a:blip r:embed="rId4">
+            <a:extLst>
+              <a:ext uri="{96DAC541-7B7A-43D3-8B79-37D633B846F1}">
+                <asvg:svgBlip xmlns:asvg="http://schemas.microsoft.com/office/drawing/2016/SVG/main" r:embed="rId5"/>
+              </a:ext>
+            </a:extLst>
+          </a:blip>
+          <a:stretch>
+            <a:fillRect/>
+          </a:stretch>
+        </p:blipFill>
+        <p:spPr>
+          <a:xfrm>
+            <a:off x="1593243" y="965162"/>
+            <a:ext cx="762000" cy="1092200"/>
+          </a:xfrm>
+          <a:prstGeom prst="rect">
+            <a:avLst/>
+          </a:prstGeom>
+        </p:spPr>
+      </p:pic>
+      <p:pic>
+        <p:nvPicPr>
+          <p:cNvPr id="20" name="Graphic 2">
+            <a:extLst>
+              <a:ext uri="{FF2B5EF4-FFF2-40B4-BE49-F238E27FC236}">
+                <a16:creationId xmlns:a16="http://schemas.microsoft.com/office/drawing/2014/main" id="{9E9E899A-6D02-4444-B759-095E2741AF9B}"/>
+              </a:ext>
+            </a:extLst>
+          </p:cNvPr>
+          <p:cNvPicPr>
+            <a:picLocks noChangeAspect="1"/>
+          </p:cNvPicPr>
+          <p:nvPr/>
+        </p:nvPicPr>
+        <p:blipFill>
+          <a:blip r:embed="rId6">
+            <a:extLst>
+              <a:ext uri="{96DAC541-7B7A-43D3-8B79-37D633B846F1}">
+                <asvg:svgBlip xmlns:asvg="http://schemas.microsoft.com/office/drawing/2016/SVG/main" r:embed="rId7"/>
+              </a:ext>
+            </a:extLst>
+          </a:blip>
+          <a:stretch>
+            <a:fillRect/>
+          </a:stretch>
+        </p:blipFill>
+        <p:spPr>
+          <a:xfrm>
+            <a:off x="9511758" y="1035012"/>
+            <a:ext cx="762000" cy="952500"/>
+          </a:xfrm>
+          <a:prstGeom prst="rect">
+            <a:avLst/>
+          </a:prstGeom>
+        </p:spPr>
+      </p:pic>
+      <p:pic>
+        <p:nvPicPr>
+          <p:cNvPr id="21" name="Graphic 2">
+            <a:extLst>
+              <a:ext uri="{FF2B5EF4-FFF2-40B4-BE49-F238E27FC236}">
+                <a16:creationId xmlns:a16="http://schemas.microsoft.com/office/drawing/2014/main" id="{BE3678C0-603A-4DCB-8F62-2B8D9249700A}"/>
+              </a:ext>
+            </a:extLst>
+          </p:cNvPr>
+          <p:cNvPicPr>
+            <a:picLocks noChangeAspect="1"/>
+          </p:cNvPicPr>
+          <p:nvPr/>
+        </p:nvPicPr>
+        <p:blipFill>
+          <a:blip r:embed="rId8">
+            <a:extLst>
+              <a:ext uri="{96DAC541-7B7A-43D3-8B79-37D633B846F1}">
+                <asvg:svgBlip xmlns:asvg="http://schemas.microsoft.com/office/drawing/2016/SVG/main" r:embed="rId9"/>
+              </a:ext>
+            </a:extLst>
+          </a:blip>
+          <a:stretch>
+            <a:fillRect/>
+          </a:stretch>
+        </p:blipFill>
+        <p:spPr>
+          <a:xfrm>
+            <a:off x="5609000" y="965162"/>
+            <a:ext cx="762000" cy="952500"/>
+          </a:xfrm>
+          <a:prstGeom prst="rect">
+            <a:avLst/>
+          </a:prstGeom>
+        </p:spPr>
+      </p:pic>
+      <p:cxnSp>
+        <p:nvCxnSpPr>
+          <p:cNvPr id="39" name="Elbow Connector 122">
+            <a:extLst>
+              <a:ext uri="{FF2B5EF4-FFF2-40B4-BE49-F238E27FC236}">
+                <a16:creationId xmlns:a16="http://schemas.microsoft.com/office/drawing/2014/main" id="{1189CC59-29A5-4BD4-B6BE-7A6C4951AB9B}"/>
+              </a:ext>
+            </a:extLst>
+          </p:cNvPr>
+          <p:cNvCxnSpPr>
+            <a:cxnSpLocks/>
+            <a:endCxn id="13" idx="1"/>
+          </p:cNvCxnSpPr>
+          <p:nvPr/>
+        </p:nvCxnSpPr>
+        <p:spPr>
+          <a:xfrm flipV="1">
+            <a:off x="6391998" y="837969"/>
+            <a:ext cx="1306387" cy="385166"/>
+          </a:xfrm>
+          <a:prstGeom prst="bentConnector3">
+            <a:avLst>
+              <a:gd name="adj1" fmla="val 50000"/>
+            </a:avLst>
+          </a:prstGeom>
+          <a:ln w="12700">
+            <a:solidFill>
+              <a:srgbClr val="545B64"/>
+            </a:solidFill>
+            <a:headEnd type="arrow" w="med" len="sm"/>
+            <a:tailEnd type="none" w="med" len="sm"/>
+          </a:ln>
+        </p:spPr>
+        <p:style>
+          <a:lnRef idx="1">
+            <a:schemeClr val="accent1"/>
+          </a:lnRef>
+          <a:fillRef idx="0">
+            <a:schemeClr val="accent1"/>
+          </a:fillRef>
+          <a:effectRef idx="0">
+            <a:schemeClr val="accent1"/>
+          </a:effectRef>
+          <a:fontRef idx="minor">
+            <a:schemeClr val="tx1"/>
+          </a:fontRef>
+        </p:style>
+      </p:cxnSp>
+      <p:cxnSp>
+        <p:nvCxnSpPr>
+          <p:cNvPr id="40" name="Straight Arrow Connector 42">
+            <a:extLst>
+              <a:ext uri="{FF2B5EF4-FFF2-40B4-BE49-F238E27FC236}">
+                <a16:creationId xmlns:a16="http://schemas.microsoft.com/office/drawing/2014/main" id="{8931444F-91A9-48A2-B5BD-34BB785BFF93}"/>
+              </a:ext>
+            </a:extLst>
+          </p:cNvPr>
+          <p:cNvCxnSpPr>
+            <a:cxnSpLocks/>
+          </p:cNvCxnSpPr>
+          <p:nvPr/>
+        </p:nvCxnSpPr>
+        <p:spPr>
+          <a:xfrm>
+            <a:off x="6394048" y="1498299"/>
+            <a:ext cx="3016652" cy="0"/>
+          </a:xfrm>
+          <a:prstGeom prst="straightConnector1">
+            <a:avLst/>
+          </a:prstGeom>
+          <a:ln w="12700">
+            <a:solidFill>
+              <a:srgbClr val="545B64"/>
+            </a:solidFill>
+            <a:headEnd type="none" w="med" len="sm"/>
+            <a:tailEnd type="arrow" w="med" len="sm"/>
+          </a:ln>
+        </p:spPr>
+        <p:style>
+          <a:lnRef idx="1">
+            <a:schemeClr val="accent1"/>
+          </a:lnRef>
+          <a:fillRef idx="0">
+            <a:schemeClr val="accent1"/>
+          </a:fillRef>
+          <a:effectRef idx="0">
+            <a:schemeClr val="accent1"/>
+          </a:effectRef>
+          <a:fontRef idx="minor">
+            <a:schemeClr val="tx1"/>
+          </a:fontRef>
+        </p:style>
+      </p:cxnSp>
+      <p:cxnSp>
+        <p:nvCxnSpPr>
+          <p:cNvPr id="41" name="Straight Arrow Connector 42">
+            <a:extLst>
+              <a:ext uri="{FF2B5EF4-FFF2-40B4-BE49-F238E27FC236}">
+                <a16:creationId xmlns:a16="http://schemas.microsoft.com/office/drawing/2014/main" id="{6132CFB3-7135-4A3C-B606-77143EFA5503}"/>
+              </a:ext>
+            </a:extLst>
+          </p:cNvPr>
+          <p:cNvCxnSpPr>
+            <a:cxnSpLocks/>
+          </p:cNvCxnSpPr>
+          <p:nvPr/>
+        </p:nvCxnSpPr>
+        <p:spPr>
+          <a:xfrm>
+            <a:off x="2345149" y="1338737"/>
+            <a:ext cx="1259813" cy="0"/>
+          </a:xfrm>
+          <a:prstGeom prst="straightConnector1">
+            <a:avLst/>
+          </a:prstGeom>
+          <a:ln w="12700">
+            <a:solidFill>
+              <a:srgbClr val="545B64"/>
+            </a:solidFill>
+            <a:headEnd type="none" w="med" len="sm"/>
+            <a:tailEnd type="arrow" w="med" len="sm"/>
+          </a:ln>
+        </p:spPr>
+        <p:style>
+          <a:lnRef idx="1">
+            <a:schemeClr val="accent1"/>
+          </a:lnRef>
+          <a:fillRef idx="0">
+            <a:schemeClr val="accent1"/>
+          </a:fillRef>
+          <a:effectRef idx="0">
+            <a:schemeClr val="accent1"/>
+          </a:effectRef>
+          <a:fontRef idx="minor">
+            <a:schemeClr val="tx1"/>
+          </a:fontRef>
+        </p:style>
+      </p:cxnSp>
+      <p:cxnSp>
+        <p:nvCxnSpPr>
+          <p:cNvPr id="45" name="Straight Arrow Connector 42">
+            <a:extLst>
+              <a:ext uri="{FF2B5EF4-FFF2-40B4-BE49-F238E27FC236}">
+                <a16:creationId xmlns:a16="http://schemas.microsoft.com/office/drawing/2014/main" id="{7851DAA9-3BB9-41FE-927D-B98B8CF6E9C8}"/>
+              </a:ext>
+            </a:extLst>
+          </p:cNvPr>
+          <p:cNvCxnSpPr>
+            <a:cxnSpLocks/>
+          </p:cNvCxnSpPr>
+          <p:nvPr/>
+        </p:nvCxnSpPr>
+        <p:spPr>
+          <a:xfrm>
+            <a:off x="4349187" y="1339937"/>
+            <a:ext cx="1259813" cy="0"/>
+          </a:xfrm>
+          <a:prstGeom prst="straightConnector1">
+            <a:avLst/>
+          </a:prstGeom>
+          <a:ln w="12700">
+            <a:solidFill>
+              <a:srgbClr val="545B64"/>
+            </a:solidFill>
+            <a:headEnd type="none" w="med" len="sm"/>
+            <a:tailEnd type="arrow" w="med" len="sm"/>
+          </a:ln>
+        </p:spPr>
+        <p:style>
+          <a:lnRef idx="1">
+            <a:schemeClr val="accent1"/>
+          </a:lnRef>
+          <a:fillRef idx="0">
+            <a:schemeClr val="accent1"/>
+          </a:fillRef>
+          <a:effectRef idx="0">
+            <a:schemeClr val="accent1"/>
+          </a:effectRef>
+          <a:fontRef idx="minor">
+            <a:schemeClr val="tx1"/>
+          </a:fontRef>
+        </p:style>
+      </p:cxnSp>
       <p:sp>
         <p:nvSpPr>
-          <p:cNvPr id="3" name="コンテンツ プレースホルダー 2">
-            <a:extLst>
-              <a:ext uri="{FF2B5EF4-FFF2-40B4-BE49-F238E27FC236}">
-                <a16:creationId xmlns:a16="http://schemas.microsoft.com/office/drawing/2014/main" id="{B6C2D751-6038-46CF-8DE2-EDC1E114B9C7}"/>
+          <p:cNvPr id="55" name="テキスト ボックス 54">
+            <a:extLst>
+              <a:ext uri="{FF2B5EF4-FFF2-40B4-BE49-F238E27FC236}">
+                <a16:creationId xmlns:a16="http://schemas.microsoft.com/office/drawing/2014/main" id="{EFDEAFC8-10EC-4F6F-BD1E-CF56E576F128}"/>
+              </a:ext>
+            </a:extLst>
+          </p:cNvPr>
+          <p:cNvSpPr txBox="1"/>
+          <p:nvPr/>
+        </p:nvSpPr>
+        <p:spPr>
+          <a:xfrm>
+            <a:off x="8510914" y="482478"/>
+            <a:ext cx="723275" cy="307777"/>
+          </a:xfrm>
+          <a:prstGeom prst="rect">
+            <a:avLst/>
+          </a:prstGeom>
+          <a:noFill/>
+        </p:spPr>
+        <p:txBody>
+          <a:bodyPr wrap="none" rtlCol="0">
+            <a:spAutoFit/>
+          </a:bodyPr>
+          <a:lstStyle/>
+          <a:p>
+            <a:r>
+              <a:rPr lang="ja-JP" altLang="en-US" sz="1400" dirty="0"/>
+              <a:t>作業用</a:t>
+            </a:r>
+            <a:endParaRPr kumimoji="1" lang="ja-JP" altLang="en-US" sz="1400" dirty="0"/>
+          </a:p>
+        </p:txBody>
+      </p:sp>
+      <p:sp>
+        <p:nvSpPr>
+          <p:cNvPr id="56" name="テキスト ボックス 55">
+            <a:extLst>
+              <a:ext uri="{FF2B5EF4-FFF2-40B4-BE49-F238E27FC236}">
+                <a16:creationId xmlns:a16="http://schemas.microsoft.com/office/drawing/2014/main" id="{B05108C1-DFA2-4DC7-A7C9-6246D0DF2387}"/>
+              </a:ext>
+            </a:extLst>
+          </p:cNvPr>
+          <p:cNvSpPr txBox="1"/>
+          <p:nvPr/>
+        </p:nvSpPr>
+        <p:spPr>
+          <a:xfrm>
+            <a:off x="10366291" y="1464899"/>
+            <a:ext cx="723275" cy="307777"/>
+          </a:xfrm>
+          <a:prstGeom prst="rect">
+            <a:avLst/>
+          </a:prstGeom>
+          <a:noFill/>
+        </p:spPr>
+        <p:txBody>
+          <a:bodyPr wrap="none" rtlCol="0">
+            <a:spAutoFit/>
+          </a:bodyPr>
+          <a:lstStyle/>
+          <a:p>
+            <a:r>
+              <a:rPr lang="ja-JP" altLang="en-US" sz="1400" dirty="0"/>
+              <a:t>格納用</a:t>
+            </a:r>
+            <a:endParaRPr kumimoji="1" lang="ja-JP" altLang="en-US" sz="1400" dirty="0"/>
+          </a:p>
+        </p:txBody>
+      </p:sp>
+      <p:pic>
+        <p:nvPicPr>
+          <p:cNvPr id="13" name="Graphic 2">
+            <a:extLst>
+              <a:ext uri="{FF2B5EF4-FFF2-40B4-BE49-F238E27FC236}">
+                <a16:creationId xmlns:a16="http://schemas.microsoft.com/office/drawing/2014/main" id="{57EE68FC-B160-4D96-9BC7-488ABB7FDDF9}"/>
+              </a:ext>
+            </a:extLst>
+          </p:cNvPr>
+          <p:cNvPicPr>
+            <a:picLocks noChangeAspect="1"/>
+          </p:cNvPicPr>
+          <p:nvPr/>
+        </p:nvPicPr>
+        <p:blipFill>
+          <a:blip r:embed="rId6">
+            <a:extLst>
+              <a:ext uri="{96DAC541-7B7A-43D3-8B79-37D633B846F1}">
+                <asvg:svgBlip xmlns:asvg="http://schemas.microsoft.com/office/drawing/2016/SVG/main" r:embed="rId7"/>
+              </a:ext>
+            </a:extLst>
+          </a:blip>
+          <a:stretch>
+            <a:fillRect/>
+          </a:stretch>
+        </p:blipFill>
+        <p:spPr>
+          <a:xfrm>
+            <a:off x="7698385" y="361719"/>
+            <a:ext cx="762000" cy="952500"/>
+          </a:xfrm>
+          <a:prstGeom prst="rect">
+            <a:avLst/>
+          </a:prstGeom>
+        </p:spPr>
+      </p:pic>
+      <p:sp>
+        <p:nvSpPr>
+          <p:cNvPr id="49" name="テキスト ボックス 48">
+            <a:extLst>
+              <a:ext uri="{FF2B5EF4-FFF2-40B4-BE49-F238E27FC236}">
+                <a16:creationId xmlns:a16="http://schemas.microsoft.com/office/drawing/2014/main" id="{A4CB9556-9A8F-41BB-AA74-0BFE7CED641C}"/>
+              </a:ext>
+            </a:extLst>
+          </p:cNvPr>
+          <p:cNvSpPr txBox="1"/>
+          <p:nvPr/>
+        </p:nvSpPr>
+        <p:spPr>
+          <a:xfrm>
+            <a:off x="2763814" y="1461418"/>
+            <a:ext cx="415498" cy="369332"/>
+          </a:xfrm>
+          <a:prstGeom prst="rect">
+            <a:avLst/>
+          </a:prstGeom>
+          <a:noFill/>
+        </p:spPr>
+        <p:txBody>
+          <a:bodyPr wrap="none" rtlCol="0">
+            <a:spAutoFit/>
+          </a:bodyPr>
+          <a:lstStyle/>
+          <a:p>
+            <a:r>
+              <a:rPr kumimoji="1" lang="ja-JP" altLang="en-US" dirty="0"/>
+              <a:t>①</a:t>
+            </a:r>
+          </a:p>
+        </p:txBody>
+      </p:sp>
+      <p:sp>
+        <p:nvSpPr>
+          <p:cNvPr id="51" name="テキスト ボックス 50">
+            <a:extLst>
+              <a:ext uri="{FF2B5EF4-FFF2-40B4-BE49-F238E27FC236}">
+                <a16:creationId xmlns:a16="http://schemas.microsoft.com/office/drawing/2014/main" id="{3F4A932E-AA65-4387-A4DB-0E57FE8E72DB}"/>
+              </a:ext>
+            </a:extLst>
+          </p:cNvPr>
+          <p:cNvSpPr txBox="1"/>
+          <p:nvPr/>
+        </p:nvSpPr>
+        <p:spPr>
+          <a:xfrm>
+            <a:off x="4735416" y="1461418"/>
+            <a:ext cx="415498" cy="369332"/>
+          </a:xfrm>
+          <a:prstGeom prst="rect">
+            <a:avLst/>
+          </a:prstGeom>
+          <a:noFill/>
+        </p:spPr>
+        <p:txBody>
+          <a:bodyPr wrap="none" rtlCol="0">
+            <a:spAutoFit/>
+          </a:bodyPr>
+          <a:lstStyle/>
+          <a:p>
+            <a:r>
+              <a:rPr lang="ja-JP" altLang="en-US" dirty="0"/>
+              <a:t>②</a:t>
+            </a:r>
+            <a:endParaRPr kumimoji="1" lang="ja-JP" altLang="en-US" dirty="0"/>
+          </a:p>
+        </p:txBody>
+      </p:sp>
+      <p:sp>
+        <p:nvSpPr>
+          <p:cNvPr id="59" name="テキスト ボックス 58">
+            <a:extLst>
+              <a:ext uri="{FF2B5EF4-FFF2-40B4-BE49-F238E27FC236}">
+                <a16:creationId xmlns:a16="http://schemas.microsoft.com/office/drawing/2014/main" id="{8121F765-BCFB-46D9-9E4A-8D4673D2EB0D}"/>
+              </a:ext>
+            </a:extLst>
+          </p:cNvPr>
+          <p:cNvSpPr txBox="1"/>
+          <p:nvPr/>
+        </p:nvSpPr>
+        <p:spPr>
+          <a:xfrm>
+            <a:off x="6616361" y="687449"/>
+            <a:ext cx="415498" cy="369332"/>
+          </a:xfrm>
+          <a:prstGeom prst="rect">
+            <a:avLst/>
+          </a:prstGeom>
+          <a:noFill/>
+        </p:spPr>
+        <p:txBody>
+          <a:bodyPr wrap="none" rtlCol="0">
+            <a:spAutoFit/>
+          </a:bodyPr>
+          <a:lstStyle/>
+          <a:p>
+            <a:r>
+              <a:rPr kumimoji="1" lang="ja-JP" altLang="en-US" dirty="0"/>
+              <a:t>③</a:t>
+            </a:r>
+          </a:p>
+        </p:txBody>
+      </p:sp>
+      <p:sp>
+        <p:nvSpPr>
+          <p:cNvPr id="60" name="テキスト ボックス 59">
+            <a:extLst>
+              <a:ext uri="{FF2B5EF4-FFF2-40B4-BE49-F238E27FC236}">
+                <a16:creationId xmlns:a16="http://schemas.microsoft.com/office/drawing/2014/main" id="{F4A83168-7B5C-4ED7-A47B-F680DDC26982}"/>
+              </a:ext>
+            </a:extLst>
+          </p:cNvPr>
+          <p:cNvSpPr txBox="1"/>
+          <p:nvPr/>
+        </p:nvSpPr>
+        <p:spPr>
+          <a:xfrm>
+            <a:off x="6829086" y="1516032"/>
+            <a:ext cx="415498" cy="369332"/>
+          </a:xfrm>
+          <a:prstGeom prst="rect">
+            <a:avLst/>
+          </a:prstGeom>
+          <a:noFill/>
+        </p:spPr>
+        <p:txBody>
+          <a:bodyPr wrap="none" rtlCol="0">
+            <a:spAutoFit/>
+          </a:bodyPr>
+          <a:lstStyle/>
+          <a:p>
+            <a:r>
+              <a:rPr lang="ja-JP" altLang="en-US" dirty="0"/>
+              <a:t>④</a:t>
+            </a:r>
+            <a:endParaRPr kumimoji="1" lang="ja-JP" altLang="en-US" dirty="0"/>
+          </a:p>
+        </p:txBody>
+      </p:sp>
+      <p:sp>
+        <p:nvSpPr>
+          <p:cNvPr id="61" name="コンテンツ プレースホルダー 2">
+            <a:extLst>
+              <a:ext uri="{FF2B5EF4-FFF2-40B4-BE49-F238E27FC236}">
+                <a16:creationId xmlns:a16="http://schemas.microsoft.com/office/drawing/2014/main" id="{9FA4B295-975A-4145-B21D-766D14A12A6E}"/>
               </a:ext>
             </a:extLst>
           </p:cNvPr>
@@ -3709,161 +4401,267 @@
         </p:nvSpPr>
         <p:spPr>
           <a:xfrm>
-            <a:off x="838200" y="609600"/>
-            <a:ext cx="10515600" cy="5567363"/>
+            <a:off x="665480" y="2361087"/>
+            <a:ext cx="10861040" cy="4170590"/>
           </a:xfrm>
         </p:spPr>
         <p:txBody>
-          <a:bodyPr/>
+          <a:bodyPr>
+            <a:normAutofit/>
+          </a:bodyPr>
           <a:lstStyle/>
           <a:p>
-            <a:pPr>
-              <a:buFont typeface="Wingdings" panose="05000000000000000000" pitchFamily="2" charset="2"/>
-              <a:buChar char="Ø"/>
+            <a:pPr marL="457200" indent="-457200">
+              <a:buFont typeface="+mj-ea"/>
+              <a:buAutoNum type="circleNumDbPlain"/>
             </a:pPr>
             <a:r>
-              <a:rPr lang="ja-JP" altLang="en-US" dirty="0"/>
-              <a:t>　課題のキモは、リクエスト数が多いこと</a:t>
-            </a:r>
-          </a:p>
-          <a:p>
-            <a:pPr lvl="1"/>
-            <a:r>
-              <a:rPr lang="ja-JP" altLang="en-US" dirty="0"/>
-              <a:t>アクティブユーザ数 </a:t>
-            </a:r>
-            <a:r>
-              <a:rPr lang="en-US" altLang="ja-JP" dirty="0"/>
-              <a:t>: 20,000/h  (</a:t>
-            </a:r>
-            <a:r>
-              <a:rPr lang="ja-JP" altLang="en-US" dirty="0"/>
-              <a:t>要求事項より</a:t>
-            </a:r>
-            <a:r>
-              <a:rPr lang="en-US" altLang="ja-JP" dirty="0"/>
+              <a:rPr lang="en-US" altLang="ja-JP" sz="2400" dirty="0"/>
+              <a:t>CloudWatch Events</a:t>
+            </a:r>
+            <a:r>
+              <a:rPr lang="ja-JP" altLang="en-US" sz="2400" dirty="0"/>
+              <a:t>によって、</a:t>
+            </a:r>
+            <a:r>
+              <a:rPr lang="en-US" altLang="ja-JP" sz="2000" dirty="0"/>
+              <a:t>0</a:t>
+            </a:r>
+            <a:r>
+              <a:rPr lang="ja-JP" altLang="en-US" sz="2000" dirty="0"/>
+              <a:t>時過ぎに</a:t>
+            </a:r>
+            <a:r>
+              <a:rPr lang="en-US" altLang="ja-JP" sz="2000" dirty="0"/>
+              <a:t>Lambda(</a:t>
+            </a:r>
+            <a:r>
+              <a:rPr lang="en-US" altLang="ja-JP" sz="2000" dirty="0" err="1"/>
+              <a:t>start_collect_server</a:t>
+            </a:r>
+            <a:r>
+              <a:rPr lang="en-US" altLang="ja-JP" sz="2000" dirty="0"/>
               <a:t>)</a:t>
             </a:r>
-          </a:p>
-          <a:p>
-            <a:pPr lvl="1"/>
-            <a:r>
-              <a:rPr lang="ja-JP" altLang="en-US" dirty="0"/>
-              <a:t>リクエスト数</a:t>
-            </a:r>
-            <a:r>
-              <a:rPr lang="en-US" altLang="ja-JP" dirty="0"/>
-              <a:t>: 16,666/m</a:t>
-            </a:r>
-            <a:endParaRPr lang="ja-JP" altLang="en-US" dirty="0"/>
-          </a:p>
-          <a:p>
-            <a:pPr marL="914400" lvl="2" indent="0">
+            <a:r>
+              <a:rPr lang="ja-JP" altLang="en-US" sz="2000" dirty="0"/>
+              <a:t>を呼び出す</a:t>
+            </a:r>
+          </a:p>
+          <a:p>
+            <a:pPr marL="457200" lvl="1" indent="0">
               <a:buNone/>
             </a:pPr>
-            <a:r>
-              <a:rPr lang="en-US" altLang="ja-JP" dirty="0"/>
-              <a:t> (</a:t>
-            </a:r>
-            <a:r>
-              <a:rPr lang="ja-JP" altLang="en-US" dirty="0"/>
-              <a:t>平均</a:t>
-            </a:r>
-            <a:r>
-              <a:rPr lang="en-US" altLang="ja-JP" dirty="0"/>
-              <a:t>5</a:t>
-            </a:r>
-            <a:r>
-              <a:rPr lang="ja-JP" altLang="en-US" dirty="0"/>
-              <a:t>回</a:t>
-            </a:r>
-            <a:r>
-              <a:rPr lang="en-US" altLang="ja-JP" dirty="0"/>
-              <a:t>/h</a:t>
-            </a:r>
-            <a:r>
-              <a:rPr lang="ja-JP" altLang="en-US" dirty="0"/>
-              <a:t>のアクセスが均等に行われるとして、</a:t>
-            </a:r>
-            <a:r>
-              <a:rPr lang="en-US" altLang="ja-JP" dirty="0"/>
-              <a:t>20,000 × 5 ÷ 60)</a:t>
-            </a:r>
-          </a:p>
-          <a:p>
-            <a:pPr lvl="1"/>
-            <a:r>
-              <a:rPr lang="ja-JP" altLang="en-US" dirty="0"/>
-              <a:t>合計レコード数</a:t>
-            </a:r>
-            <a:r>
-              <a:rPr lang="en-US" altLang="ja-JP" dirty="0"/>
-              <a:t>: 2,400,000/d</a:t>
-            </a:r>
-          </a:p>
-          <a:p>
-            <a:pPr marL="914400" lvl="2" indent="0">
+            <a:endParaRPr lang="en-US" altLang="ja-JP" sz="2000" dirty="0"/>
+          </a:p>
+          <a:p>
+            <a:pPr marL="457200" indent="-457200">
+              <a:buFont typeface="+mj-ea"/>
+              <a:buAutoNum type="circleNumDbPlain"/>
+            </a:pPr>
+            <a:r>
+              <a:rPr lang="en-US" altLang="ja-JP" sz="2400" dirty="0"/>
+              <a:t>Lambda(</a:t>
+            </a:r>
+            <a:r>
+              <a:rPr lang="en-US" altLang="ja-JP" sz="2400" dirty="0" err="1"/>
+              <a:t>start_collect_server</a:t>
+            </a:r>
+            <a:r>
+              <a:rPr lang="en-US" altLang="ja-JP" sz="2400" dirty="0"/>
+              <a:t>)</a:t>
+            </a:r>
+            <a:r>
+              <a:rPr lang="ja-JP" altLang="en-US" sz="2400" dirty="0"/>
+              <a:t>は</a:t>
+            </a:r>
+            <a:r>
+              <a:rPr lang="en-US" altLang="ja-JP" sz="2000" dirty="0"/>
+              <a:t>EC2</a:t>
+            </a:r>
+            <a:r>
+              <a:rPr lang="ja-JP" altLang="en-US" sz="2000" dirty="0"/>
+              <a:t>サーバを起動する</a:t>
+            </a:r>
+          </a:p>
+          <a:p>
+            <a:pPr marL="457200" lvl="1" indent="0">
               <a:buNone/>
             </a:pPr>
             <a:r>
-              <a:rPr lang="en-US" altLang="ja-JP" dirty="0"/>
-              <a:t>(20,000 × 5 × 24)</a:t>
-            </a:r>
-            <a:endParaRPr lang="ja-JP" altLang="en-US" dirty="0"/>
-          </a:p>
-          <a:p>
-            <a:pPr marL="914400" lvl="2" indent="0">
+              <a:rPr lang="ja-JP" altLang="en-US" sz="2000" dirty="0"/>
+              <a:t>サーバ起動後、自動的に</a:t>
+            </a:r>
+            <a:r>
+              <a:rPr lang="en-US" altLang="ja-JP" sz="2000" dirty="0"/>
+              <a:t>retrieve_request.py</a:t>
+            </a:r>
+            <a:r>
+              <a:rPr lang="ja-JP" altLang="en-US" sz="2000" dirty="0"/>
+              <a:t>を実行する</a:t>
+            </a:r>
+          </a:p>
+          <a:p>
+            <a:pPr marL="457200" lvl="1" indent="0">
               <a:buNone/>
             </a:pPr>
-            <a:endParaRPr lang="ja-JP" altLang="en-US" dirty="0"/>
-          </a:p>
-          <a:p>
-            <a:pPr>
-              <a:buFont typeface="Wingdings" panose="05000000000000000000" pitchFamily="2" charset="2"/>
-              <a:buChar char="Ø"/>
+            <a:endParaRPr lang="en-US" altLang="ja-JP" sz="2000" dirty="0"/>
+          </a:p>
+          <a:p>
+            <a:pPr marL="457200" indent="-457200">
+              <a:buFont typeface="+mj-ea"/>
+              <a:buAutoNum type="circleNumDbPlain"/>
             </a:pPr>
             <a:r>
-              <a:rPr kumimoji="1" lang="ja-JP" altLang="en-US" dirty="0"/>
-              <a:t>　収集したデータは折角なので使い切りじゃなく再利用したい</a:t>
-            </a:r>
-          </a:p>
-          <a:p>
-            <a:pPr lvl="1"/>
-            <a:r>
-              <a:rPr kumimoji="1" lang="en-US" altLang="ja-JP" dirty="0"/>
-              <a:t>S3 + Redshift spectrum</a:t>
-            </a:r>
-            <a:r>
-              <a:rPr kumimoji="1" lang="ja-JP" altLang="en-US" dirty="0"/>
-              <a:t>を選択</a:t>
-            </a:r>
-          </a:p>
-          <a:p>
-            <a:endParaRPr kumimoji="1" lang="ja-JP" altLang="en-US" dirty="0"/>
-          </a:p>
-          <a:p>
-            <a:pPr>
-              <a:buFont typeface="Wingdings" panose="05000000000000000000" pitchFamily="2" charset="2"/>
-              <a:buChar char="Ø"/>
+              <a:rPr lang="en-US" altLang="ja-JP" sz="2400" dirty="0"/>
+              <a:t>S3(</a:t>
+            </a:r>
+            <a:r>
+              <a:rPr lang="ja-JP" altLang="en-US" sz="2400" dirty="0"/>
+              <a:t>作業用</a:t>
+            </a:r>
+            <a:r>
+              <a:rPr lang="en-US" altLang="ja-JP" sz="2400" dirty="0"/>
+              <a:t>)</a:t>
+            </a:r>
+            <a:r>
+              <a:rPr lang="ja-JP" altLang="en-US" sz="2400" dirty="0"/>
+              <a:t>に蓄えられたリクエストを日付毎に振り分ける</a:t>
+            </a:r>
+          </a:p>
+          <a:p>
+            <a:pPr marL="457200" lvl="1" indent="0">
+              <a:buNone/>
             </a:pPr>
             <a:r>
+              <a:rPr lang="ja-JP" altLang="en-US" sz="2000" dirty="0"/>
+              <a:t>これは、</a:t>
+            </a:r>
+            <a:r>
+              <a:rPr lang="en-US" altLang="ja-JP" sz="2000" dirty="0"/>
+              <a:t>Redshift</a:t>
+            </a:r>
+            <a:r>
+              <a:rPr lang="ja-JP" altLang="en-US" sz="2000" dirty="0"/>
+              <a:t> </a:t>
+            </a:r>
+            <a:r>
+              <a:rPr lang="en-US" altLang="ja-JP" sz="2000" dirty="0"/>
+              <a:t>Spectrum</a:t>
+            </a:r>
+            <a:r>
+              <a:rPr lang="ja-JP" altLang="en-US" sz="2000" dirty="0"/>
+              <a:t>で、日付によるパーティショニングを行っているため</a:t>
+            </a:r>
+          </a:p>
+          <a:p>
+            <a:pPr marL="457200" lvl="1" indent="0">
+              <a:buNone/>
+            </a:pPr>
+            <a:endParaRPr lang="ja-JP" altLang="en-US" sz="2000" dirty="0"/>
+          </a:p>
+          <a:p>
+            <a:pPr marL="457200" indent="-457200">
+              <a:buFont typeface="+mj-ea"/>
+              <a:buAutoNum type="circleNumDbPlain"/>
+            </a:pPr>
+            <a:r>
+              <a:rPr lang="ja-JP" altLang="en-US" sz="2400" dirty="0"/>
+              <a:t>日付毎に振り分けられたデータを</a:t>
+            </a:r>
+            <a:r>
+              <a:rPr lang="en-US" altLang="ja-JP" sz="2400" dirty="0"/>
+              <a:t>S3(</a:t>
+            </a:r>
+            <a:r>
+              <a:rPr lang="ja-JP" altLang="en-US" sz="2400" dirty="0"/>
+              <a:t>格納用</a:t>
+            </a:r>
+            <a:r>
+              <a:rPr lang="en-US" altLang="ja-JP" sz="2400" dirty="0"/>
+              <a:t>)</a:t>
+            </a:r>
+            <a:r>
+              <a:rPr lang="ja-JP" altLang="en-US" sz="2400" dirty="0"/>
+              <a:t>に格納する</a:t>
+            </a:r>
+            <a:endParaRPr lang="ja-JP" altLang="en-US" sz="1600" dirty="0"/>
+          </a:p>
+          <a:p>
+            <a:pPr marL="457200" lvl="1" indent="0">
+              <a:buNone/>
+            </a:pPr>
+            <a:r>
+              <a:rPr lang="en-US" altLang="ja-JP" sz="2000" dirty="0"/>
+              <a:t>S3(</a:t>
+            </a:r>
+            <a:r>
+              <a:rPr lang="ja-JP" altLang="en-US" sz="2000" dirty="0"/>
+              <a:t>格納用</a:t>
+            </a:r>
+            <a:r>
+              <a:rPr lang="en-US" altLang="ja-JP" sz="2000" dirty="0"/>
+              <a:t>)</a:t>
+            </a:r>
+            <a:r>
+              <a:rPr lang="ja-JP" altLang="en-US" sz="2000" dirty="0"/>
+              <a:t>が</a:t>
+            </a:r>
+            <a:r>
+              <a:rPr lang="en-US" altLang="ja-JP" sz="2000" dirty="0"/>
+              <a:t>Redshift</a:t>
+            </a:r>
+            <a:r>
+              <a:rPr lang="ja-JP" altLang="en-US" sz="2000" dirty="0"/>
+              <a:t> </a:t>
+            </a:r>
+            <a:r>
+              <a:rPr lang="en-US" altLang="ja-JP" sz="2000" dirty="0"/>
+              <a:t>Spectrum</a:t>
+            </a:r>
+            <a:r>
+              <a:rPr lang="ja-JP" altLang="en-US" sz="2000" dirty="0"/>
+              <a:t>のデータソースになる</a:t>
+            </a:r>
+          </a:p>
+        </p:txBody>
+      </p:sp>
+      <p:sp>
+        <p:nvSpPr>
+          <p:cNvPr id="22" name="テキスト ボックス 21">
+            <a:extLst>
+              <a:ext uri="{FF2B5EF4-FFF2-40B4-BE49-F238E27FC236}">
+                <a16:creationId xmlns:a16="http://schemas.microsoft.com/office/drawing/2014/main" id="{AC242285-FC15-4512-A49C-BD7DC9BD9455}"/>
+              </a:ext>
+            </a:extLst>
+          </p:cNvPr>
+          <p:cNvSpPr txBox="1"/>
+          <p:nvPr/>
+        </p:nvSpPr>
+        <p:spPr>
+          <a:xfrm>
+            <a:off x="348029" y="326319"/>
+            <a:ext cx="646331" cy="369332"/>
+          </a:xfrm>
+          <a:prstGeom prst="rect">
+            <a:avLst/>
+          </a:prstGeom>
+          <a:noFill/>
+          <a:ln w="3175">
+            <a:solidFill>
+              <a:schemeClr val="tx1"/>
+            </a:solidFill>
+          </a:ln>
+        </p:spPr>
+        <p:txBody>
+          <a:bodyPr wrap="none" rtlCol="0">
+            <a:spAutoFit/>
+          </a:bodyPr>
+          <a:lstStyle/>
+          <a:p>
+            <a:r>
               <a:rPr lang="ja-JP" altLang="en-US" dirty="0"/>
-              <a:t>　リクエストをもらさず遅いメディア</a:t>
-            </a:r>
-            <a:r>
-              <a:rPr lang="en-US" altLang="ja-JP" dirty="0"/>
-              <a:t>(S3)</a:t>
-            </a:r>
-            <a:r>
-              <a:rPr lang="ja-JP" altLang="en-US" dirty="0"/>
-              <a:t>に書き込む必要あり</a:t>
-            </a:r>
-          </a:p>
-          <a:p>
-            <a:pPr lvl="1"/>
-            <a:r>
-              <a:rPr lang="ja-JP" altLang="en-US" dirty="0"/>
-              <a:t>段階的にリクエストをまとめる処理を行う</a:t>
+              <a:t>振分</a:t>
             </a:r>
             <a:endParaRPr kumimoji="1" lang="ja-JP" altLang="en-US" dirty="0"/>
           </a:p>
@@ -3872,7 +4670,7 @@
     </p:spTree>
     <p:extLst>
       <p:ext uri="{BB962C8B-B14F-4D97-AF65-F5344CB8AC3E}">
-        <p14:creationId xmlns:p14="http://schemas.microsoft.com/office/powerpoint/2010/main" val="917198469"/>
+        <p14:creationId xmlns:p14="http://schemas.microsoft.com/office/powerpoint/2010/main" val="2631840503"/>
       </p:ext>
     </p:extLst>
   </p:cSld>
@@ -3882,337 +4680,7 @@
 </p:sld>
 </file>
 
-<file path=ppt/slides/slide3.xml><?xml version="1.0" encoding="utf-8"?>
-<p:sld xmlns:a="http://schemas.openxmlformats.org/drawingml/2006/main" xmlns:r="http://schemas.openxmlformats.org/officeDocument/2006/relationships" xmlns:p="http://schemas.openxmlformats.org/presentationml/2006/main">
-  <p:cSld>
-    <p:spTree>
-      <p:nvGrpSpPr>
-        <p:cNvPr id="1" name=""/>
-        <p:cNvGrpSpPr/>
-        <p:nvPr/>
-      </p:nvGrpSpPr>
-      <p:grpSpPr>
-        <a:xfrm>
-          <a:off x="0" y="0"/>
-          <a:ext cx="0" cy="0"/>
-          <a:chOff x="0" y="0"/>
-          <a:chExt cx="0" cy="0"/>
-        </a:xfrm>
-      </p:grpSpPr>
-      <p:sp>
-        <p:nvSpPr>
-          <p:cNvPr id="3" name="コンテンツ プレースホルダー 2">
-            <a:extLst>
-              <a:ext uri="{FF2B5EF4-FFF2-40B4-BE49-F238E27FC236}">
-                <a16:creationId xmlns:a16="http://schemas.microsoft.com/office/drawing/2014/main" id="{B6C2D751-6038-46CF-8DE2-EDC1E114B9C7}"/>
-              </a:ext>
-            </a:extLst>
-          </p:cNvPr>
-          <p:cNvSpPr>
-            <a:spLocks noGrp="1"/>
-          </p:cNvSpPr>
-          <p:nvPr>
-            <p:ph idx="1"/>
-          </p:nvPr>
-        </p:nvSpPr>
-        <p:spPr>
-          <a:xfrm>
-            <a:off x="680720" y="609600"/>
-            <a:ext cx="10861040" cy="5648960"/>
-          </a:xfrm>
-        </p:spPr>
-        <p:txBody>
-          <a:bodyPr>
-            <a:normAutofit/>
-          </a:bodyPr>
-          <a:lstStyle/>
-          <a:p>
-            <a:pPr marL="0" indent="0">
-              <a:buNone/>
-            </a:pPr>
-            <a:r>
-              <a:rPr lang="ja-JP" altLang="en-US" dirty="0"/>
-              <a:t>段階的にリクエストをまとめる処理の中身</a:t>
-            </a:r>
-            <a:endParaRPr lang="en-US" altLang="ja-JP" dirty="0"/>
-          </a:p>
-          <a:p>
-            <a:pPr lvl="1">
-              <a:buFont typeface="Wingdings" panose="05000000000000000000" pitchFamily="2" charset="2"/>
-              <a:buChar char="Ø"/>
-            </a:pPr>
-            <a:endParaRPr lang="ja-JP" altLang="en-US" dirty="0"/>
-          </a:p>
-          <a:p>
-            <a:pPr marL="914400" lvl="1" indent="-457200">
-              <a:buFont typeface="+mj-lt"/>
-              <a:buAutoNum type="arabicPeriod"/>
-            </a:pPr>
-            <a:r>
-              <a:rPr kumimoji="1" lang="ja-JP" altLang="en-US" dirty="0"/>
-              <a:t>受取</a:t>
-            </a:r>
-            <a:endParaRPr kumimoji="1" lang="en-US" altLang="ja-JP" dirty="0"/>
-          </a:p>
-          <a:p>
-            <a:pPr marL="914400" lvl="2" indent="0">
-              <a:buNone/>
-            </a:pPr>
-            <a:r>
-              <a:rPr lang="ja-JP" altLang="en-US" dirty="0"/>
-              <a:t>位置情報のリクエストを</a:t>
-            </a:r>
-            <a:r>
-              <a:rPr lang="en-US" altLang="ja-JP" dirty="0"/>
-              <a:t>API Gateway</a:t>
-            </a:r>
-            <a:r>
-              <a:rPr lang="ja-JP" altLang="en-US" dirty="0"/>
-              <a:t>で受けて、</a:t>
-            </a:r>
-            <a:r>
-              <a:rPr lang="en-US" altLang="ja-JP" dirty="0"/>
-              <a:t>SQS(</a:t>
-            </a:r>
-            <a:r>
-              <a:rPr lang="ja-JP" altLang="en-US" dirty="0"/>
-              <a:t>標準キュー</a:t>
-            </a:r>
-            <a:r>
-              <a:rPr lang="en-US" altLang="ja-JP" dirty="0"/>
-              <a:t>)</a:t>
-            </a:r>
-            <a:r>
-              <a:rPr lang="ja-JP" altLang="en-US" dirty="0"/>
-              <a:t>に格納する</a:t>
-            </a:r>
-            <a:endParaRPr lang="en-US" altLang="ja-JP" dirty="0"/>
-          </a:p>
-          <a:p>
-            <a:pPr marL="914400" lvl="2" indent="0">
-              <a:buNone/>
-            </a:pPr>
-            <a:endParaRPr lang="en-US" altLang="ja-JP" dirty="0"/>
-          </a:p>
-          <a:p>
-            <a:pPr marL="914400" lvl="1" indent="-457200">
-              <a:buFont typeface="+mj-lt"/>
-              <a:buAutoNum type="arabicPeriod"/>
-            </a:pPr>
-            <a:r>
-              <a:rPr lang="ja-JP" altLang="en-US" dirty="0"/>
-              <a:t>一時保管</a:t>
-            </a:r>
-          </a:p>
-          <a:p>
-            <a:pPr marL="914400" lvl="2" indent="0">
-              <a:buNone/>
-            </a:pPr>
-            <a:r>
-              <a:rPr lang="ja-JP" altLang="en-US" dirty="0"/>
-              <a:t>定期的</a:t>
-            </a:r>
-            <a:r>
-              <a:rPr lang="en-US" altLang="ja-JP" dirty="0"/>
-              <a:t>(5min</a:t>
-            </a:r>
-            <a:r>
-              <a:rPr lang="ja-JP" altLang="en-US" dirty="0"/>
-              <a:t>程度</a:t>
-            </a:r>
-            <a:r>
-              <a:rPr lang="en-US" altLang="ja-JP" dirty="0"/>
-              <a:t>)</a:t>
-            </a:r>
-            <a:r>
-              <a:rPr lang="ja-JP" altLang="en-US" dirty="0"/>
-              <a:t>に</a:t>
-            </a:r>
-            <a:r>
-              <a:rPr lang="en-US" altLang="ja-JP" dirty="0"/>
-              <a:t>SQS</a:t>
-            </a:r>
-            <a:r>
-              <a:rPr lang="ja-JP" altLang="en-US" dirty="0"/>
-              <a:t>からリクエストを取り出し、</a:t>
-            </a:r>
-            <a:r>
-              <a:rPr lang="en-US" altLang="ja-JP" dirty="0"/>
-              <a:t>S3(</a:t>
-            </a:r>
-            <a:r>
-              <a:rPr lang="ja-JP" altLang="en-US" dirty="0"/>
-              <a:t>作業用フォルダ</a:t>
-            </a:r>
-            <a:r>
-              <a:rPr lang="en-US" altLang="ja-JP" dirty="0"/>
-              <a:t>)</a:t>
-            </a:r>
-            <a:r>
-              <a:rPr lang="ja-JP" altLang="en-US" dirty="0"/>
-              <a:t>にまとめて書き出す</a:t>
-            </a:r>
-          </a:p>
-          <a:p>
-            <a:pPr marL="1371600" lvl="2" indent="-457200">
-              <a:buFont typeface="+mj-lt"/>
-              <a:buAutoNum type="arabicPeriod"/>
-            </a:pPr>
-            <a:endParaRPr lang="ja-JP" altLang="en-US" dirty="0"/>
-          </a:p>
-          <a:p>
-            <a:pPr marL="914400" lvl="1" indent="-457200">
-              <a:buFont typeface="+mj-lt"/>
-              <a:buAutoNum type="arabicPeriod"/>
-            </a:pPr>
-            <a:r>
-              <a:rPr lang="ja-JP" altLang="en-US" dirty="0"/>
-              <a:t>振分</a:t>
-            </a:r>
-          </a:p>
-          <a:p>
-            <a:pPr marL="914400" lvl="2" indent="0">
-              <a:buNone/>
-            </a:pPr>
-            <a:r>
-              <a:rPr lang="ja-JP" altLang="en-US" dirty="0"/>
-              <a:t>定期的</a:t>
-            </a:r>
-            <a:r>
-              <a:rPr lang="en-US" altLang="ja-JP" dirty="0"/>
-              <a:t>(1</a:t>
-            </a:r>
-            <a:r>
-              <a:rPr lang="ja-JP" altLang="en-US" dirty="0"/>
-              <a:t>～数回</a:t>
-            </a:r>
-            <a:r>
-              <a:rPr lang="en-US" altLang="ja-JP" dirty="0"/>
-              <a:t>/</a:t>
-            </a:r>
-            <a:r>
-              <a:rPr lang="ja-JP" altLang="en-US" dirty="0"/>
-              <a:t>日</a:t>
-            </a:r>
-            <a:r>
-              <a:rPr lang="en-US" altLang="ja-JP" dirty="0"/>
-              <a:t>)</a:t>
-            </a:r>
-            <a:r>
-              <a:rPr lang="ja-JP" altLang="en-US" dirty="0"/>
-              <a:t>に</a:t>
-            </a:r>
-            <a:r>
-              <a:rPr lang="en-US" altLang="ja-JP" dirty="0"/>
-              <a:t>S3(</a:t>
-            </a:r>
-            <a:r>
-              <a:rPr lang="ja-JP" altLang="en-US" dirty="0"/>
-              <a:t>作業用フォルダ</a:t>
-            </a:r>
-            <a:r>
-              <a:rPr lang="en-US" altLang="ja-JP" dirty="0"/>
-              <a:t>)</a:t>
-            </a:r>
-            <a:r>
-              <a:rPr lang="ja-JP" altLang="en-US" dirty="0"/>
-              <a:t>のデータを読み込み、</a:t>
-            </a:r>
-            <a:r>
-              <a:rPr lang="en-US" altLang="ja-JP" dirty="0"/>
-              <a:t>S3(</a:t>
-            </a:r>
-            <a:r>
-              <a:rPr lang="ja-JP" altLang="en-US" dirty="0"/>
-              <a:t>格納用フォルダ</a:t>
-            </a:r>
-            <a:r>
-              <a:rPr lang="en-US" altLang="ja-JP" dirty="0"/>
-              <a:t>)</a:t>
-            </a:r>
-            <a:r>
-              <a:rPr lang="ja-JP" altLang="en-US" dirty="0"/>
-              <a:t>にリクエストの日付毎に分けて格納する。これが</a:t>
-            </a:r>
-            <a:r>
-              <a:rPr lang="en-US" altLang="ja-JP" dirty="0"/>
-              <a:t>Redshift</a:t>
-            </a:r>
-            <a:r>
-              <a:rPr lang="ja-JP" altLang="en-US" dirty="0"/>
-              <a:t>のソースになる。</a:t>
-            </a:r>
-          </a:p>
-          <a:p>
-            <a:pPr marL="1371600" lvl="2" indent="-457200">
-              <a:buFont typeface="+mj-lt"/>
-              <a:buAutoNum type="arabicPeriod"/>
-            </a:pPr>
-            <a:endParaRPr lang="ja-JP" altLang="en-US" dirty="0"/>
-          </a:p>
-          <a:p>
-            <a:pPr marL="914400" lvl="1" indent="-457200">
-              <a:buFont typeface="+mj-lt"/>
-              <a:buAutoNum type="arabicPeriod"/>
-            </a:pPr>
-            <a:r>
-              <a:rPr lang="ja-JP" altLang="en-US" dirty="0"/>
-              <a:t>一覧取得</a:t>
-            </a:r>
-          </a:p>
-          <a:p>
-            <a:pPr marL="914400" lvl="2" indent="0">
-              <a:buNone/>
-            </a:pPr>
-            <a:r>
-              <a:rPr lang="en-US" altLang="ja-JP" dirty="0"/>
-              <a:t>Redshift</a:t>
-            </a:r>
-            <a:r>
-              <a:rPr lang="ja-JP" altLang="en-US" dirty="0"/>
-              <a:t>から対象日のデータを取り出し、</a:t>
-            </a:r>
-            <a:r>
-              <a:rPr lang="en-US" altLang="ja-JP" dirty="0"/>
-              <a:t>CSV</a:t>
-            </a:r>
-            <a:r>
-              <a:rPr lang="ja-JP" altLang="en-US" dirty="0"/>
-              <a:t>に変換して、</a:t>
-            </a:r>
-            <a:r>
-              <a:rPr lang="en-US" altLang="ja-JP" dirty="0"/>
-              <a:t>S3(</a:t>
-            </a:r>
-            <a:r>
-              <a:rPr lang="ja-JP" altLang="en-US" dirty="0"/>
-              <a:t>ダウンロード用フォルダ</a:t>
-            </a:r>
-            <a:r>
-              <a:rPr lang="en-US" altLang="ja-JP" dirty="0"/>
-              <a:t>)</a:t>
-            </a:r>
-            <a:r>
-              <a:rPr lang="ja-JP" altLang="en-US" dirty="0"/>
-              <a:t>に格納する</a:t>
-            </a:r>
-          </a:p>
-        </p:txBody>
-      </p:sp>
-    </p:spTree>
-    <p:extLst>
-      <p:ext uri="{BB962C8B-B14F-4D97-AF65-F5344CB8AC3E}">
-        <p14:creationId xmlns:p14="http://schemas.microsoft.com/office/powerpoint/2010/main" val="3670889420"/>
-      </p:ext>
-    </p:extLst>
-  </p:cSld>
-  <p:clrMapOvr>
-    <a:masterClrMapping/>
-  </p:clrMapOvr>
-</p:sld>
-</file>
-
-<file path=ppt/slides/slide4.xml><?xml version="1.0" encoding="utf-8"?>
+<file path=ppt/slides/slide11.xml><?xml version="1.0" encoding="utf-8"?>
 <p:sld xmlns:a="http://schemas.openxmlformats.org/drawingml/2006/main" xmlns:r="http://schemas.openxmlformats.org/officeDocument/2006/relationships" xmlns:p="http://schemas.openxmlformats.org/presentationml/2006/main">
   <p:cSld>
     <p:spTree>
@@ -5623,7 +6091,9 @@
           <a:noFill/>
           <a:ln w="3175">
             <a:solidFill>
-              <a:schemeClr val="tx1"/>
+              <a:schemeClr val="bg1">
+                <a:lumMod val="50000"/>
+              </a:schemeClr>
             </a:solidFill>
           </a:ln>
         </p:spPr>
@@ -5634,10 +6104,22 @@
           <a:lstStyle/>
           <a:p>
             <a:r>
-              <a:rPr lang="ja-JP" altLang="en-US" dirty="0"/>
+              <a:rPr lang="ja-JP" altLang="en-US" dirty="0">
+                <a:solidFill>
+                  <a:schemeClr val="bg1">
+                    <a:lumMod val="50000"/>
+                  </a:schemeClr>
+                </a:solidFill>
+              </a:rPr>
               <a:t>受取</a:t>
             </a:r>
-            <a:endParaRPr kumimoji="1" lang="ja-JP" altLang="en-US" dirty="0"/>
+            <a:endParaRPr kumimoji="1" lang="ja-JP" altLang="en-US" dirty="0">
+              <a:solidFill>
+                <a:schemeClr val="bg1">
+                  <a:lumMod val="50000"/>
+                </a:schemeClr>
+              </a:solidFill>
+            </a:endParaRPr>
           </a:p>
         </p:txBody>
       </p:sp>
@@ -5656,6 +6138,109 @@
         <p:spPr>
           <a:xfrm>
             <a:off x="3688867" y="2233277"/>
+            <a:ext cx="1107996" cy="369332"/>
+          </a:xfrm>
+          <a:prstGeom prst="rect">
+            <a:avLst/>
+          </a:prstGeom>
+          <a:noFill/>
+          <a:ln w="3175">
+            <a:solidFill>
+              <a:schemeClr val="bg1">
+                <a:lumMod val="50000"/>
+              </a:schemeClr>
+            </a:solidFill>
+          </a:ln>
+        </p:spPr>
+        <p:txBody>
+          <a:bodyPr wrap="none" rtlCol="0">
+            <a:spAutoFit/>
+          </a:bodyPr>
+          <a:lstStyle/>
+          <a:p>
+            <a:r>
+              <a:rPr kumimoji="1" lang="ja-JP" altLang="en-US" dirty="0">
+                <a:solidFill>
+                  <a:schemeClr val="bg1">
+                    <a:lumMod val="50000"/>
+                  </a:schemeClr>
+                </a:solidFill>
+              </a:rPr>
+              <a:t>一時保管</a:t>
+            </a:r>
+          </a:p>
+        </p:txBody>
+      </p:sp>
+      <p:sp>
+        <p:nvSpPr>
+          <p:cNvPr id="53" name="テキスト ボックス 52">
+            <a:extLst>
+              <a:ext uri="{FF2B5EF4-FFF2-40B4-BE49-F238E27FC236}">
+                <a16:creationId xmlns:a16="http://schemas.microsoft.com/office/drawing/2014/main" id="{AC2905B4-AF5A-4409-AEB9-F61B899FB6D8}"/>
+              </a:ext>
+            </a:extLst>
+          </p:cNvPr>
+          <p:cNvSpPr txBox="1"/>
+          <p:nvPr/>
+        </p:nvSpPr>
+        <p:spPr>
+          <a:xfrm>
+            <a:off x="3699366" y="3864743"/>
+            <a:ext cx="646331" cy="369332"/>
+          </a:xfrm>
+          <a:prstGeom prst="rect">
+            <a:avLst/>
+          </a:prstGeom>
+          <a:noFill/>
+          <a:ln w="3175">
+            <a:solidFill>
+              <a:schemeClr val="bg1">
+                <a:lumMod val="50000"/>
+              </a:schemeClr>
+            </a:solidFill>
+          </a:ln>
+        </p:spPr>
+        <p:txBody>
+          <a:bodyPr wrap="none" rtlCol="0">
+            <a:spAutoFit/>
+          </a:bodyPr>
+          <a:lstStyle/>
+          <a:p>
+            <a:r>
+              <a:rPr lang="ja-JP" altLang="en-US" dirty="0">
+                <a:solidFill>
+                  <a:schemeClr val="bg1">
+                    <a:lumMod val="50000"/>
+                  </a:schemeClr>
+                </a:solidFill>
+              </a:rPr>
+              <a:t>振分</a:t>
+            </a:r>
+            <a:endParaRPr kumimoji="1" lang="ja-JP" altLang="en-US" dirty="0">
+              <a:solidFill>
+                <a:schemeClr val="bg1">
+                  <a:lumMod val="50000"/>
+                </a:schemeClr>
+              </a:solidFill>
+            </a:endParaRPr>
+          </a:p>
+        </p:txBody>
+      </p:sp>
+      <p:sp>
+        <p:nvSpPr>
+          <p:cNvPr id="54" name="テキスト ボックス 53">
+            <a:extLst>
+              <a:ext uri="{FF2B5EF4-FFF2-40B4-BE49-F238E27FC236}">
+                <a16:creationId xmlns:a16="http://schemas.microsoft.com/office/drawing/2014/main" id="{BB5D0E5A-BB45-49DB-9D43-B520C8BC14DA}"/>
+              </a:ext>
+            </a:extLst>
+          </p:cNvPr>
+          <p:cNvSpPr txBox="1"/>
+          <p:nvPr/>
+        </p:nvSpPr>
+        <p:spPr>
+          <a:xfrm>
+            <a:off x="10551100" y="6261321"/>
             <a:ext cx="1107996" cy="369332"/>
           </a:xfrm>
           <a:prstGeom prst="rect">
@@ -5675,18 +6260,19 @@
           <a:lstStyle/>
           <a:p>
             <a:r>
-              <a:rPr kumimoji="1" lang="ja-JP" altLang="en-US" dirty="0"/>
-              <a:t>一時保管</a:t>
-            </a:r>
+              <a:rPr lang="ja-JP" altLang="en-US" dirty="0"/>
+              <a:t>一覧取得</a:t>
+            </a:r>
+            <a:endParaRPr kumimoji="1" lang="ja-JP" altLang="en-US" dirty="0"/>
           </a:p>
         </p:txBody>
       </p:sp>
       <p:sp>
         <p:nvSpPr>
-          <p:cNvPr id="53" name="テキスト ボックス 52">
-            <a:extLst>
-              <a:ext uri="{FF2B5EF4-FFF2-40B4-BE49-F238E27FC236}">
-                <a16:creationId xmlns:a16="http://schemas.microsoft.com/office/drawing/2014/main" id="{AC2905B4-AF5A-4409-AEB9-F61B899FB6D8}"/>
+          <p:cNvPr id="55" name="テキスト ボックス 54">
+            <a:extLst>
+              <a:ext uri="{FF2B5EF4-FFF2-40B4-BE49-F238E27FC236}">
+                <a16:creationId xmlns:a16="http://schemas.microsoft.com/office/drawing/2014/main" id="{EFDEAFC8-10EC-4F6F-BD1E-CF56E576F128}"/>
               </a:ext>
             </a:extLst>
           </p:cNvPr>
@@ -5695,18 +6281,13 @@
         </p:nvSpPr>
         <p:spPr>
           <a:xfrm>
-            <a:off x="3699366" y="3864743"/>
-            <a:ext cx="646331" cy="369332"/>
+            <a:off x="8913998" y="2314804"/>
+            <a:ext cx="723275" cy="307777"/>
           </a:xfrm>
           <a:prstGeom prst="rect">
             <a:avLst/>
           </a:prstGeom>
           <a:noFill/>
-          <a:ln w="3175">
-            <a:solidFill>
-              <a:schemeClr val="tx1"/>
-            </a:solidFill>
-          </a:ln>
         </p:spPr>
         <p:txBody>
           <a:bodyPr wrap="none" rtlCol="0">
@@ -5715,19 +6296,19 @@
           <a:lstStyle/>
           <a:p>
             <a:r>
-              <a:rPr lang="ja-JP" altLang="en-US" dirty="0"/>
-              <a:t>振分</a:t>
-            </a:r>
-            <a:endParaRPr kumimoji="1" lang="ja-JP" altLang="en-US" dirty="0"/>
+              <a:rPr lang="ja-JP" altLang="en-US" sz="1400" dirty="0"/>
+              <a:t>作業用</a:t>
+            </a:r>
+            <a:endParaRPr kumimoji="1" lang="ja-JP" altLang="en-US" sz="1400" dirty="0"/>
           </a:p>
         </p:txBody>
       </p:sp>
       <p:sp>
         <p:nvSpPr>
-          <p:cNvPr id="54" name="テキスト ボックス 53">
-            <a:extLst>
-              <a:ext uri="{FF2B5EF4-FFF2-40B4-BE49-F238E27FC236}">
-                <a16:creationId xmlns:a16="http://schemas.microsoft.com/office/drawing/2014/main" id="{BB5D0E5A-BB45-49DB-9D43-B520C8BC14DA}"/>
+          <p:cNvPr id="56" name="テキスト ボックス 55">
+            <a:extLst>
+              <a:ext uri="{FF2B5EF4-FFF2-40B4-BE49-F238E27FC236}">
+                <a16:creationId xmlns:a16="http://schemas.microsoft.com/office/drawing/2014/main" id="{B05108C1-DFA2-4DC7-A7C9-6246D0DF2387}"/>
               </a:ext>
             </a:extLst>
           </p:cNvPr>
@@ -5736,18 +6317,13 @@
         </p:nvSpPr>
         <p:spPr>
           <a:xfrm>
-            <a:off x="10551100" y="6261321"/>
-            <a:ext cx="1107996" cy="369332"/>
+            <a:off x="9535845" y="4659116"/>
+            <a:ext cx="723275" cy="307777"/>
           </a:xfrm>
           <a:prstGeom prst="rect">
             <a:avLst/>
           </a:prstGeom>
           <a:noFill/>
-          <a:ln w="3175">
-            <a:solidFill>
-              <a:schemeClr val="tx1"/>
-            </a:solidFill>
-          </a:ln>
         </p:spPr>
         <p:txBody>
           <a:bodyPr wrap="none" rtlCol="0">
@@ -5756,19 +6332,19 @@
           <a:lstStyle/>
           <a:p>
             <a:r>
-              <a:rPr lang="ja-JP" altLang="en-US" dirty="0"/>
-              <a:t>一覧取得</a:t>
-            </a:r>
-            <a:endParaRPr kumimoji="1" lang="ja-JP" altLang="en-US" dirty="0"/>
+              <a:rPr lang="ja-JP" altLang="en-US" sz="1400" dirty="0"/>
+              <a:t>格納用</a:t>
+            </a:r>
+            <a:endParaRPr kumimoji="1" lang="ja-JP" altLang="en-US" sz="1400" dirty="0"/>
           </a:p>
         </p:txBody>
       </p:sp>
       <p:sp>
         <p:nvSpPr>
-          <p:cNvPr id="55" name="テキスト ボックス 54">
-            <a:extLst>
-              <a:ext uri="{FF2B5EF4-FFF2-40B4-BE49-F238E27FC236}">
-                <a16:creationId xmlns:a16="http://schemas.microsoft.com/office/drawing/2014/main" id="{EFDEAFC8-10EC-4F6F-BD1E-CF56E576F128}"/>
+          <p:cNvPr id="57" name="テキスト ボックス 56">
+            <a:extLst>
+              <a:ext uri="{FF2B5EF4-FFF2-40B4-BE49-F238E27FC236}">
+                <a16:creationId xmlns:a16="http://schemas.microsoft.com/office/drawing/2014/main" id="{9EE9A0C3-C5EC-4CAF-8C89-A8A88C06DDF6}"/>
               </a:ext>
             </a:extLst>
           </p:cNvPr>
@@ -5777,8 +6353,8 @@
         </p:nvSpPr>
         <p:spPr>
           <a:xfrm>
-            <a:off x="8913998" y="2314804"/>
-            <a:ext cx="723275" cy="307777"/>
+            <a:off x="7204217" y="5372128"/>
+            <a:ext cx="1441420" cy="307777"/>
           </a:xfrm>
           <a:prstGeom prst="rect">
             <a:avLst/>
@@ -5793,7 +6369,7 @@
           <a:p>
             <a:r>
               <a:rPr lang="ja-JP" altLang="en-US" sz="1400" dirty="0"/>
-              <a:t>作業用</a:t>
+              <a:t>ダウンロード用</a:t>
             </a:r>
             <a:endParaRPr kumimoji="1" lang="ja-JP" altLang="en-US" sz="1400" dirty="0"/>
           </a:p>
@@ -5801,80 +6377,59 @@
       </p:sp>
       <p:sp>
         <p:nvSpPr>
-          <p:cNvPr id="56" name="テキスト ボックス 55">
-            <a:extLst>
-              <a:ext uri="{FF2B5EF4-FFF2-40B4-BE49-F238E27FC236}">
-                <a16:creationId xmlns:a16="http://schemas.microsoft.com/office/drawing/2014/main" id="{B05108C1-DFA2-4DC7-A7C9-6246D0DF2387}"/>
-              </a:ext>
-            </a:extLst>
-          </p:cNvPr>
-          <p:cNvSpPr txBox="1"/>
+          <p:cNvPr id="2" name="正方形/長方形 1">
+            <a:extLst>
+              <a:ext uri="{FF2B5EF4-FFF2-40B4-BE49-F238E27FC236}">
+                <a16:creationId xmlns:a16="http://schemas.microsoft.com/office/drawing/2014/main" id="{2BF33943-BDBD-434D-A179-B90754A28495}"/>
+              </a:ext>
+            </a:extLst>
+          </p:cNvPr>
+          <p:cNvSpPr/>
           <p:nvPr/>
         </p:nvSpPr>
         <p:spPr>
           <a:xfrm>
-            <a:off x="9535845" y="4659116"/>
-            <a:ext cx="723275" cy="307777"/>
+            <a:off x="6210300" y="3628834"/>
+            <a:ext cx="5826746" cy="3229164"/>
           </a:xfrm>
           <a:prstGeom prst="rect">
             <a:avLst/>
           </a:prstGeom>
           <a:noFill/>
-        </p:spPr>
+          <a:ln w="31750" cap="flat">
+            <a:solidFill>
+              <a:schemeClr val="accent2"/>
+            </a:solidFill>
+            <a:miter lim="800000"/>
+          </a:ln>
+        </p:spPr>
+        <p:style>
+          <a:lnRef idx="2">
+            <a:schemeClr val="accent2"/>
+          </a:lnRef>
+          <a:fillRef idx="1">
+            <a:schemeClr val="lt1"/>
+          </a:fillRef>
+          <a:effectRef idx="0">
+            <a:schemeClr val="accent2"/>
+          </a:effectRef>
+          <a:fontRef idx="minor">
+            <a:schemeClr val="dk1"/>
+          </a:fontRef>
+        </p:style>
         <p:txBody>
-          <a:bodyPr wrap="none" rtlCol="0">
-            <a:spAutoFit/>
-          </a:bodyPr>
+          <a:bodyPr rtlCol="0" anchor="ctr"/>
           <a:lstStyle/>
           <a:p>
-            <a:r>
-              <a:rPr lang="ja-JP" altLang="en-US" sz="1400" dirty="0"/>
-              <a:t>格納用</a:t>
-            </a:r>
-            <a:endParaRPr kumimoji="1" lang="ja-JP" altLang="en-US" sz="1400" dirty="0"/>
-          </a:p>
-        </p:txBody>
-      </p:sp>
-      <p:sp>
-        <p:nvSpPr>
-          <p:cNvPr id="57" name="テキスト ボックス 56">
-            <a:extLst>
-              <a:ext uri="{FF2B5EF4-FFF2-40B4-BE49-F238E27FC236}">
-                <a16:creationId xmlns:a16="http://schemas.microsoft.com/office/drawing/2014/main" id="{9EE9A0C3-C5EC-4CAF-8C89-A8A88C06DDF6}"/>
-              </a:ext>
-            </a:extLst>
-          </p:cNvPr>
-          <p:cNvSpPr txBox="1"/>
-          <p:nvPr/>
-        </p:nvSpPr>
-        <p:spPr>
-          <a:xfrm>
-            <a:off x="7204217" y="5372128"/>
-            <a:ext cx="1441420" cy="307777"/>
-          </a:xfrm>
-          <a:prstGeom prst="rect">
-            <a:avLst/>
-          </a:prstGeom>
-          <a:noFill/>
-        </p:spPr>
-        <p:txBody>
-          <a:bodyPr wrap="none" rtlCol="0">
-            <a:spAutoFit/>
-          </a:bodyPr>
-          <a:lstStyle/>
-          <a:p>
-            <a:r>
-              <a:rPr lang="ja-JP" altLang="en-US" sz="1400" dirty="0"/>
-              <a:t>ダウンロード用</a:t>
-            </a:r>
-            <a:endParaRPr kumimoji="1" lang="ja-JP" altLang="en-US" sz="1400" dirty="0"/>
+            <a:pPr algn="ctr"/>
+            <a:endParaRPr kumimoji="1" lang="ja-JP" altLang="en-US"/>
           </a:p>
         </p:txBody>
       </p:sp>
     </p:spTree>
     <p:extLst>
       <p:ext uri="{BB962C8B-B14F-4D97-AF65-F5344CB8AC3E}">
-        <p14:creationId xmlns:p14="http://schemas.microsoft.com/office/powerpoint/2010/main" val="1600517068"/>
+        <p14:creationId xmlns:p14="http://schemas.microsoft.com/office/powerpoint/2010/main" val="2883377650"/>
       </p:ext>
     </p:extLst>
   </p:cSld>
@@ -5884,7 +6439,1397 @@
 </p:sld>
 </file>
 
-<file path=ppt/slides/slide5.xml><?xml version="1.0" encoding="utf-8"?>
+<file path=ppt/slides/slide12.xml><?xml version="1.0" encoding="utf-8"?>
+<p:sld xmlns:a="http://schemas.openxmlformats.org/drawingml/2006/main" xmlns:r="http://schemas.openxmlformats.org/officeDocument/2006/relationships" xmlns:p="http://schemas.openxmlformats.org/presentationml/2006/main">
+  <p:cSld>
+    <p:spTree>
+      <p:nvGrpSpPr>
+        <p:cNvPr id="1" name=""/>
+        <p:cNvGrpSpPr/>
+        <p:nvPr/>
+      </p:nvGrpSpPr>
+      <p:grpSpPr>
+        <a:xfrm>
+          <a:off x="0" y="0"/>
+          <a:ext cx="0" cy="0"/>
+          <a:chOff x="0" y="0"/>
+          <a:chExt cx="0" cy="0"/>
+        </a:xfrm>
+      </p:grpSpPr>
+      <p:pic>
+        <p:nvPicPr>
+          <p:cNvPr id="20" name="Graphic 2">
+            <a:extLst>
+              <a:ext uri="{FF2B5EF4-FFF2-40B4-BE49-F238E27FC236}">
+                <a16:creationId xmlns:a16="http://schemas.microsoft.com/office/drawing/2014/main" id="{9E9E899A-6D02-4444-B759-095E2741AF9B}"/>
+              </a:ext>
+            </a:extLst>
+          </p:cNvPr>
+          <p:cNvPicPr>
+            <a:picLocks noChangeAspect="1"/>
+          </p:cNvPicPr>
+          <p:nvPr/>
+        </p:nvPicPr>
+        <p:blipFill>
+          <a:blip r:embed="rId2">
+            <a:extLst>
+              <a:ext uri="{96DAC541-7B7A-43D3-8B79-37D633B846F1}">
+                <asvg:svgBlip xmlns:asvg="http://schemas.microsoft.com/office/drawing/2016/SVG/main" r:embed="rId3"/>
+              </a:ext>
+            </a:extLst>
+          </a:blip>
+          <a:stretch>
+            <a:fillRect/>
+          </a:stretch>
+        </p:blipFill>
+        <p:spPr>
+          <a:xfrm>
+            <a:off x="8061413" y="306084"/>
+            <a:ext cx="762000" cy="952500"/>
+          </a:xfrm>
+          <a:prstGeom prst="rect">
+            <a:avLst/>
+          </a:prstGeom>
+        </p:spPr>
+      </p:pic>
+      <p:pic>
+        <p:nvPicPr>
+          <p:cNvPr id="21" name="Graphic 2">
+            <a:extLst>
+              <a:ext uri="{FF2B5EF4-FFF2-40B4-BE49-F238E27FC236}">
+                <a16:creationId xmlns:a16="http://schemas.microsoft.com/office/drawing/2014/main" id="{BE3678C0-603A-4DCB-8F62-2B8D9249700A}"/>
+              </a:ext>
+            </a:extLst>
+          </p:cNvPr>
+          <p:cNvPicPr>
+            <a:picLocks noChangeAspect="1"/>
+          </p:cNvPicPr>
+          <p:nvPr/>
+        </p:nvPicPr>
+        <p:blipFill>
+          <a:blip r:embed="rId4">
+            <a:extLst>
+              <a:ext uri="{96DAC541-7B7A-43D3-8B79-37D633B846F1}">
+                <asvg:svgBlip xmlns:asvg="http://schemas.microsoft.com/office/drawing/2016/SVG/main" r:embed="rId5"/>
+              </a:ext>
+            </a:extLst>
+          </a:blip>
+          <a:stretch>
+            <a:fillRect/>
+          </a:stretch>
+        </p:blipFill>
+        <p:spPr>
+          <a:xfrm>
+            <a:off x="3429003" y="306084"/>
+            <a:ext cx="762000" cy="952500"/>
+          </a:xfrm>
+          <a:prstGeom prst="rect">
+            <a:avLst/>
+          </a:prstGeom>
+        </p:spPr>
+      </p:pic>
+      <p:pic>
+        <p:nvPicPr>
+          <p:cNvPr id="23" name="Graphic 26">
+            <a:extLst>
+              <a:ext uri="{FF2B5EF4-FFF2-40B4-BE49-F238E27FC236}">
+                <a16:creationId xmlns:a16="http://schemas.microsoft.com/office/drawing/2014/main" id="{B070B8B4-CED1-45EC-AE11-201572FEA4D6}"/>
+              </a:ext>
+            </a:extLst>
+          </p:cNvPr>
+          <p:cNvPicPr>
+            <a:picLocks noChangeAspect="1"/>
+          </p:cNvPicPr>
+          <p:nvPr/>
+        </p:nvPicPr>
+        <p:blipFill>
+          <a:blip r:embed="rId6">
+            <a:extLst>
+              <a:ext uri="{96DAC541-7B7A-43D3-8B79-37D633B846F1}">
+                <asvg:svgBlip xmlns:asvg="http://schemas.microsoft.com/office/drawing/2016/SVG/main" r:embed="rId7"/>
+              </a:ext>
+            </a:extLst>
+          </a:blip>
+          <a:stretch>
+            <a:fillRect/>
+          </a:stretch>
+        </p:blipFill>
+        <p:spPr>
+          <a:xfrm>
+            <a:off x="5745208" y="260176"/>
+            <a:ext cx="762000" cy="1092200"/>
+          </a:xfrm>
+          <a:prstGeom prst="rect">
+            <a:avLst/>
+          </a:prstGeom>
+        </p:spPr>
+      </p:pic>
+      <p:pic>
+        <p:nvPicPr>
+          <p:cNvPr id="24" name="Graphic 2">
+            <a:extLst>
+              <a:ext uri="{FF2B5EF4-FFF2-40B4-BE49-F238E27FC236}">
+                <a16:creationId xmlns:a16="http://schemas.microsoft.com/office/drawing/2014/main" id="{C800DC76-5395-4929-9BFD-B130C7F11D51}"/>
+              </a:ext>
+            </a:extLst>
+          </p:cNvPr>
+          <p:cNvPicPr>
+            <a:picLocks noChangeAspect="1"/>
+          </p:cNvPicPr>
+          <p:nvPr/>
+        </p:nvPicPr>
+        <p:blipFill>
+          <a:blip r:embed="rId2">
+            <a:extLst>
+              <a:ext uri="{96DAC541-7B7A-43D3-8B79-37D633B846F1}">
+                <asvg:svgBlip xmlns:asvg="http://schemas.microsoft.com/office/drawing/2016/SVG/main" r:embed="rId3"/>
+              </a:ext>
+            </a:extLst>
+          </a:blip>
+          <a:stretch>
+            <a:fillRect/>
+          </a:stretch>
+        </p:blipFill>
+        <p:spPr>
+          <a:xfrm>
+            <a:off x="9777376" y="960362"/>
+            <a:ext cx="762000" cy="952500"/>
+          </a:xfrm>
+          <a:prstGeom prst="rect">
+            <a:avLst/>
+          </a:prstGeom>
+        </p:spPr>
+      </p:pic>
+      <p:sp>
+        <p:nvSpPr>
+          <p:cNvPr id="56" name="テキスト ボックス 55">
+            <a:extLst>
+              <a:ext uri="{FF2B5EF4-FFF2-40B4-BE49-F238E27FC236}">
+                <a16:creationId xmlns:a16="http://schemas.microsoft.com/office/drawing/2014/main" id="{B05108C1-DFA2-4DC7-A7C9-6246D0DF2387}"/>
+              </a:ext>
+            </a:extLst>
+          </p:cNvPr>
+          <p:cNvSpPr txBox="1"/>
+          <p:nvPr/>
+        </p:nvSpPr>
+        <p:spPr>
+          <a:xfrm>
+            <a:off x="8823413" y="434518"/>
+            <a:ext cx="723275" cy="307777"/>
+          </a:xfrm>
+          <a:prstGeom prst="rect">
+            <a:avLst/>
+          </a:prstGeom>
+          <a:noFill/>
+        </p:spPr>
+        <p:txBody>
+          <a:bodyPr wrap="none" rtlCol="0">
+            <a:spAutoFit/>
+          </a:bodyPr>
+          <a:lstStyle/>
+          <a:p>
+            <a:r>
+              <a:rPr lang="ja-JP" altLang="en-US" sz="1400" dirty="0"/>
+              <a:t>格納用</a:t>
+            </a:r>
+            <a:endParaRPr kumimoji="1" lang="ja-JP" altLang="en-US" sz="1400" dirty="0"/>
+          </a:p>
+        </p:txBody>
+      </p:sp>
+      <p:sp>
+        <p:nvSpPr>
+          <p:cNvPr id="57" name="テキスト ボックス 56">
+            <a:extLst>
+              <a:ext uri="{FF2B5EF4-FFF2-40B4-BE49-F238E27FC236}">
+                <a16:creationId xmlns:a16="http://schemas.microsoft.com/office/drawing/2014/main" id="{9EE9A0C3-C5EC-4CAF-8C89-A8A88C06DDF6}"/>
+              </a:ext>
+            </a:extLst>
+          </p:cNvPr>
+          <p:cNvSpPr txBox="1"/>
+          <p:nvPr/>
+        </p:nvSpPr>
+        <p:spPr>
+          <a:xfrm>
+            <a:off x="10539376" y="1198487"/>
+            <a:ext cx="1441420" cy="307777"/>
+          </a:xfrm>
+          <a:prstGeom prst="rect">
+            <a:avLst/>
+          </a:prstGeom>
+          <a:noFill/>
+        </p:spPr>
+        <p:txBody>
+          <a:bodyPr wrap="none" rtlCol="0">
+            <a:spAutoFit/>
+          </a:bodyPr>
+          <a:lstStyle/>
+          <a:p>
+            <a:r>
+              <a:rPr lang="ja-JP" altLang="en-US" sz="1400" dirty="0"/>
+              <a:t>ダウンロード用</a:t>
+            </a:r>
+            <a:endParaRPr kumimoji="1" lang="ja-JP" altLang="en-US" sz="1400" dirty="0"/>
+          </a:p>
+        </p:txBody>
+      </p:sp>
+      <p:cxnSp>
+        <p:nvCxnSpPr>
+          <p:cNvPr id="46" name="Straight Arrow Connector 42">
+            <a:extLst>
+              <a:ext uri="{FF2B5EF4-FFF2-40B4-BE49-F238E27FC236}">
+                <a16:creationId xmlns:a16="http://schemas.microsoft.com/office/drawing/2014/main" id="{9CF31BDB-4D58-47EE-9AB8-C2537E2AF5C8}"/>
+              </a:ext>
+            </a:extLst>
+          </p:cNvPr>
+          <p:cNvCxnSpPr>
+            <a:cxnSpLocks/>
+          </p:cNvCxnSpPr>
+          <p:nvPr/>
+        </p:nvCxnSpPr>
+        <p:spPr>
+          <a:xfrm>
+            <a:off x="4299727" y="695276"/>
+            <a:ext cx="1259813" cy="0"/>
+          </a:xfrm>
+          <a:prstGeom prst="straightConnector1">
+            <a:avLst/>
+          </a:prstGeom>
+          <a:ln w="12700">
+            <a:solidFill>
+              <a:srgbClr val="545B64"/>
+            </a:solidFill>
+            <a:headEnd type="none" w="med" len="sm"/>
+            <a:tailEnd type="arrow" w="med" len="sm"/>
+          </a:ln>
+        </p:spPr>
+        <p:style>
+          <a:lnRef idx="1">
+            <a:schemeClr val="accent1"/>
+          </a:lnRef>
+          <a:fillRef idx="0">
+            <a:schemeClr val="accent1"/>
+          </a:fillRef>
+          <a:effectRef idx="0">
+            <a:schemeClr val="accent1"/>
+          </a:effectRef>
+          <a:fontRef idx="minor">
+            <a:schemeClr val="tx1"/>
+          </a:fontRef>
+        </p:style>
+      </p:cxnSp>
+      <p:cxnSp>
+        <p:nvCxnSpPr>
+          <p:cNvPr id="47" name="Straight Arrow Connector 42">
+            <a:extLst>
+              <a:ext uri="{FF2B5EF4-FFF2-40B4-BE49-F238E27FC236}">
+                <a16:creationId xmlns:a16="http://schemas.microsoft.com/office/drawing/2014/main" id="{57E1BF63-DC10-4595-8E14-8CC5058AEB23}"/>
+              </a:ext>
+            </a:extLst>
+          </p:cNvPr>
+          <p:cNvCxnSpPr>
+            <a:cxnSpLocks/>
+          </p:cNvCxnSpPr>
+          <p:nvPr/>
+        </p:nvCxnSpPr>
+        <p:spPr>
+          <a:xfrm flipH="1">
+            <a:off x="6579957" y="695276"/>
+            <a:ext cx="1259813" cy="0"/>
+          </a:xfrm>
+          <a:prstGeom prst="straightConnector1">
+            <a:avLst/>
+          </a:prstGeom>
+          <a:ln w="12700">
+            <a:solidFill>
+              <a:srgbClr val="545B64"/>
+            </a:solidFill>
+            <a:headEnd type="none" w="med" len="sm"/>
+            <a:tailEnd type="arrow" w="med" len="sm"/>
+          </a:ln>
+        </p:spPr>
+        <p:style>
+          <a:lnRef idx="1">
+            <a:schemeClr val="accent1"/>
+          </a:lnRef>
+          <a:fillRef idx="0">
+            <a:schemeClr val="accent1"/>
+          </a:fillRef>
+          <a:effectRef idx="0">
+            <a:schemeClr val="accent1"/>
+          </a:effectRef>
+          <a:fontRef idx="minor">
+            <a:schemeClr val="tx1"/>
+          </a:fontRef>
+        </p:style>
+      </p:cxnSp>
+      <p:cxnSp>
+        <p:nvCxnSpPr>
+          <p:cNvPr id="48" name="Elbow Connector 122">
+            <a:extLst>
+              <a:ext uri="{FF2B5EF4-FFF2-40B4-BE49-F238E27FC236}">
+                <a16:creationId xmlns:a16="http://schemas.microsoft.com/office/drawing/2014/main" id="{6DBDAD2C-D5F6-4280-B878-7CFE8E999C54}"/>
+              </a:ext>
+            </a:extLst>
+          </p:cNvPr>
+          <p:cNvCxnSpPr>
+            <a:cxnSpLocks/>
+            <a:stCxn id="24" idx="1"/>
+            <a:endCxn id="21" idx="2"/>
+          </p:cNvCxnSpPr>
+          <p:nvPr/>
+        </p:nvCxnSpPr>
+        <p:spPr>
+          <a:xfrm rot="10800000">
+            <a:off x="3810004" y="1258584"/>
+            <a:ext cx="5967373" cy="178028"/>
+          </a:xfrm>
+          <a:prstGeom prst="bentConnector2">
+            <a:avLst/>
+          </a:prstGeom>
+          <a:ln w="12700">
+            <a:solidFill>
+              <a:srgbClr val="545B64"/>
+            </a:solidFill>
+            <a:headEnd type="arrow" w="med" len="sm"/>
+            <a:tailEnd type="none" w="med" len="sm"/>
+          </a:ln>
+        </p:spPr>
+        <p:style>
+          <a:lnRef idx="1">
+            <a:schemeClr val="accent1"/>
+          </a:lnRef>
+          <a:fillRef idx="0">
+            <a:schemeClr val="accent1"/>
+          </a:fillRef>
+          <a:effectRef idx="0">
+            <a:schemeClr val="accent1"/>
+          </a:effectRef>
+          <a:fontRef idx="minor">
+            <a:schemeClr val="tx1"/>
+          </a:fontRef>
+        </p:style>
+      </p:cxnSp>
+      <p:sp>
+        <p:nvSpPr>
+          <p:cNvPr id="51" name="テキスト ボックス 50">
+            <a:extLst>
+              <a:ext uri="{FF2B5EF4-FFF2-40B4-BE49-F238E27FC236}">
+                <a16:creationId xmlns:a16="http://schemas.microsoft.com/office/drawing/2014/main" id="{1F8665A0-740F-4726-A515-00AF6976E6AA}"/>
+              </a:ext>
+            </a:extLst>
+          </p:cNvPr>
+          <p:cNvSpPr txBox="1"/>
+          <p:nvPr/>
+        </p:nvSpPr>
+        <p:spPr>
+          <a:xfrm>
+            <a:off x="4721884" y="748736"/>
+            <a:ext cx="415498" cy="369332"/>
+          </a:xfrm>
+          <a:prstGeom prst="rect">
+            <a:avLst/>
+          </a:prstGeom>
+          <a:noFill/>
+        </p:spPr>
+        <p:txBody>
+          <a:bodyPr wrap="none" rtlCol="0">
+            <a:spAutoFit/>
+          </a:bodyPr>
+          <a:lstStyle/>
+          <a:p>
+            <a:r>
+              <a:rPr kumimoji="1" lang="ja-JP" altLang="en-US" dirty="0"/>
+              <a:t>①</a:t>
+            </a:r>
+          </a:p>
+        </p:txBody>
+      </p:sp>
+      <p:sp>
+        <p:nvSpPr>
+          <p:cNvPr id="59" name="テキスト ボックス 58">
+            <a:extLst>
+              <a:ext uri="{FF2B5EF4-FFF2-40B4-BE49-F238E27FC236}">
+                <a16:creationId xmlns:a16="http://schemas.microsoft.com/office/drawing/2014/main" id="{074B0482-2A64-4876-959E-D681948AC746}"/>
+              </a:ext>
+            </a:extLst>
+          </p:cNvPr>
+          <p:cNvSpPr txBox="1"/>
+          <p:nvPr/>
+        </p:nvSpPr>
+        <p:spPr>
+          <a:xfrm>
+            <a:off x="7002114" y="697576"/>
+            <a:ext cx="415498" cy="369332"/>
+          </a:xfrm>
+          <a:prstGeom prst="rect">
+            <a:avLst/>
+          </a:prstGeom>
+          <a:noFill/>
+        </p:spPr>
+        <p:txBody>
+          <a:bodyPr wrap="none" rtlCol="0">
+            <a:spAutoFit/>
+          </a:bodyPr>
+          <a:lstStyle/>
+          <a:p>
+            <a:r>
+              <a:rPr lang="ja-JP" altLang="en-US" dirty="0"/>
+              <a:t>②</a:t>
+            </a:r>
+            <a:endParaRPr kumimoji="1" lang="ja-JP" altLang="en-US" dirty="0"/>
+          </a:p>
+        </p:txBody>
+      </p:sp>
+      <p:sp>
+        <p:nvSpPr>
+          <p:cNvPr id="60" name="テキスト ボックス 59">
+            <a:extLst>
+              <a:ext uri="{FF2B5EF4-FFF2-40B4-BE49-F238E27FC236}">
+                <a16:creationId xmlns:a16="http://schemas.microsoft.com/office/drawing/2014/main" id="{AFA5165C-3AD6-4CC1-B561-349C7ACD2044}"/>
+              </a:ext>
+            </a:extLst>
+          </p:cNvPr>
+          <p:cNvSpPr txBox="1"/>
+          <p:nvPr/>
+        </p:nvSpPr>
+        <p:spPr>
+          <a:xfrm>
+            <a:off x="7037015" y="1509018"/>
+            <a:ext cx="415498" cy="369332"/>
+          </a:xfrm>
+          <a:prstGeom prst="rect">
+            <a:avLst/>
+          </a:prstGeom>
+          <a:noFill/>
+        </p:spPr>
+        <p:txBody>
+          <a:bodyPr wrap="none" rtlCol="0">
+            <a:spAutoFit/>
+          </a:bodyPr>
+          <a:lstStyle/>
+          <a:p>
+            <a:r>
+              <a:rPr kumimoji="1" lang="ja-JP" altLang="en-US" dirty="0"/>
+              <a:t>③</a:t>
+            </a:r>
+          </a:p>
+        </p:txBody>
+      </p:sp>
+      <p:sp>
+        <p:nvSpPr>
+          <p:cNvPr id="61" name="コンテンツ プレースホルダー 2">
+            <a:extLst>
+              <a:ext uri="{FF2B5EF4-FFF2-40B4-BE49-F238E27FC236}">
+                <a16:creationId xmlns:a16="http://schemas.microsoft.com/office/drawing/2014/main" id="{622B9C8F-8E79-4477-B8EF-39F187017A81}"/>
+              </a:ext>
+            </a:extLst>
+          </p:cNvPr>
+          <p:cNvSpPr>
+            <a:spLocks noGrp="1"/>
+          </p:cNvSpPr>
+          <p:nvPr>
+            <p:ph idx="1"/>
+          </p:nvPr>
+        </p:nvSpPr>
+        <p:spPr>
+          <a:xfrm>
+            <a:off x="665480" y="2256991"/>
+            <a:ext cx="10861040" cy="4496234"/>
+          </a:xfrm>
+        </p:spPr>
+        <p:txBody>
+          <a:bodyPr>
+            <a:normAutofit/>
+          </a:bodyPr>
+          <a:lstStyle/>
+          <a:p>
+            <a:pPr marL="457200" indent="-457200">
+              <a:buFont typeface="+mj-ea"/>
+              <a:buAutoNum type="circleNumDbPlain"/>
+            </a:pPr>
+            <a:r>
+              <a:rPr lang="ja-JP" altLang="en-US" sz="2400" dirty="0"/>
+              <a:t>前のフェーズの後に</a:t>
+            </a:r>
+            <a:r>
+              <a:rPr lang="en-US" altLang="ja-JP" sz="2400" dirty="0"/>
+              <a:t>collect_request.py</a:t>
+            </a:r>
+            <a:r>
+              <a:rPr lang="ja-JP" altLang="en-US" sz="2400" dirty="0"/>
+              <a:t>が実行される</a:t>
+            </a:r>
+            <a:endParaRPr lang="ja-JP" altLang="en-US" sz="2000" dirty="0"/>
+          </a:p>
+          <a:p>
+            <a:pPr marL="457200" lvl="1" indent="0">
+              <a:buNone/>
+            </a:pPr>
+            <a:r>
+              <a:rPr lang="ja-JP" altLang="en-US" sz="2000" dirty="0"/>
+              <a:t>前日</a:t>
+            </a:r>
+            <a:r>
+              <a:rPr lang="en-US" altLang="ja-JP" sz="2000" dirty="0"/>
+              <a:t>(</a:t>
+            </a:r>
+            <a:r>
+              <a:rPr lang="ja-JP" altLang="en-US" sz="2000" dirty="0"/>
+              <a:t>または指定された日付</a:t>
+            </a:r>
+            <a:r>
+              <a:rPr lang="en-US" altLang="ja-JP" sz="2000" dirty="0"/>
+              <a:t>)</a:t>
+            </a:r>
+            <a:r>
+              <a:rPr lang="ja-JP" altLang="en-US" sz="2000" dirty="0"/>
+              <a:t>の位置情報一覧を</a:t>
+            </a:r>
+            <a:r>
+              <a:rPr lang="en-US" altLang="ja-JP" sz="2000" dirty="0"/>
+              <a:t>Redshift Spectrum</a:t>
+            </a:r>
+            <a:r>
+              <a:rPr lang="ja-JP" altLang="en-US" sz="2000" dirty="0"/>
+              <a:t>から取得する</a:t>
+            </a:r>
+          </a:p>
+          <a:p>
+            <a:pPr marL="457200" lvl="1" indent="0">
+              <a:buNone/>
+            </a:pPr>
+            <a:endParaRPr lang="ja-JP" altLang="en-US" sz="2000" dirty="0"/>
+          </a:p>
+          <a:p>
+            <a:pPr marL="457200" indent="-457200">
+              <a:buFont typeface="+mj-ea"/>
+              <a:buAutoNum type="circleNumDbPlain"/>
+            </a:pPr>
+            <a:r>
+              <a:rPr lang="en-US" altLang="ja-JP" sz="2400" dirty="0"/>
+              <a:t>Redshift</a:t>
+            </a:r>
+            <a:r>
+              <a:rPr lang="ja-JP" altLang="en-US" sz="2400" dirty="0"/>
+              <a:t> </a:t>
+            </a:r>
+            <a:r>
+              <a:rPr lang="en-US" altLang="ja-JP" sz="2400" dirty="0"/>
+              <a:t>Spectrum</a:t>
+            </a:r>
+            <a:r>
+              <a:rPr lang="ja-JP" altLang="en-US" sz="2400" dirty="0"/>
+              <a:t>は、</a:t>
+            </a:r>
+            <a:r>
+              <a:rPr lang="en-US" altLang="ja-JP" sz="2400" dirty="0"/>
+              <a:t>S3(</a:t>
+            </a:r>
+            <a:r>
+              <a:rPr lang="ja-JP" altLang="en-US" sz="2400" dirty="0"/>
+              <a:t>格納用</a:t>
+            </a:r>
+            <a:r>
+              <a:rPr lang="en-US" altLang="ja-JP" sz="2400" dirty="0"/>
+              <a:t>)</a:t>
+            </a:r>
+            <a:r>
+              <a:rPr lang="ja-JP" altLang="en-US" sz="2400" dirty="0"/>
+              <a:t>をデータソースとする</a:t>
+            </a:r>
+          </a:p>
+          <a:p>
+            <a:pPr marL="457200" indent="-457200">
+              <a:buFont typeface="+mj-ea"/>
+              <a:buAutoNum type="circleNumDbPlain"/>
+            </a:pPr>
+            <a:endParaRPr lang="ja-JP" altLang="en-US" sz="2400" dirty="0"/>
+          </a:p>
+          <a:p>
+            <a:pPr marL="457200" indent="-457200">
+              <a:buFont typeface="+mj-ea"/>
+              <a:buAutoNum type="circleNumDbPlain"/>
+            </a:pPr>
+            <a:r>
+              <a:rPr lang="ja-JP" altLang="en-US" sz="2400" dirty="0"/>
+              <a:t>取得日付の全位置情報が取得できたら、それを</a:t>
+            </a:r>
+            <a:r>
+              <a:rPr lang="en-US" altLang="ja-JP" sz="2400" dirty="0"/>
+              <a:t>S3(</a:t>
+            </a:r>
+            <a:r>
+              <a:rPr lang="ja-JP" altLang="en-US" sz="2400" dirty="0"/>
+              <a:t>ダウンロード用</a:t>
+            </a:r>
+            <a:r>
+              <a:rPr lang="en-US" altLang="ja-JP" sz="2400" dirty="0"/>
+              <a:t>)</a:t>
+            </a:r>
+            <a:r>
+              <a:rPr lang="ja-JP" altLang="en-US" sz="2400" dirty="0"/>
+              <a:t>に格納する</a:t>
+            </a:r>
+          </a:p>
+          <a:p>
+            <a:pPr marL="457200" indent="-457200">
+              <a:buFont typeface="+mj-ea"/>
+              <a:buAutoNum type="circleNumDbPlain"/>
+            </a:pPr>
+            <a:endParaRPr lang="ja-JP" altLang="en-US" sz="2400" dirty="0"/>
+          </a:p>
+          <a:p>
+            <a:pPr marL="457200" indent="-457200">
+              <a:buFont typeface="+mj-ea"/>
+              <a:buAutoNum type="circleNumDbPlain"/>
+            </a:pPr>
+            <a:r>
+              <a:rPr lang="en-US" altLang="ja-JP" sz="2400" dirty="0"/>
+              <a:t>Lambda(</a:t>
+            </a:r>
+            <a:r>
+              <a:rPr lang="en-US" altLang="ja-JP" sz="2400" dirty="0" err="1"/>
+              <a:t>stop_collect_server</a:t>
+            </a:r>
+            <a:r>
+              <a:rPr lang="en-US" altLang="ja-JP" sz="2400" dirty="0"/>
+              <a:t>)</a:t>
+            </a:r>
+            <a:r>
+              <a:rPr lang="ja-JP" altLang="en-US" sz="2400" dirty="0"/>
+              <a:t>を呼び出す</a:t>
+            </a:r>
+          </a:p>
+          <a:p>
+            <a:pPr marL="457200" lvl="1" indent="0">
+              <a:buNone/>
+            </a:pPr>
+            <a:r>
+              <a:rPr lang="ja-JP" altLang="en-US" sz="2000" dirty="0"/>
+              <a:t>この関数は</a:t>
+            </a:r>
+            <a:r>
+              <a:rPr lang="en-US" altLang="ja-JP" sz="2000" dirty="0"/>
+              <a:t>EC2</a:t>
+            </a:r>
+            <a:r>
+              <a:rPr lang="ja-JP" altLang="en-US" sz="2000"/>
+              <a:t>サーバを終了させる</a:t>
+            </a:r>
+            <a:endParaRPr lang="ja-JP" altLang="en-US" sz="2000" dirty="0"/>
+          </a:p>
+        </p:txBody>
+      </p:sp>
+      <p:sp>
+        <p:nvSpPr>
+          <p:cNvPr id="15" name="テキスト ボックス 14">
+            <a:extLst>
+              <a:ext uri="{FF2B5EF4-FFF2-40B4-BE49-F238E27FC236}">
+                <a16:creationId xmlns:a16="http://schemas.microsoft.com/office/drawing/2014/main" id="{259AFE49-EC4D-45E4-BF20-1819CAC23FDF}"/>
+              </a:ext>
+            </a:extLst>
+          </p:cNvPr>
+          <p:cNvSpPr txBox="1"/>
+          <p:nvPr/>
+        </p:nvSpPr>
+        <p:spPr>
+          <a:xfrm>
+            <a:off x="266277" y="306084"/>
+            <a:ext cx="1107996" cy="369332"/>
+          </a:xfrm>
+          <a:prstGeom prst="rect">
+            <a:avLst/>
+          </a:prstGeom>
+          <a:noFill/>
+          <a:ln w="3175">
+            <a:solidFill>
+              <a:schemeClr val="tx1"/>
+            </a:solidFill>
+          </a:ln>
+        </p:spPr>
+        <p:txBody>
+          <a:bodyPr wrap="none" rtlCol="0">
+            <a:spAutoFit/>
+          </a:bodyPr>
+          <a:lstStyle/>
+          <a:p>
+            <a:r>
+              <a:rPr lang="ja-JP" altLang="en-US" dirty="0"/>
+              <a:t>一覧取得</a:t>
+            </a:r>
+            <a:endParaRPr kumimoji="1" lang="ja-JP" altLang="en-US" dirty="0"/>
+          </a:p>
+        </p:txBody>
+      </p:sp>
+      <p:pic>
+        <p:nvPicPr>
+          <p:cNvPr id="16" name="Graphic 59">
+            <a:extLst>
+              <a:ext uri="{FF2B5EF4-FFF2-40B4-BE49-F238E27FC236}">
+                <a16:creationId xmlns:a16="http://schemas.microsoft.com/office/drawing/2014/main" id="{B2AE47F2-C3FB-43EB-9C46-D46F13105CC1}"/>
+              </a:ext>
+            </a:extLst>
+          </p:cNvPr>
+          <p:cNvPicPr>
+            <a:picLocks noChangeAspect="1"/>
+          </p:cNvPicPr>
+          <p:nvPr/>
+        </p:nvPicPr>
+        <p:blipFill>
+          <a:blip r:embed="rId8">
+            <a:extLst>
+              <a:ext uri="{96DAC541-7B7A-43D3-8B79-37D633B846F1}">
+                <asvg:svgBlip xmlns:asvg="http://schemas.microsoft.com/office/drawing/2016/SVG/main" r:embed="rId9"/>
+              </a:ext>
+            </a:extLst>
+          </a:blip>
+          <a:stretch>
+            <a:fillRect/>
+          </a:stretch>
+        </p:blipFill>
+        <p:spPr>
+          <a:xfrm>
+            <a:off x="1535228" y="829753"/>
+            <a:ext cx="762000" cy="952500"/>
+          </a:xfrm>
+          <a:prstGeom prst="rect">
+            <a:avLst/>
+          </a:prstGeom>
+        </p:spPr>
+      </p:pic>
+      <p:cxnSp>
+        <p:nvCxnSpPr>
+          <p:cNvPr id="17" name="Straight Arrow Connector 42">
+            <a:extLst>
+              <a:ext uri="{FF2B5EF4-FFF2-40B4-BE49-F238E27FC236}">
+                <a16:creationId xmlns:a16="http://schemas.microsoft.com/office/drawing/2014/main" id="{04255949-2D10-4255-8A5D-E419FFFEBAD3}"/>
+              </a:ext>
+            </a:extLst>
+          </p:cNvPr>
+          <p:cNvCxnSpPr>
+            <a:cxnSpLocks/>
+          </p:cNvCxnSpPr>
+          <p:nvPr/>
+        </p:nvCxnSpPr>
+        <p:spPr>
+          <a:xfrm flipH="1">
+            <a:off x="2414624" y="847676"/>
+            <a:ext cx="929467" cy="270392"/>
+          </a:xfrm>
+          <a:prstGeom prst="straightConnector1">
+            <a:avLst/>
+          </a:prstGeom>
+          <a:ln w="12700">
+            <a:solidFill>
+              <a:srgbClr val="545B64"/>
+            </a:solidFill>
+            <a:headEnd type="arrow" w="med" len="sm"/>
+            <a:tailEnd type="arrow" w="med" len="sm"/>
+          </a:ln>
+        </p:spPr>
+        <p:style>
+          <a:lnRef idx="1">
+            <a:schemeClr val="accent1"/>
+          </a:lnRef>
+          <a:fillRef idx="0">
+            <a:schemeClr val="accent1"/>
+          </a:fillRef>
+          <a:effectRef idx="0">
+            <a:schemeClr val="accent1"/>
+          </a:effectRef>
+          <a:fontRef idx="minor">
+            <a:schemeClr val="tx1"/>
+          </a:fontRef>
+        </p:style>
+      </p:cxnSp>
+      <p:sp>
+        <p:nvSpPr>
+          <p:cNvPr id="25" name="テキスト ボックス 24">
+            <a:extLst>
+              <a:ext uri="{FF2B5EF4-FFF2-40B4-BE49-F238E27FC236}">
+                <a16:creationId xmlns:a16="http://schemas.microsoft.com/office/drawing/2014/main" id="{988EB9ED-9A95-4083-88DB-942BAF524D41}"/>
+              </a:ext>
+            </a:extLst>
+          </p:cNvPr>
+          <p:cNvSpPr txBox="1"/>
+          <p:nvPr/>
+        </p:nvSpPr>
+        <p:spPr>
+          <a:xfrm>
+            <a:off x="2622501" y="663010"/>
+            <a:ext cx="415498" cy="369332"/>
+          </a:xfrm>
+          <a:prstGeom prst="rect">
+            <a:avLst/>
+          </a:prstGeom>
+          <a:noFill/>
+        </p:spPr>
+        <p:txBody>
+          <a:bodyPr wrap="none" rtlCol="0">
+            <a:spAutoFit/>
+          </a:bodyPr>
+          <a:lstStyle/>
+          <a:p>
+            <a:r>
+              <a:rPr lang="ja-JP" altLang="en-US" dirty="0"/>
+              <a:t>④</a:t>
+            </a:r>
+            <a:endParaRPr kumimoji="1" lang="ja-JP" altLang="en-US" dirty="0"/>
+          </a:p>
+        </p:txBody>
+      </p:sp>
+    </p:spTree>
+    <p:extLst>
+      <p:ext uri="{BB962C8B-B14F-4D97-AF65-F5344CB8AC3E}">
+        <p14:creationId xmlns:p14="http://schemas.microsoft.com/office/powerpoint/2010/main" val="606868595"/>
+      </p:ext>
+    </p:extLst>
+  </p:cSld>
+  <p:clrMapOvr>
+    <a:masterClrMapping/>
+  </p:clrMapOvr>
+</p:sld>
+</file>
+
+<file path=ppt/slides/slide2.xml><?xml version="1.0" encoding="utf-8"?>
+<p:sld xmlns:a="http://schemas.openxmlformats.org/drawingml/2006/main" xmlns:r="http://schemas.openxmlformats.org/officeDocument/2006/relationships" xmlns:p="http://schemas.openxmlformats.org/presentationml/2006/main">
+  <p:cSld>
+    <p:spTree>
+      <p:nvGrpSpPr>
+        <p:cNvPr id="1" name=""/>
+        <p:cNvGrpSpPr/>
+        <p:nvPr/>
+      </p:nvGrpSpPr>
+      <p:grpSpPr>
+        <a:xfrm>
+          <a:off x="0" y="0"/>
+          <a:ext cx="0" cy="0"/>
+          <a:chOff x="0" y="0"/>
+          <a:chExt cx="0" cy="0"/>
+        </a:xfrm>
+      </p:grpSpPr>
+      <p:sp>
+        <p:nvSpPr>
+          <p:cNvPr id="3" name="コンテンツ プレースホルダー 2">
+            <a:extLst>
+              <a:ext uri="{FF2B5EF4-FFF2-40B4-BE49-F238E27FC236}">
+                <a16:creationId xmlns:a16="http://schemas.microsoft.com/office/drawing/2014/main" id="{B6C2D751-6038-46CF-8DE2-EDC1E114B9C7}"/>
+              </a:ext>
+            </a:extLst>
+          </p:cNvPr>
+          <p:cNvSpPr>
+            <a:spLocks noGrp="1"/>
+          </p:cNvSpPr>
+          <p:nvPr>
+            <p:ph idx="1"/>
+          </p:nvPr>
+        </p:nvSpPr>
+        <p:spPr>
+          <a:xfrm>
+            <a:off x="838200" y="609600"/>
+            <a:ext cx="10515600" cy="5567363"/>
+          </a:xfrm>
+        </p:spPr>
+        <p:txBody>
+          <a:bodyPr/>
+          <a:lstStyle/>
+          <a:p>
+            <a:pPr>
+              <a:buFont typeface="Wingdings" panose="05000000000000000000" pitchFamily="2" charset="2"/>
+              <a:buChar char="Ø"/>
+            </a:pPr>
+            <a:r>
+              <a:rPr lang="ja-JP" altLang="en-US" dirty="0"/>
+              <a:t>　課題のキモは、リクエスト数が多いこと</a:t>
+            </a:r>
+          </a:p>
+          <a:p>
+            <a:pPr lvl="1"/>
+            <a:r>
+              <a:rPr lang="ja-JP" altLang="en-US" dirty="0"/>
+              <a:t>アクティブユーザ数 </a:t>
+            </a:r>
+            <a:r>
+              <a:rPr lang="en-US" altLang="ja-JP" dirty="0"/>
+              <a:t>: 20,000/h  (</a:t>
+            </a:r>
+            <a:r>
+              <a:rPr lang="ja-JP" altLang="en-US" dirty="0"/>
+              <a:t>要求事項より</a:t>
+            </a:r>
+            <a:r>
+              <a:rPr lang="en-US" altLang="ja-JP" dirty="0"/>
+              <a:t>)</a:t>
+            </a:r>
+          </a:p>
+          <a:p>
+            <a:pPr lvl="1"/>
+            <a:r>
+              <a:rPr lang="ja-JP" altLang="en-US" dirty="0"/>
+              <a:t>リクエスト数</a:t>
+            </a:r>
+            <a:r>
+              <a:rPr lang="en-US" altLang="ja-JP" dirty="0"/>
+              <a:t>: 16,666/m</a:t>
+            </a:r>
+            <a:endParaRPr lang="ja-JP" altLang="en-US" dirty="0"/>
+          </a:p>
+          <a:p>
+            <a:pPr marL="914400" lvl="2" indent="0">
+              <a:buNone/>
+            </a:pPr>
+            <a:r>
+              <a:rPr lang="en-US" altLang="ja-JP" dirty="0"/>
+              <a:t> (</a:t>
+            </a:r>
+            <a:r>
+              <a:rPr lang="ja-JP" altLang="en-US" dirty="0"/>
+              <a:t>平均</a:t>
+            </a:r>
+            <a:r>
+              <a:rPr lang="en-US" altLang="ja-JP" dirty="0"/>
+              <a:t>5</a:t>
+            </a:r>
+            <a:r>
+              <a:rPr lang="ja-JP" altLang="en-US" dirty="0"/>
+              <a:t>回</a:t>
+            </a:r>
+            <a:r>
+              <a:rPr lang="en-US" altLang="ja-JP" dirty="0"/>
+              <a:t>/h</a:t>
+            </a:r>
+            <a:r>
+              <a:rPr lang="ja-JP" altLang="en-US" dirty="0"/>
+              <a:t>のアクセスが均等に行われるとして、</a:t>
+            </a:r>
+            <a:r>
+              <a:rPr lang="en-US" altLang="ja-JP" dirty="0"/>
+              <a:t>20,000 × 5 ÷ 60)</a:t>
+            </a:r>
+          </a:p>
+          <a:p>
+            <a:pPr lvl="1"/>
+            <a:r>
+              <a:rPr lang="ja-JP" altLang="en-US" dirty="0"/>
+              <a:t>合計レコード数</a:t>
+            </a:r>
+            <a:r>
+              <a:rPr lang="en-US" altLang="ja-JP" dirty="0"/>
+              <a:t>: 2,400,000/d</a:t>
+            </a:r>
+          </a:p>
+          <a:p>
+            <a:pPr marL="914400" lvl="2" indent="0">
+              <a:buNone/>
+            </a:pPr>
+            <a:r>
+              <a:rPr lang="en-US" altLang="ja-JP" dirty="0"/>
+              <a:t>(20,000 × 5 × 24)</a:t>
+            </a:r>
+            <a:endParaRPr lang="ja-JP" altLang="en-US" dirty="0"/>
+          </a:p>
+          <a:p>
+            <a:pPr marL="914400" lvl="2" indent="0">
+              <a:buNone/>
+            </a:pPr>
+            <a:endParaRPr lang="ja-JP" altLang="en-US" dirty="0"/>
+          </a:p>
+          <a:p>
+            <a:pPr>
+              <a:buFont typeface="Wingdings" panose="05000000000000000000" pitchFamily="2" charset="2"/>
+              <a:buChar char="Ø"/>
+            </a:pPr>
+            <a:r>
+              <a:rPr kumimoji="1" lang="ja-JP" altLang="en-US" dirty="0"/>
+              <a:t>　収集したデータは折角なので使い切りじゃなく再利用したい</a:t>
+            </a:r>
+          </a:p>
+          <a:p>
+            <a:pPr lvl="1"/>
+            <a:r>
+              <a:rPr kumimoji="1" lang="en-US" altLang="ja-JP" dirty="0"/>
+              <a:t>S3 + Redshift spectrum</a:t>
+            </a:r>
+            <a:r>
+              <a:rPr kumimoji="1" lang="ja-JP" altLang="en-US" dirty="0"/>
+              <a:t>を選択</a:t>
+            </a:r>
+          </a:p>
+          <a:p>
+            <a:endParaRPr kumimoji="1" lang="ja-JP" altLang="en-US" dirty="0"/>
+          </a:p>
+          <a:p>
+            <a:pPr>
+              <a:buFont typeface="Wingdings" panose="05000000000000000000" pitchFamily="2" charset="2"/>
+              <a:buChar char="Ø"/>
+            </a:pPr>
+            <a:r>
+              <a:rPr lang="ja-JP" altLang="en-US" dirty="0"/>
+              <a:t>　リクエストをもらさず遅いメディア</a:t>
+            </a:r>
+            <a:r>
+              <a:rPr lang="en-US" altLang="ja-JP" dirty="0"/>
+              <a:t>(S3)</a:t>
+            </a:r>
+            <a:r>
+              <a:rPr lang="ja-JP" altLang="en-US" dirty="0"/>
+              <a:t>に書き込む必要あり</a:t>
+            </a:r>
+          </a:p>
+          <a:p>
+            <a:pPr lvl="1"/>
+            <a:r>
+              <a:rPr lang="ja-JP" altLang="en-US" dirty="0"/>
+              <a:t>段階的にリクエストをまとめる処理を行う</a:t>
+            </a:r>
+            <a:endParaRPr kumimoji="1" lang="ja-JP" altLang="en-US" dirty="0"/>
+          </a:p>
+        </p:txBody>
+      </p:sp>
+    </p:spTree>
+    <p:extLst>
+      <p:ext uri="{BB962C8B-B14F-4D97-AF65-F5344CB8AC3E}">
+        <p14:creationId xmlns:p14="http://schemas.microsoft.com/office/powerpoint/2010/main" val="917198469"/>
+      </p:ext>
+    </p:extLst>
+  </p:cSld>
+  <p:clrMapOvr>
+    <a:masterClrMapping/>
+  </p:clrMapOvr>
+</p:sld>
+</file>
+
+<file path=ppt/slides/slide3.xml><?xml version="1.0" encoding="utf-8"?>
+<p:sld xmlns:a="http://schemas.openxmlformats.org/drawingml/2006/main" xmlns:r="http://schemas.openxmlformats.org/officeDocument/2006/relationships" xmlns:p="http://schemas.openxmlformats.org/presentationml/2006/main">
+  <p:cSld>
+    <p:spTree>
+      <p:nvGrpSpPr>
+        <p:cNvPr id="1" name=""/>
+        <p:cNvGrpSpPr/>
+        <p:nvPr/>
+      </p:nvGrpSpPr>
+      <p:grpSpPr>
+        <a:xfrm>
+          <a:off x="0" y="0"/>
+          <a:ext cx="0" cy="0"/>
+          <a:chOff x="0" y="0"/>
+          <a:chExt cx="0" cy="0"/>
+        </a:xfrm>
+      </p:grpSpPr>
+      <p:sp>
+        <p:nvSpPr>
+          <p:cNvPr id="3" name="コンテンツ プレースホルダー 2">
+            <a:extLst>
+              <a:ext uri="{FF2B5EF4-FFF2-40B4-BE49-F238E27FC236}">
+                <a16:creationId xmlns:a16="http://schemas.microsoft.com/office/drawing/2014/main" id="{B6C2D751-6038-46CF-8DE2-EDC1E114B9C7}"/>
+              </a:ext>
+            </a:extLst>
+          </p:cNvPr>
+          <p:cNvSpPr>
+            <a:spLocks noGrp="1"/>
+          </p:cNvSpPr>
+          <p:nvPr>
+            <p:ph idx="1"/>
+          </p:nvPr>
+        </p:nvSpPr>
+        <p:spPr>
+          <a:xfrm>
+            <a:off x="680720" y="609600"/>
+            <a:ext cx="10861040" cy="5648960"/>
+          </a:xfrm>
+        </p:spPr>
+        <p:txBody>
+          <a:bodyPr>
+            <a:normAutofit/>
+          </a:bodyPr>
+          <a:lstStyle/>
+          <a:p>
+            <a:pPr marL="0" indent="0">
+              <a:buNone/>
+            </a:pPr>
+            <a:r>
+              <a:rPr lang="ja-JP" altLang="en-US" dirty="0"/>
+              <a:t>段階的にリクエストをまとめる処理の中身</a:t>
+            </a:r>
+            <a:endParaRPr lang="en-US" altLang="ja-JP" dirty="0"/>
+          </a:p>
+          <a:p>
+            <a:pPr lvl="1">
+              <a:buFont typeface="Wingdings" panose="05000000000000000000" pitchFamily="2" charset="2"/>
+              <a:buChar char="Ø"/>
+            </a:pPr>
+            <a:endParaRPr lang="ja-JP" altLang="en-US" dirty="0"/>
+          </a:p>
+          <a:p>
+            <a:pPr marL="914400" lvl="1" indent="-457200">
+              <a:buFont typeface="+mj-lt"/>
+              <a:buAutoNum type="arabicPeriod"/>
+            </a:pPr>
+            <a:r>
+              <a:rPr kumimoji="1" lang="ja-JP" altLang="en-US" dirty="0"/>
+              <a:t>受取</a:t>
+            </a:r>
+            <a:endParaRPr kumimoji="1" lang="en-US" altLang="ja-JP" dirty="0"/>
+          </a:p>
+          <a:p>
+            <a:pPr marL="914400" lvl="2" indent="0">
+              <a:buNone/>
+            </a:pPr>
+            <a:r>
+              <a:rPr lang="ja-JP" altLang="en-US" dirty="0"/>
+              <a:t>位置情報のリクエストを</a:t>
+            </a:r>
+            <a:r>
+              <a:rPr lang="en-US" altLang="ja-JP" dirty="0"/>
+              <a:t>API Gateway</a:t>
+            </a:r>
+            <a:r>
+              <a:rPr lang="ja-JP" altLang="en-US" dirty="0"/>
+              <a:t>で受けて、</a:t>
+            </a:r>
+            <a:r>
+              <a:rPr lang="en-US" altLang="ja-JP" dirty="0"/>
+              <a:t>SQS(</a:t>
+            </a:r>
+            <a:r>
+              <a:rPr lang="ja-JP" altLang="en-US" dirty="0"/>
+              <a:t>標準キュー</a:t>
+            </a:r>
+            <a:r>
+              <a:rPr lang="en-US" altLang="ja-JP" dirty="0"/>
+              <a:t>)</a:t>
+            </a:r>
+            <a:r>
+              <a:rPr lang="ja-JP" altLang="en-US" dirty="0"/>
+              <a:t>に格納する</a:t>
+            </a:r>
+            <a:endParaRPr lang="en-US" altLang="ja-JP" dirty="0"/>
+          </a:p>
+          <a:p>
+            <a:pPr marL="914400" lvl="2" indent="0">
+              <a:buNone/>
+            </a:pPr>
+            <a:endParaRPr lang="en-US" altLang="ja-JP" dirty="0"/>
+          </a:p>
+          <a:p>
+            <a:pPr marL="914400" lvl="1" indent="-457200">
+              <a:buFont typeface="+mj-lt"/>
+              <a:buAutoNum type="arabicPeriod"/>
+            </a:pPr>
+            <a:r>
+              <a:rPr lang="ja-JP" altLang="en-US" dirty="0"/>
+              <a:t>一時保管</a:t>
+            </a:r>
+          </a:p>
+          <a:p>
+            <a:pPr marL="914400" lvl="2" indent="0">
+              <a:buNone/>
+            </a:pPr>
+            <a:r>
+              <a:rPr lang="ja-JP" altLang="en-US" dirty="0"/>
+              <a:t>定期的</a:t>
+            </a:r>
+            <a:r>
+              <a:rPr lang="en-US" altLang="ja-JP" dirty="0"/>
+              <a:t>(5min</a:t>
+            </a:r>
+            <a:r>
+              <a:rPr lang="ja-JP" altLang="en-US" dirty="0"/>
+              <a:t>程度</a:t>
+            </a:r>
+            <a:r>
+              <a:rPr lang="en-US" altLang="ja-JP" dirty="0"/>
+              <a:t>)</a:t>
+            </a:r>
+            <a:r>
+              <a:rPr lang="ja-JP" altLang="en-US" dirty="0"/>
+              <a:t>に</a:t>
+            </a:r>
+            <a:r>
+              <a:rPr lang="en-US" altLang="ja-JP" dirty="0"/>
+              <a:t>SQS</a:t>
+            </a:r>
+            <a:r>
+              <a:rPr lang="ja-JP" altLang="en-US" dirty="0"/>
+              <a:t>からリクエストを取り出し、</a:t>
+            </a:r>
+            <a:r>
+              <a:rPr lang="en-US" altLang="ja-JP" dirty="0"/>
+              <a:t>S3(</a:t>
+            </a:r>
+            <a:r>
+              <a:rPr lang="ja-JP" altLang="en-US" dirty="0"/>
+              <a:t>作業用フォルダ</a:t>
+            </a:r>
+            <a:r>
+              <a:rPr lang="en-US" altLang="ja-JP" dirty="0"/>
+              <a:t>)</a:t>
+            </a:r>
+            <a:r>
+              <a:rPr lang="ja-JP" altLang="en-US" dirty="0"/>
+              <a:t>にまとめて書き出す</a:t>
+            </a:r>
+          </a:p>
+          <a:p>
+            <a:pPr marL="1371600" lvl="2" indent="-457200">
+              <a:buFont typeface="+mj-lt"/>
+              <a:buAutoNum type="arabicPeriod"/>
+            </a:pPr>
+            <a:endParaRPr lang="ja-JP" altLang="en-US" dirty="0"/>
+          </a:p>
+          <a:p>
+            <a:pPr marL="914400" lvl="1" indent="-457200">
+              <a:buFont typeface="+mj-lt"/>
+              <a:buAutoNum type="arabicPeriod"/>
+            </a:pPr>
+            <a:r>
+              <a:rPr lang="ja-JP" altLang="en-US" dirty="0"/>
+              <a:t>振分</a:t>
+            </a:r>
+          </a:p>
+          <a:p>
+            <a:pPr marL="914400" lvl="2" indent="0">
+              <a:buNone/>
+            </a:pPr>
+            <a:r>
+              <a:rPr lang="ja-JP" altLang="en-US" dirty="0"/>
+              <a:t>定期的</a:t>
+            </a:r>
+            <a:r>
+              <a:rPr lang="en-US" altLang="ja-JP" dirty="0"/>
+              <a:t>(1</a:t>
+            </a:r>
+            <a:r>
+              <a:rPr lang="ja-JP" altLang="en-US" dirty="0"/>
+              <a:t>～数回</a:t>
+            </a:r>
+            <a:r>
+              <a:rPr lang="en-US" altLang="ja-JP" dirty="0"/>
+              <a:t>/</a:t>
+            </a:r>
+            <a:r>
+              <a:rPr lang="ja-JP" altLang="en-US" dirty="0"/>
+              <a:t>日</a:t>
+            </a:r>
+            <a:r>
+              <a:rPr lang="en-US" altLang="ja-JP" dirty="0"/>
+              <a:t>)</a:t>
+            </a:r>
+            <a:r>
+              <a:rPr lang="ja-JP" altLang="en-US" dirty="0"/>
+              <a:t>に</a:t>
+            </a:r>
+            <a:r>
+              <a:rPr lang="en-US" altLang="ja-JP" dirty="0"/>
+              <a:t>S3(</a:t>
+            </a:r>
+            <a:r>
+              <a:rPr lang="ja-JP" altLang="en-US" dirty="0"/>
+              <a:t>作業用フォルダ</a:t>
+            </a:r>
+            <a:r>
+              <a:rPr lang="en-US" altLang="ja-JP" dirty="0"/>
+              <a:t>)</a:t>
+            </a:r>
+            <a:r>
+              <a:rPr lang="ja-JP" altLang="en-US" dirty="0"/>
+              <a:t>のデータを読み込み、</a:t>
+            </a:r>
+            <a:r>
+              <a:rPr lang="en-US" altLang="ja-JP" dirty="0"/>
+              <a:t>S3(</a:t>
+            </a:r>
+            <a:r>
+              <a:rPr lang="ja-JP" altLang="en-US" dirty="0"/>
+              <a:t>格納用フォルダ</a:t>
+            </a:r>
+            <a:r>
+              <a:rPr lang="en-US" altLang="ja-JP" dirty="0"/>
+              <a:t>)</a:t>
+            </a:r>
+            <a:r>
+              <a:rPr lang="ja-JP" altLang="en-US" dirty="0"/>
+              <a:t>にリクエストの日付毎に分けて格納する。これが</a:t>
+            </a:r>
+            <a:r>
+              <a:rPr lang="en-US" altLang="ja-JP" dirty="0"/>
+              <a:t>Redshift</a:t>
+            </a:r>
+            <a:r>
+              <a:rPr lang="ja-JP" altLang="en-US" dirty="0"/>
+              <a:t>のソースになる。</a:t>
+            </a:r>
+          </a:p>
+          <a:p>
+            <a:pPr marL="1371600" lvl="2" indent="-457200">
+              <a:buFont typeface="+mj-lt"/>
+              <a:buAutoNum type="arabicPeriod"/>
+            </a:pPr>
+            <a:endParaRPr lang="ja-JP" altLang="en-US" dirty="0"/>
+          </a:p>
+          <a:p>
+            <a:pPr marL="914400" lvl="1" indent="-457200">
+              <a:buFont typeface="+mj-lt"/>
+              <a:buAutoNum type="arabicPeriod"/>
+            </a:pPr>
+            <a:r>
+              <a:rPr lang="ja-JP" altLang="en-US" dirty="0"/>
+              <a:t>一覧取得</a:t>
+            </a:r>
+          </a:p>
+          <a:p>
+            <a:pPr marL="914400" lvl="2" indent="0">
+              <a:buNone/>
+            </a:pPr>
+            <a:r>
+              <a:rPr lang="en-US" altLang="ja-JP" dirty="0"/>
+              <a:t>Redshift</a:t>
+            </a:r>
+            <a:r>
+              <a:rPr lang="ja-JP" altLang="en-US" dirty="0"/>
+              <a:t>から対象日のデータを取り出し、</a:t>
+            </a:r>
+            <a:r>
+              <a:rPr lang="en-US" altLang="ja-JP" dirty="0"/>
+              <a:t>CSV</a:t>
+            </a:r>
+            <a:r>
+              <a:rPr lang="ja-JP" altLang="en-US" dirty="0"/>
+              <a:t>に変換して、</a:t>
+            </a:r>
+            <a:r>
+              <a:rPr lang="en-US" altLang="ja-JP" dirty="0"/>
+              <a:t>S3(</a:t>
+            </a:r>
+            <a:r>
+              <a:rPr lang="ja-JP" altLang="en-US" dirty="0"/>
+              <a:t>ダウンロード用フォルダ</a:t>
+            </a:r>
+            <a:r>
+              <a:rPr lang="en-US" altLang="ja-JP" dirty="0"/>
+              <a:t>)</a:t>
+            </a:r>
+            <a:r>
+              <a:rPr lang="ja-JP" altLang="en-US" dirty="0"/>
+              <a:t>に格納する</a:t>
+            </a:r>
+          </a:p>
+        </p:txBody>
+      </p:sp>
+    </p:spTree>
+    <p:extLst>
+      <p:ext uri="{BB962C8B-B14F-4D97-AF65-F5344CB8AC3E}">
+        <p14:creationId xmlns:p14="http://schemas.microsoft.com/office/powerpoint/2010/main" val="3670889420"/>
+      </p:ext>
+    </p:extLst>
+  </p:cSld>
+  <p:clrMapOvr>
+    <a:masterClrMapping/>
+  </p:clrMapOvr>
+</p:sld>
+</file>
+
+<file path=ppt/slides/slide4.xml><?xml version="1.0" encoding="utf-8"?>
 <p:sld xmlns:a="http://schemas.openxmlformats.org/drawingml/2006/main" xmlns:r="http://schemas.openxmlformats.org/officeDocument/2006/relationships" xmlns:p="http://schemas.openxmlformats.org/presentationml/2006/main">
   <p:cSld>
     <p:spTree>
@@ -7543,61 +9488,46 @@
           </a:p>
         </p:txBody>
       </p:sp>
-      <p:sp>
-        <p:nvSpPr>
-          <p:cNvPr id="2" name="正方形/長方形 1">
-            <a:extLst>
-              <a:ext uri="{FF2B5EF4-FFF2-40B4-BE49-F238E27FC236}">
-                <a16:creationId xmlns:a16="http://schemas.microsoft.com/office/drawing/2014/main" id="{2BF33943-BDBD-434D-A179-B90754A28495}"/>
-              </a:ext>
-            </a:extLst>
-          </p:cNvPr>
-          <p:cNvSpPr/>
-          <p:nvPr/>
-        </p:nvSpPr>
-        <p:spPr>
-          <a:xfrm>
-            <a:off x="262038" y="350023"/>
-            <a:ext cx="8221561" cy="2116775"/>
-          </a:xfrm>
-          <a:prstGeom prst="rect">
-            <a:avLst/>
-          </a:prstGeom>
-          <a:noFill/>
-          <a:ln w="31750" cap="flat">
-            <a:solidFill>
-              <a:schemeClr val="accent2"/>
-            </a:solidFill>
-            <a:miter lim="800000"/>
-          </a:ln>
-        </p:spPr>
-        <p:style>
-          <a:lnRef idx="2">
-            <a:schemeClr val="accent2"/>
-          </a:lnRef>
-          <a:fillRef idx="1">
-            <a:schemeClr val="lt1"/>
-          </a:fillRef>
-          <a:effectRef idx="0">
-            <a:schemeClr val="accent2"/>
-          </a:effectRef>
-          <a:fontRef idx="minor">
-            <a:schemeClr val="dk1"/>
-          </a:fontRef>
-        </p:style>
-        <p:txBody>
-          <a:bodyPr rtlCol="0" anchor="ctr"/>
-          <a:lstStyle/>
-          <a:p>
-            <a:pPr algn="ctr"/>
-            <a:endParaRPr kumimoji="1" lang="ja-JP" altLang="en-US"/>
-          </a:p>
-        </p:txBody>
-      </p:sp>
+      <p:pic>
+        <p:nvPicPr>
+          <p:cNvPr id="46" name="Graphic 59">
+            <a:extLst>
+              <a:ext uri="{FF2B5EF4-FFF2-40B4-BE49-F238E27FC236}">
+                <a16:creationId xmlns:a16="http://schemas.microsoft.com/office/drawing/2014/main" id="{A3A2DCD8-893B-4EB8-BAD7-895020439889}"/>
+              </a:ext>
+            </a:extLst>
+          </p:cNvPr>
+          <p:cNvPicPr>
+            <a:picLocks noChangeAspect="1"/>
+          </p:cNvPicPr>
+          <p:nvPr/>
+        </p:nvPicPr>
+        <p:blipFill>
+          <a:blip r:embed="rId6">
+            <a:extLst>
+              <a:ext uri="{96DAC541-7B7A-43D3-8B79-37D633B846F1}">
+                <asvg:svgBlip xmlns:asvg="http://schemas.microsoft.com/office/drawing/2016/SVG/main" r:embed="rId7"/>
+              </a:ext>
+            </a:extLst>
+          </a:blip>
+          <a:stretch>
+            <a:fillRect/>
+          </a:stretch>
+        </p:blipFill>
+        <p:spPr>
+          <a:xfrm>
+            <a:off x="4810177" y="5536602"/>
+            <a:ext cx="762000" cy="952500"/>
+          </a:xfrm>
+          <a:prstGeom prst="rect">
+            <a:avLst/>
+          </a:prstGeom>
+        </p:spPr>
+      </p:pic>
     </p:spTree>
     <p:extLst>
       <p:ext uri="{BB962C8B-B14F-4D97-AF65-F5344CB8AC3E}">
-        <p14:creationId xmlns:p14="http://schemas.microsoft.com/office/powerpoint/2010/main" val="3418302379"/>
+        <p14:creationId xmlns:p14="http://schemas.microsoft.com/office/powerpoint/2010/main" val="1600517068"/>
       </p:ext>
     </p:extLst>
   </p:cSld>
@@ -7607,7 +9537,7 @@
 </p:sld>
 </file>
 
-<file path=ppt/slides/slide6.xml><?xml version="1.0" encoding="utf-8"?>
+<file path=ppt/slides/slide5.xml><?xml version="1.0" encoding="utf-8"?>
 <p:sld xmlns:a="http://schemas.openxmlformats.org/drawingml/2006/main" xmlns:r="http://schemas.openxmlformats.org/officeDocument/2006/relationships" xmlns:p="http://schemas.openxmlformats.org/presentationml/2006/main">
   <p:cSld>
     <p:spTree>
@@ -8380,6 +10310,53 @@
       </p:cxnSp>
       <p:cxnSp>
         <p:nvCxnSpPr>
+          <p:cNvPr id="34" name="Elbow Connector 122">
+            <a:extLst>
+              <a:ext uri="{FF2B5EF4-FFF2-40B4-BE49-F238E27FC236}">
+                <a16:creationId xmlns:a16="http://schemas.microsoft.com/office/drawing/2014/main" id="{5825D826-5256-45E0-BC1D-BE38ECF92471}"/>
+              </a:ext>
+            </a:extLst>
+          </p:cNvPr>
+          <p:cNvCxnSpPr>
+            <a:cxnSpLocks/>
+          </p:cNvCxnSpPr>
+          <p:nvPr/>
+        </p:nvCxnSpPr>
+        <p:spPr>
+          <a:xfrm flipV="1">
+            <a:off x="5587436" y="1986416"/>
+            <a:ext cx="1640814" cy="798233"/>
+          </a:xfrm>
+          <a:prstGeom prst="bentConnector3">
+            <a:avLst>
+              <a:gd name="adj1" fmla="val 99890"/>
+            </a:avLst>
+          </a:prstGeom>
+          <a:ln w="12700">
+            <a:solidFill>
+              <a:srgbClr val="545B64"/>
+            </a:solidFill>
+            <a:headEnd type="arrow" w="med" len="sm"/>
+            <a:tailEnd type="none" w="med" len="sm"/>
+          </a:ln>
+        </p:spPr>
+        <p:style>
+          <a:lnRef idx="1">
+            <a:schemeClr val="accent1"/>
+          </a:lnRef>
+          <a:fillRef idx="0">
+            <a:schemeClr val="accent1"/>
+          </a:fillRef>
+          <a:effectRef idx="0">
+            <a:schemeClr val="accent1"/>
+          </a:effectRef>
+          <a:fontRef idx="minor">
+            <a:schemeClr val="tx1"/>
+          </a:fontRef>
+        </p:style>
+      </p:cxnSp>
+      <p:cxnSp>
+        <p:nvCxnSpPr>
           <p:cNvPr id="39" name="Elbow Connector 122">
             <a:extLst>
               <a:ext uri="{FF2B5EF4-FFF2-40B4-BE49-F238E27FC236}">
@@ -9012,7 +10989,9 @@
           <a:noFill/>
           <a:ln w="3175">
             <a:solidFill>
-              <a:schemeClr val="tx1"/>
+              <a:schemeClr val="bg1">
+                <a:lumMod val="50000"/>
+              </a:schemeClr>
             </a:solidFill>
           </a:ln>
         </p:spPr>
@@ -9023,7 +11002,13 @@
           <a:lstStyle/>
           <a:p>
             <a:r>
-              <a:rPr kumimoji="1" lang="ja-JP" altLang="en-US" dirty="0"/>
+              <a:rPr kumimoji="1" lang="ja-JP" altLang="en-US" dirty="0">
+                <a:solidFill>
+                  <a:schemeClr val="bg1">
+                    <a:lumMod val="50000"/>
+                  </a:schemeClr>
+                </a:solidFill>
+              </a:rPr>
               <a:t>一時保管</a:t>
             </a:r>
           </a:p>
@@ -9052,7 +11037,9 @@
           <a:noFill/>
           <a:ln w="3175">
             <a:solidFill>
-              <a:schemeClr val="tx1"/>
+              <a:schemeClr val="bg1">
+                <a:lumMod val="50000"/>
+              </a:schemeClr>
             </a:solidFill>
           </a:ln>
         </p:spPr>
@@ -9063,10 +11050,22 @@
           <a:lstStyle/>
           <a:p>
             <a:r>
-              <a:rPr lang="ja-JP" altLang="en-US" dirty="0"/>
+              <a:rPr lang="ja-JP" altLang="en-US" dirty="0">
+                <a:solidFill>
+                  <a:schemeClr val="bg1">
+                    <a:lumMod val="50000"/>
+                  </a:schemeClr>
+                </a:solidFill>
+              </a:rPr>
               <a:t>振分</a:t>
             </a:r>
-            <a:endParaRPr kumimoji="1" lang="ja-JP" altLang="en-US" dirty="0"/>
+            <a:endParaRPr kumimoji="1" lang="ja-JP" altLang="en-US" dirty="0">
+              <a:solidFill>
+                <a:schemeClr val="bg1">
+                  <a:lumMod val="50000"/>
+                </a:schemeClr>
+              </a:solidFill>
+            </a:endParaRPr>
           </a:p>
         </p:txBody>
       </p:sp>
@@ -9093,7 +11092,9 @@
           <a:noFill/>
           <a:ln w="3175">
             <a:solidFill>
-              <a:schemeClr val="tx1"/>
+              <a:schemeClr val="bg1">
+                <a:lumMod val="50000"/>
+              </a:schemeClr>
             </a:solidFill>
           </a:ln>
         </p:spPr>
@@ -9104,10 +11105,22 @@
           <a:lstStyle/>
           <a:p>
             <a:r>
-              <a:rPr lang="ja-JP" altLang="en-US" dirty="0"/>
+              <a:rPr lang="ja-JP" altLang="en-US" dirty="0">
+                <a:solidFill>
+                  <a:schemeClr val="bg1">
+                    <a:lumMod val="50000"/>
+                  </a:schemeClr>
+                </a:solidFill>
+              </a:rPr>
               <a:t>一覧取得</a:t>
             </a:r>
-            <a:endParaRPr kumimoji="1" lang="ja-JP" altLang="en-US" dirty="0"/>
+            <a:endParaRPr kumimoji="1" lang="ja-JP" altLang="en-US" dirty="0">
+              <a:solidFill>
+                <a:schemeClr val="bg1">
+                  <a:lumMod val="50000"/>
+                </a:schemeClr>
+              </a:solidFill>
+            </a:endParaRPr>
           </a:p>
         </p:txBody>
       </p:sp>
@@ -9233,8 +11246,8 @@
         </p:nvSpPr>
         <p:spPr>
           <a:xfrm>
-            <a:off x="1828547" y="2063574"/>
-            <a:ext cx="8534906" cy="1928112"/>
+            <a:off x="262038" y="350023"/>
+            <a:ext cx="8221561" cy="2116775"/>
           </a:xfrm>
           <a:prstGeom prst="rect">
             <a:avLst/>
@@ -9270,149 +11283,10 @@
           </a:p>
         </p:txBody>
       </p:sp>
-      <p:sp>
-        <p:nvSpPr>
-          <p:cNvPr id="46" name="正方形/長方形 45">
-            <a:extLst>
-              <a:ext uri="{FF2B5EF4-FFF2-40B4-BE49-F238E27FC236}">
-                <a16:creationId xmlns:a16="http://schemas.microsoft.com/office/drawing/2014/main" id="{9C32D73C-703F-4975-AA75-7EEBB93C2ED4}"/>
-              </a:ext>
-            </a:extLst>
-          </p:cNvPr>
-          <p:cNvSpPr/>
-          <p:nvPr/>
-        </p:nvSpPr>
-        <p:spPr>
-          <a:xfrm>
-            <a:off x="6414631" y="465777"/>
-            <a:ext cx="3948821" cy="1590191"/>
-          </a:xfrm>
-          <a:prstGeom prst="rect">
-            <a:avLst/>
-          </a:prstGeom>
-          <a:noFill/>
-          <a:ln w="31750" cap="flat">
-            <a:solidFill>
-              <a:schemeClr val="accent2"/>
-            </a:solidFill>
-            <a:miter lim="800000"/>
-          </a:ln>
-        </p:spPr>
-        <p:style>
-          <a:lnRef idx="2">
-            <a:schemeClr val="accent2"/>
-          </a:lnRef>
-          <a:fillRef idx="1">
-            <a:schemeClr val="lt1"/>
-          </a:fillRef>
-          <a:effectRef idx="0">
-            <a:schemeClr val="accent2"/>
-          </a:effectRef>
-          <a:fontRef idx="minor">
-            <a:schemeClr val="dk1"/>
-          </a:fontRef>
-        </p:style>
-        <p:txBody>
-          <a:bodyPr rtlCol="0" anchor="ctr"/>
-          <a:lstStyle/>
-          <a:p>
-            <a:pPr algn="ctr"/>
-            <a:endParaRPr kumimoji="1" lang="ja-JP" altLang="en-US"/>
-          </a:p>
-        </p:txBody>
-      </p:sp>
-      <p:cxnSp>
-        <p:nvCxnSpPr>
-          <p:cNvPr id="10" name="直線コネクタ 9">
-            <a:extLst>
-              <a:ext uri="{FF2B5EF4-FFF2-40B4-BE49-F238E27FC236}">
-                <a16:creationId xmlns:a16="http://schemas.microsoft.com/office/drawing/2014/main" id="{BA878B04-6860-426D-B1CE-B8EFFCBF42C0}"/>
-              </a:ext>
-            </a:extLst>
-          </p:cNvPr>
-          <p:cNvCxnSpPr/>
-          <p:nvPr/>
-        </p:nvCxnSpPr>
-        <p:spPr>
-          <a:xfrm>
-            <a:off x="6414631" y="2055968"/>
-            <a:ext cx="3948821" cy="0"/>
-          </a:xfrm>
-          <a:prstGeom prst="line">
-            <a:avLst/>
-          </a:prstGeom>
-          <a:ln w="31750">
-            <a:solidFill>
-              <a:schemeClr val="bg1"/>
-            </a:solidFill>
-          </a:ln>
-        </p:spPr>
-        <p:style>
-          <a:lnRef idx="1">
-            <a:schemeClr val="accent1"/>
-          </a:lnRef>
-          <a:fillRef idx="0">
-            <a:schemeClr val="accent1"/>
-          </a:fillRef>
-          <a:effectRef idx="0">
-            <a:schemeClr val="accent1"/>
-          </a:effectRef>
-          <a:fontRef idx="minor">
-            <a:schemeClr val="tx1"/>
-          </a:fontRef>
-        </p:style>
-      </p:cxnSp>
-      <p:cxnSp>
-        <p:nvCxnSpPr>
-          <p:cNvPr id="34" name="Elbow Connector 122">
-            <a:extLst>
-              <a:ext uri="{FF2B5EF4-FFF2-40B4-BE49-F238E27FC236}">
-                <a16:creationId xmlns:a16="http://schemas.microsoft.com/office/drawing/2014/main" id="{5825D826-5256-45E0-BC1D-BE38ECF92471}"/>
-              </a:ext>
-            </a:extLst>
-          </p:cNvPr>
-          <p:cNvCxnSpPr>
-            <a:cxnSpLocks/>
-          </p:cNvCxnSpPr>
-          <p:nvPr/>
-        </p:nvCxnSpPr>
-        <p:spPr>
-          <a:xfrm flipV="1">
-            <a:off x="5587436" y="1986416"/>
-            <a:ext cx="1640814" cy="798233"/>
-          </a:xfrm>
-          <a:prstGeom prst="bentConnector3">
-            <a:avLst>
-              <a:gd name="adj1" fmla="val 99890"/>
-            </a:avLst>
-          </a:prstGeom>
-          <a:ln w="12700">
-            <a:solidFill>
-              <a:srgbClr val="545B64"/>
-            </a:solidFill>
-            <a:headEnd type="arrow" w="med" len="sm"/>
-            <a:tailEnd type="none" w="med" len="sm"/>
-          </a:ln>
-        </p:spPr>
-        <p:style>
-          <a:lnRef idx="1">
-            <a:schemeClr val="accent1"/>
-          </a:lnRef>
-          <a:fillRef idx="0">
-            <a:schemeClr val="accent1"/>
-          </a:fillRef>
-          <a:effectRef idx="0">
-            <a:schemeClr val="accent1"/>
-          </a:effectRef>
-          <a:fontRef idx="minor">
-            <a:schemeClr val="tx1"/>
-          </a:fontRef>
-        </p:style>
-      </p:cxnSp>
     </p:spTree>
     <p:extLst>
       <p:ext uri="{BB962C8B-B14F-4D97-AF65-F5344CB8AC3E}">
-        <p14:creationId xmlns:p14="http://schemas.microsoft.com/office/powerpoint/2010/main" val="4149228654"/>
+        <p14:creationId xmlns:p14="http://schemas.microsoft.com/office/powerpoint/2010/main" val="3418302379"/>
       </p:ext>
     </p:extLst>
   </p:cSld>
@@ -9422,7 +11296,7 @@
 </p:sld>
 </file>
 
-<file path=ppt/slides/slide7.xml><?xml version="1.0" encoding="utf-8"?>
+<file path=ppt/slides/slide6.xml><?xml version="1.0" encoding="utf-8"?>
 <p:sld xmlns:a="http://schemas.openxmlformats.org/drawingml/2006/main" xmlns:r="http://schemas.openxmlformats.org/officeDocument/2006/relationships" xmlns:p="http://schemas.openxmlformats.org/presentationml/2006/main">
   <p:cSld>
     <p:spTree>
@@ -9453,7 +11327,7 @@
         </p:nvGrpSpPr>
         <p:grpSpPr>
           <a:xfrm>
-            <a:off x="262038" y="1104419"/>
+            <a:off x="1166913" y="580544"/>
             <a:ext cx="1072750" cy="859842"/>
             <a:chOff x="537920" y="3353653"/>
             <a:chExt cx="1072750" cy="859842"/>
@@ -9564,7 +11438,7 @@
         </p:blipFill>
         <p:spPr>
           <a:xfrm>
-            <a:off x="2803624" y="999917"/>
+            <a:off x="3708499" y="476042"/>
             <a:ext cx="762000" cy="1092200"/>
           </a:xfrm>
           <a:prstGeom prst="rect">
@@ -9600,7 +11474,7 @@
         </p:blipFill>
         <p:spPr>
           <a:xfrm>
-            <a:off x="4825437" y="999917"/>
+            <a:off x="5730312" y="476042"/>
             <a:ext cx="762000" cy="952500"/>
           </a:xfrm>
           <a:prstGeom prst="rect">
@@ -9636,295 +11510,7 @@
         </p:blipFill>
         <p:spPr>
           <a:xfrm>
-            <a:off x="6847250" y="999917"/>
-            <a:ext cx="762000" cy="952500"/>
-          </a:xfrm>
-          <a:prstGeom prst="rect">
-            <a:avLst/>
-          </a:prstGeom>
-        </p:spPr>
-      </p:pic>
-      <p:pic>
-        <p:nvPicPr>
-          <p:cNvPr id="11" name="Graphic 59">
-            <a:extLst>
-              <a:ext uri="{FF2B5EF4-FFF2-40B4-BE49-F238E27FC236}">
-                <a16:creationId xmlns:a16="http://schemas.microsoft.com/office/drawing/2014/main" id="{B4DD1B2E-2E1D-4D1E-A72E-CC176DF994AB}"/>
-              </a:ext>
-            </a:extLst>
-          </p:cNvPr>
-          <p:cNvPicPr>
-            <a:picLocks noChangeAspect="1"/>
-          </p:cNvPicPr>
-          <p:nvPr/>
-        </p:nvPicPr>
-        <p:blipFill>
-          <a:blip r:embed="rId6">
-            <a:extLst>
-              <a:ext uri="{96DAC541-7B7A-43D3-8B79-37D633B846F1}">
-                <asvg:svgBlip xmlns:asvg="http://schemas.microsoft.com/office/drawing/2016/SVG/main" r:embed="rId7"/>
-              </a:ext>
-            </a:extLst>
-          </a:blip>
-          <a:stretch>
-            <a:fillRect/>
-          </a:stretch>
-        </p:blipFill>
-        <p:spPr>
-          <a:xfrm>
-            <a:off x="4825437" y="2536634"/>
-            <a:ext cx="762000" cy="952500"/>
-          </a:xfrm>
-          <a:prstGeom prst="rect">
-            <a:avLst/>
-          </a:prstGeom>
-        </p:spPr>
-      </p:pic>
-      <p:pic>
-        <p:nvPicPr>
-          <p:cNvPr id="14" name="Graphic 2">
-            <a:extLst>
-              <a:ext uri="{FF2B5EF4-FFF2-40B4-BE49-F238E27FC236}">
-                <a16:creationId xmlns:a16="http://schemas.microsoft.com/office/drawing/2014/main" id="{3CADE54C-9BBD-45D8-A6D0-19CD3E3C1244}"/>
-              </a:ext>
-            </a:extLst>
-          </p:cNvPr>
-          <p:cNvPicPr>
-            <a:picLocks noChangeAspect="1"/>
-          </p:cNvPicPr>
-          <p:nvPr/>
-        </p:nvPicPr>
-        <p:blipFill>
-          <a:blip r:embed="rId10">
-            <a:extLst>
-              <a:ext uri="{96DAC541-7B7A-43D3-8B79-37D633B846F1}">
-                <asvg:svgBlip xmlns:asvg="http://schemas.microsoft.com/office/drawing/2016/SVG/main" r:embed="rId11"/>
-              </a:ext>
-            </a:extLst>
-          </a:blip>
-          <a:stretch>
-            <a:fillRect/>
-          </a:stretch>
-        </p:blipFill>
-        <p:spPr>
-          <a:xfrm>
-            <a:off x="2803624" y="2536634"/>
-            <a:ext cx="762000" cy="1092200"/>
-          </a:xfrm>
-          <a:prstGeom prst="rect">
-            <a:avLst/>
-          </a:prstGeom>
-        </p:spPr>
-      </p:pic>
-      <p:pic>
-        <p:nvPicPr>
-          <p:cNvPr id="18" name="Graphic 59">
-            <a:extLst>
-              <a:ext uri="{FF2B5EF4-FFF2-40B4-BE49-F238E27FC236}">
-                <a16:creationId xmlns:a16="http://schemas.microsoft.com/office/drawing/2014/main" id="{5E5B22F8-B044-4392-838C-DB5098A844B2}"/>
-              </a:ext>
-            </a:extLst>
-          </p:cNvPr>
-          <p:cNvPicPr>
-            <a:picLocks noChangeAspect="1"/>
-          </p:cNvPicPr>
-          <p:nvPr/>
-        </p:nvPicPr>
-        <p:blipFill>
-          <a:blip r:embed="rId6">
-            <a:extLst>
-              <a:ext uri="{96DAC541-7B7A-43D3-8B79-37D633B846F1}">
-                <asvg:svgBlip xmlns:asvg="http://schemas.microsoft.com/office/drawing/2016/SVG/main" r:embed="rId7"/>
-              </a:ext>
-            </a:extLst>
-          </a:blip>
-          <a:stretch>
-            <a:fillRect/>
-          </a:stretch>
-        </p:blipFill>
-        <p:spPr>
-          <a:xfrm>
-            <a:off x="4825437" y="4096838"/>
-            <a:ext cx="762000" cy="952500"/>
-          </a:xfrm>
-          <a:prstGeom prst="rect">
-            <a:avLst/>
-          </a:prstGeom>
-        </p:spPr>
-      </p:pic>
-      <p:pic>
-        <p:nvPicPr>
-          <p:cNvPr id="19" name="Graphic 2">
-            <a:extLst>
-              <a:ext uri="{FF2B5EF4-FFF2-40B4-BE49-F238E27FC236}">
-                <a16:creationId xmlns:a16="http://schemas.microsoft.com/office/drawing/2014/main" id="{B2D5FC1A-1D96-426F-B4E3-4C42DB443A36}"/>
-              </a:ext>
-            </a:extLst>
-          </p:cNvPr>
-          <p:cNvPicPr>
-            <a:picLocks noChangeAspect="1"/>
-          </p:cNvPicPr>
-          <p:nvPr/>
-        </p:nvPicPr>
-        <p:blipFill>
-          <a:blip r:embed="rId10">
-            <a:extLst>
-              <a:ext uri="{96DAC541-7B7A-43D3-8B79-37D633B846F1}">
-                <asvg:svgBlip xmlns:asvg="http://schemas.microsoft.com/office/drawing/2016/SVG/main" r:embed="rId11"/>
-              </a:ext>
-            </a:extLst>
-          </a:blip>
-          <a:stretch>
-            <a:fillRect/>
-          </a:stretch>
-        </p:blipFill>
-        <p:spPr>
-          <a:xfrm>
-            <a:off x="2831493" y="4073351"/>
-            <a:ext cx="762000" cy="1092200"/>
-          </a:xfrm>
-          <a:prstGeom prst="rect">
-            <a:avLst/>
-          </a:prstGeom>
-        </p:spPr>
-      </p:pic>
-      <p:pic>
-        <p:nvPicPr>
-          <p:cNvPr id="20" name="Graphic 2">
-            <a:extLst>
-              <a:ext uri="{FF2B5EF4-FFF2-40B4-BE49-F238E27FC236}">
-                <a16:creationId xmlns:a16="http://schemas.microsoft.com/office/drawing/2014/main" id="{9E9E899A-6D02-4444-B759-095E2741AF9B}"/>
-              </a:ext>
-            </a:extLst>
-          </p:cNvPr>
-          <p:cNvPicPr>
-            <a:picLocks noChangeAspect="1"/>
-          </p:cNvPicPr>
-          <p:nvPr/>
-        </p:nvPicPr>
-        <p:blipFill>
-          <a:blip r:embed="rId12">
-            <a:extLst>
-              <a:ext uri="{96DAC541-7B7A-43D3-8B79-37D633B846F1}">
-                <asvg:svgBlip xmlns:asvg="http://schemas.microsoft.com/office/drawing/2016/SVG/main" r:embed="rId13"/>
-              </a:ext>
-            </a:extLst>
-          </a:blip>
-          <a:stretch>
-            <a:fillRect/>
-          </a:stretch>
-        </p:blipFill>
-        <p:spPr>
-          <a:xfrm>
-            <a:off x="10259120" y="4049409"/>
-            <a:ext cx="762000" cy="952500"/>
-          </a:xfrm>
-          <a:prstGeom prst="rect">
-            <a:avLst/>
-          </a:prstGeom>
-        </p:spPr>
-      </p:pic>
-      <p:pic>
-        <p:nvPicPr>
-          <p:cNvPr id="21" name="Graphic 2">
-            <a:extLst>
-              <a:ext uri="{FF2B5EF4-FFF2-40B4-BE49-F238E27FC236}">
-                <a16:creationId xmlns:a16="http://schemas.microsoft.com/office/drawing/2014/main" id="{BE3678C0-603A-4DCB-8F62-2B8D9249700A}"/>
-              </a:ext>
-            </a:extLst>
-          </p:cNvPr>
-          <p:cNvPicPr>
-            <a:picLocks noChangeAspect="1"/>
-          </p:cNvPicPr>
-          <p:nvPr/>
-        </p:nvPicPr>
-        <p:blipFill>
-          <a:blip r:embed="rId14">
-            <a:extLst>
-              <a:ext uri="{96DAC541-7B7A-43D3-8B79-37D633B846F1}">
-                <asvg:svgBlip xmlns:asvg="http://schemas.microsoft.com/office/drawing/2016/SVG/main" r:embed="rId15"/>
-              </a:ext>
-            </a:extLst>
-          </a:blip>
-          <a:stretch>
-            <a:fillRect/>
-          </a:stretch>
-        </p:blipFill>
-        <p:spPr>
-          <a:xfrm>
-            <a:off x="6847250" y="4073351"/>
-            <a:ext cx="762000" cy="952500"/>
-          </a:xfrm>
-          <a:prstGeom prst="rect">
-            <a:avLst/>
-          </a:prstGeom>
-        </p:spPr>
-      </p:pic>
-      <p:pic>
-        <p:nvPicPr>
-          <p:cNvPr id="23" name="Graphic 26">
-            <a:extLst>
-              <a:ext uri="{FF2B5EF4-FFF2-40B4-BE49-F238E27FC236}">
-                <a16:creationId xmlns:a16="http://schemas.microsoft.com/office/drawing/2014/main" id="{B070B8B4-CED1-45EC-AE11-201572FEA4D6}"/>
-              </a:ext>
-            </a:extLst>
-          </p:cNvPr>
-          <p:cNvPicPr>
-            <a:picLocks noChangeAspect="1"/>
-          </p:cNvPicPr>
-          <p:nvPr/>
-        </p:nvPicPr>
-        <p:blipFill>
-          <a:blip r:embed="rId16">
-            <a:extLst>
-              <a:ext uri="{96DAC541-7B7A-43D3-8B79-37D633B846F1}">
-                <asvg:svgBlip xmlns:asvg="http://schemas.microsoft.com/office/drawing/2016/SVG/main" r:embed="rId17"/>
-              </a:ext>
-            </a:extLst>
-          </a:blip>
-          <a:stretch>
-            <a:fillRect/>
-          </a:stretch>
-        </p:blipFill>
-        <p:spPr>
-          <a:xfrm>
-            <a:off x="8869061" y="5610069"/>
-            <a:ext cx="762000" cy="1092200"/>
-          </a:xfrm>
-          <a:prstGeom prst="rect">
-            <a:avLst/>
-          </a:prstGeom>
-        </p:spPr>
-      </p:pic>
-      <p:pic>
-        <p:nvPicPr>
-          <p:cNvPr id="24" name="Graphic 2">
-            <a:extLst>
-              <a:ext uri="{FF2B5EF4-FFF2-40B4-BE49-F238E27FC236}">
-                <a16:creationId xmlns:a16="http://schemas.microsoft.com/office/drawing/2014/main" id="{C800DC76-5395-4929-9BFD-B130C7F11D51}"/>
-              </a:ext>
-            </a:extLst>
-          </p:cNvPr>
-          <p:cNvPicPr>
-            <a:picLocks noChangeAspect="1"/>
-          </p:cNvPicPr>
-          <p:nvPr/>
-        </p:nvPicPr>
-        <p:blipFill>
-          <a:blip r:embed="rId12">
-            <a:extLst>
-              <a:ext uri="{96DAC541-7B7A-43D3-8B79-37D633B846F1}">
-                <asvg:svgBlip xmlns:asvg="http://schemas.microsoft.com/office/drawing/2016/SVG/main" r:embed="rId13"/>
-              </a:ext>
-            </a:extLst>
-          </a:blip>
-          <a:stretch>
-            <a:fillRect/>
-          </a:stretch>
-        </p:blipFill>
-        <p:spPr>
-          <a:xfrm>
-            <a:off x="6847247" y="5610069"/>
+            <a:off x="7752125" y="476042"/>
             <a:ext cx="762000" cy="952500"/>
           </a:xfrm>
           <a:prstGeom prst="rect">
@@ -9948,7 +11534,7 @@
         </p:nvCxnSpPr>
         <p:spPr>
           <a:xfrm>
-            <a:off x="1084163" y="1393527"/>
+            <a:off x="1989038" y="869652"/>
             <a:ext cx="1719461" cy="0"/>
           </a:xfrm>
           <a:prstGeom prst="straightConnector1">
@@ -9993,7 +11579,7 @@
         </p:nvCxnSpPr>
         <p:spPr>
           <a:xfrm>
-            <a:off x="3565624" y="1398926"/>
+            <a:off x="4470499" y="875051"/>
             <a:ext cx="1259813" cy="0"/>
           </a:xfrm>
           <a:prstGeom prst="straightConnector1">
@@ -10038,7 +11624,7 @@
         </p:nvCxnSpPr>
         <p:spPr>
           <a:xfrm>
-            <a:off x="5587437" y="1382661"/>
+            <a:off x="6492312" y="858786"/>
             <a:ext cx="1259813" cy="0"/>
           </a:xfrm>
           <a:prstGeom prst="straightConnector1">
@@ -10050,371 +11636,6 @@
             </a:solidFill>
             <a:headEnd type="none" w="med" len="sm"/>
             <a:tailEnd type="arrow" w="med" len="sm"/>
-          </a:ln>
-        </p:spPr>
-        <p:style>
-          <a:lnRef idx="1">
-            <a:schemeClr val="accent1"/>
-          </a:lnRef>
-          <a:fillRef idx="0">
-            <a:schemeClr val="accent1"/>
-          </a:fillRef>
-          <a:effectRef idx="0">
-            <a:schemeClr val="accent1"/>
-          </a:effectRef>
-          <a:fontRef idx="minor">
-            <a:schemeClr val="tx1"/>
-          </a:fontRef>
-        </p:style>
-      </p:cxnSp>
-      <p:cxnSp>
-        <p:nvCxnSpPr>
-          <p:cNvPr id="32" name="Straight Arrow Connector 42">
-            <a:extLst>
-              <a:ext uri="{FF2B5EF4-FFF2-40B4-BE49-F238E27FC236}">
-                <a16:creationId xmlns:a16="http://schemas.microsoft.com/office/drawing/2014/main" id="{939C3442-E717-4841-BC2D-A1A2E82692E8}"/>
-              </a:ext>
-            </a:extLst>
-          </p:cNvPr>
-          <p:cNvCxnSpPr>
-            <a:cxnSpLocks/>
-          </p:cNvCxnSpPr>
-          <p:nvPr/>
-        </p:nvCxnSpPr>
-        <p:spPr>
-          <a:xfrm>
-            <a:off x="3565623" y="2909863"/>
-            <a:ext cx="1259813" cy="0"/>
-          </a:xfrm>
-          <a:prstGeom prst="straightConnector1">
-            <a:avLst/>
-          </a:prstGeom>
-          <a:ln w="12700">
-            <a:solidFill>
-              <a:srgbClr val="545B64"/>
-            </a:solidFill>
-            <a:headEnd type="none" w="med" len="sm"/>
-            <a:tailEnd type="arrow" w="med" len="sm"/>
-          </a:ln>
-        </p:spPr>
-        <p:style>
-          <a:lnRef idx="1">
-            <a:schemeClr val="accent1"/>
-          </a:lnRef>
-          <a:fillRef idx="0">
-            <a:schemeClr val="accent1"/>
-          </a:fillRef>
-          <a:effectRef idx="0">
-            <a:schemeClr val="accent1"/>
-          </a:effectRef>
-          <a:fontRef idx="minor">
-            <a:schemeClr val="tx1"/>
-          </a:fontRef>
-        </p:style>
-      </p:cxnSp>
-      <p:cxnSp>
-        <p:nvCxnSpPr>
-          <p:cNvPr id="33" name="Straight Arrow Connector 42">
-            <a:extLst>
-              <a:ext uri="{FF2B5EF4-FFF2-40B4-BE49-F238E27FC236}">
-                <a16:creationId xmlns:a16="http://schemas.microsoft.com/office/drawing/2014/main" id="{5F86128A-048D-427A-BC7C-2AB24586B4CD}"/>
-              </a:ext>
-            </a:extLst>
-          </p:cNvPr>
-          <p:cNvCxnSpPr>
-            <a:cxnSpLocks/>
-          </p:cNvCxnSpPr>
-          <p:nvPr/>
-        </p:nvCxnSpPr>
-        <p:spPr>
-          <a:xfrm flipV="1">
-            <a:off x="5587436" y="3012883"/>
-            <a:ext cx="3199513" cy="26026"/>
-          </a:xfrm>
-          <a:prstGeom prst="straightConnector1">
-            <a:avLst/>
-          </a:prstGeom>
-          <a:ln w="12700">
-            <a:solidFill>
-              <a:srgbClr val="545B64"/>
-            </a:solidFill>
-            <a:headEnd type="none" w="med" len="sm"/>
-            <a:tailEnd type="arrow" w="med" len="sm"/>
-          </a:ln>
-        </p:spPr>
-        <p:style>
-          <a:lnRef idx="1">
-            <a:schemeClr val="accent1"/>
-          </a:lnRef>
-          <a:fillRef idx="0">
-            <a:schemeClr val="accent1"/>
-          </a:fillRef>
-          <a:effectRef idx="0">
-            <a:schemeClr val="accent1"/>
-          </a:effectRef>
-          <a:fontRef idx="minor">
-            <a:schemeClr val="tx1"/>
-          </a:fontRef>
-        </p:style>
-      </p:cxnSp>
-      <p:cxnSp>
-        <p:nvCxnSpPr>
-          <p:cNvPr id="34" name="Elbow Connector 122">
-            <a:extLst>
-              <a:ext uri="{FF2B5EF4-FFF2-40B4-BE49-F238E27FC236}">
-                <a16:creationId xmlns:a16="http://schemas.microsoft.com/office/drawing/2014/main" id="{5825D826-5256-45E0-BC1D-BE38ECF92471}"/>
-              </a:ext>
-            </a:extLst>
-          </p:cNvPr>
-          <p:cNvCxnSpPr>
-            <a:cxnSpLocks/>
-          </p:cNvCxnSpPr>
-          <p:nvPr/>
-        </p:nvCxnSpPr>
-        <p:spPr>
-          <a:xfrm flipV="1">
-            <a:off x="5587436" y="1986416"/>
-            <a:ext cx="1640814" cy="798233"/>
-          </a:xfrm>
-          <a:prstGeom prst="bentConnector3">
-            <a:avLst>
-              <a:gd name="adj1" fmla="val 99890"/>
-            </a:avLst>
-          </a:prstGeom>
-          <a:ln w="12700">
-            <a:solidFill>
-              <a:srgbClr val="545B64"/>
-            </a:solidFill>
-            <a:headEnd type="arrow" w="med" len="sm"/>
-            <a:tailEnd type="none" w="med" len="sm"/>
-          </a:ln>
-        </p:spPr>
-        <p:style>
-          <a:lnRef idx="1">
-            <a:schemeClr val="accent1"/>
-          </a:lnRef>
-          <a:fillRef idx="0">
-            <a:schemeClr val="accent1"/>
-          </a:fillRef>
-          <a:effectRef idx="0">
-            <a:schemeClr val="accent1"/>
-          </a:effectRef>
-          <a:fontRef idx="minor">
-            <a:schemeClr val="tx1"/>
-          </a:fontRef>
-        </p:style>
-      </p:cxnSp>
-      <p:cxnSp>
-        <p:nvCxnSpPr>
-          <p:cNvPr id="39" name="Elbow Connector 122">
-            <a:extLst>
-              <a:ext uri="{FF2B5EF4-FFF2-40B4-BE49-F238E27FC236}">
-                <a16:creationId xmlns:a16="http://schemas.microsoft.com/office/drawing/2014/main" id="{1189CC59-29A5-4BD4-B6BE-7A6C4951AB9B}"/>
-              </a:ext>
-            </a:extLst>
-          </p:cNvPr>
-          <p:cNvCxnSpPr>
-            <a:cxnSpLocks/>
-          </p:cNvCxnSpPr>
-          <p:nvPr/>
-        </p:nvCxnSpPr>
-        <p:spPr>
-          <a:xfrm flipV="1">
-            <a:off x="7609247" y="3514384"/>
-            <a:ext cx="1640814" cy="798233"/>
-          </a:xfrm>
-          <a:prstGeom prst="bentConnector3">
-            <a:avLst>
-              <a:gd name="adj1" fmla="val 99890"/>
-            </a:avLst>
-          </a:prstGeom>
-          <a:ln w="12700">
-            <a:solidFill>
-              <a:srgbClr val="545B64"/>
-            </a:solidFill>
-            <a:headEnd type="arrow" w="med" len="sm"/>
-            <a:tailEnd type="none" w="med" len="sm"/>
-          </a:ln>
-        </p:spPr>
-        <p:style>
-          <a:lnRef idx="1">
-            <a:schemeClr val="accent1"/>
-          </a:lnRef>
-          <a:fillRef idx="0">
-            <a:schemeClr val="accent1"/>
-          </a:fillRef>
-          <a:effectRef idx="0">
-            <a:schemeClr val="accent1"/>
-          </a:effectRef>
-          <a:fontRef idx="minor">
-            <a:schemeClr val="tx1"/>
-          </a:fontRef>
-        </p:style>
-      </p:cxnSp>
-      <p:cxnSp>
-        <p:nvCxnSpPr>
-          <p:cNvPr id="40" name="Straight Arrow Connector 42">
-            <a:extLst>
-              <a:ext uri="{FF2B5EF4-FFF2-40B4-BE49-F238E27FC236}">
-                <a16:creationId xmlns:a16="http://schemas.microsoft.com/office/drawing/2014/main" id="{8931444F-91A9-48A2-B5BD-34BB785BFF93}"/>
-              </a:ext>
-            </a:extLst>
-          </p:cNvPr>
-          <p:cNvCxnSpPr>
-            <a:cxnSpLocks/>
-          </p:cNvCxnSpPr>
-          <p:nvPr/>
-        </p:nvCxnSpPr>
-        <p:spPr>
-          <a:xfrm flipV="1">
-            <a:off x="7650304" y="4525659"/>
-            <a:ext cx="2514896" cy="1766"/>
-          </a:xfrm>
-          <a:prstGeom prst="straightConnector1">
-            <a:avLst/>
-          </a:prstGeom>
-          <a:ln w="12700">
-            <a:solidFill>
-              <a:srgbClr val="545B64"/>
-            </a:solidFill>
-            <a:headEnd type="none" w="med" len="sm"/>
-            <a:tailEnd type="arrow" w="med" len="sm"/>
-          </a:ln>
-        </p:spPr>
-        <p:style>
-          <a:lnRef idx="1">
-            <a:schemeClr val="accent1"/>
-          </a:lnRef>
-          <a:fillRef idx="0">
-            <a:schemeClr val="accent1"/>
-          </a:fillRef>
-          <a:effectRef idx="0">
-            <a:schemeClr val="accent1"/>
-          </a:effectRef>
-          <a:fontRef idx="minor">
-            <a:schemeClr val="tx1"/>
-          </a:fontRef>
-        </p:style>
-      </p:cxnSp>
-      <p:cxnSp>
-        <p:nvCxnSpPr>
-          <p:cNvPr id="41" name="Straight Arrow Connector 42">
-            <a:extLst>
-              <a:ext uri="{FF2B5EF4-FFF2-40B4-BE49-F238E27FC236}">
-                <a16:creationId xmlns:a16="http://schemas.microsoft.com/office/drawing/2014/main" id="{6132CFB3-7135-4A3C-B606-77143EFA5503}"/>
-              </a:ext>
-            </a:extLst>
-          </p:cNvPr>
-          <p:cNvCxnSpPr>
-            <a:cxnSpLocks/>
-          </p:cNvCxnSpPr>
-          <p:nvPr/>
-        </p:nvCxnSpPr>
-        <p:spPr>
-          <a:xfrm>
-            <a:off x="3583399" y="4446926"/>
-            <a:ext cx="1259813" cy="0"/>
-          </a:xfrm>
-          <a:prstGeom prst="straightConnector1">
-            <a:avLst/>
-          </a:prstGeom>
-          <a:ln w="12700">
-            <a:solidFill>
-              <a:srgbClr val="545B64"/>
-            </a:solidFill>
-            <a:headEnd type="none" w="med" len="sm"/>
-            <a:tailEnd type="arrow" w="med" len="sm"/>
-          </a:ln>
-        </p:spPr>
-        <p:style>
-          <a:lnRef idx="1">
-            <a:schemeClr val="accent1"/>
-          </a:lnRef>
-          <a:fillRef idx="0">
-            <a:schemeClr val="accent1"/>
-          </a:fillRef>
-          <a:effectRef idx="0">
-            <a:schemeClr val="accent1"/>
-          </a:effectRef>
-          <a:fontRef idx="minor">
-            <a:schemeClr val="tx1"/>
-          </a:fontRef>
-        </p:style>
-      </p:cxnSp>
-      <p:cxnSp>
-        <p:nvCxnSpPr>
-          <p:cNvPr id="45" name="Straight Arrow Connector 42">
-            <a:extLst>
-              <a:ext uri="{FF2B5EF4-FFF2-40B4-BE49-F238E27FC236}">
-                <a16:creationId xmlns:a16="http://schemas.microsoft.com/office/drawing/2014/main" id="{7851DAA9-3BB9-41FE-927D-B98B8CF6E9C8}"/>
-              </a:ext>
-            </a:extLst>
-          </p:cNvPr>
-          <p:cNvCxnSpPr>
-            <a:cxnSpLocks/>
-          </p:cNvCxnSpPr>
-          <p:nvPr/>
-        </p:nvCxnSpPr>
-        <p:spPr>
-          <a:xfrm>
-            <a:off x="5587437" y="4448126"/>
-            <a:ext cx="1259813" cy="0"/>
-          </a:xfrm>
-          <a:prstGeom prst="straightConnector1">
-            <a:avLst/>
-          </a:prstGeom>
-          <a:ln w="12700">
-            <a:solidFill>
-              <a:srgbClr val="545B64"/>
-            </a:solidFill>
-            <a:headEnd type="none" w="med" len="sm"/>
-            <a:tailEnd type="arrow" w="med" len="sm"/>
-          </a:ln>
-        </p:spPr>
-        <p:style>
-          <a:lnRef idx="1">
-            <a:schemeClr val="accent1"/>
-          </a:lnRef>
-          <a:fillRef idx="0">
-            <a:schemeClr val="accent1"/>
-          </a:fillRef>
-          <a:effectRef idx="0">
-            <a:schemeClr val="accent1"/>
-          </a:effectRef>
-          <a:fontRef idx="minor">
-            <a:schemeClr val="tx1"/>
-          </a:fontRef>
-        </p:style>
-      </p:cxnSp>
-      <p:cxnSp>
-        <p:nvCxnSpPr>
-          <p:cNvPr id="58" name="Elbow Connector 122">
-            <a:extLst>
-              <a:ext uri="{FF2B5EF4-FFF2-40B4-BE49-F238E27FC236}">
-                <a16:creationId xmlns:a16="http://schemas.microsoft.com/office/drawing/2014/main" id="{2808F6CE-FDC2-470B-A975-6165D7BB98B6}"/>
-              </a:ext>
-            </a:extLst>
-          </p:cNvPr>
-          <p:cNvCxnSpPr>
-            <a:cxnSpLocks/>
-            <a:stCxn id="23" idx="0"/>
-          </p:cNvCxnSpPr>
-          <p:nvPr/>
-        </p:nvCxnSpPr>
-        <p:spPr>
-          <a:xfrm rot="16200000" flipV="1">
-            <a:off x="8027512" y="4387520"/>
-            <a:ext cx="845342" cy="1599756"/>
-          </a:xfrm>
-          <a:prstGeom prst="bentConnector2">
-            <a:avLst/>
-          </a:prstGeom>
-          <a:ln w="12700">
-            <a:solidFill>
-              <a:srgbClr val="545B64"/>
-            </a:solidFill>
-            <a:headEnd type="arrow" w="med" len="sm"/>
-            <a:tailEnd type="none" w="med" len="sm"/>
           </a:ln>
         </p:spPr>
         <p:style>
@@ -10434,352 +11655,359 @@
       </p:cxnSp>
       <p:sp>
         <p:nvSpPr>
-          <p:cNvPr id="62" name="Rectangle 8">
-            <a:extLst>
-              <a:ext uri="{FF2B5EF4-FFF2-40B4-BE49-F238E27FC236}">
-                <a16:creationId xmlns:a16="http://schemas.microsoft.com/office/drawing/2014/main" id="{8E53AAF9-6AA5-40EF-B3B1-4F7447E70AC9}"/>
-              </a:ext>
-            </a:extLst>
-          </p:cNvPr>
-          <p:cNvSpPr/>
+          <p:cNvPr id="3" name="テキスト ボックス 2">
+            <a:extLst>
+              <a:ext uri="{FF2B5EF4-FFF2-40B4-BE49-F238E27FC236}">
+                <a16:creationId xmlns:a16="http://schemas.microsoft.com/office/drawing/2014/main" id="{ECDB7556-92CF-4AFA-9EF7-F9FA83983DCB}"/>
+              </a:ext>
+            </a:extLst>
+          </p:cNvPr>
+          <p:cNvSpPr txBox="1"/>
           <p:nvPr/>
         </p:nvSpPr>
         <p:spPr>
           <a:xfrm>
-            <a:off x="2594601" y="678819"/>
-            <a:ext cx="5251822" cy="1387964"/>
+            <a:off x="2604238" y="882191"/>
+            <a:ext cx="415498" cy="369332"/>
           </a:xfrm>
           <a:prstGeom prst="rect">
             <a:avLst/>
           </a:prstGeom>
           <a:noFill/>
-          <a:ln w="12700">
-            <a:solidFill>
-              <a:srgbClr val="879196"/>
-            </a:solidFill>
-            <a:prstDash val="dash"/>
-          </a:ln>
-        </p:spPr>
-        <p:style>
-          <a:lnRef idx="2">
-            <a:schemeClr val="accent1">
-              <a:shade val="50000"/>
-            </a:schemeClr>
-          </a:lnRef>
-          <a:fillRef idx="1">
-            <a:schemeClr val="accent1"/>
-          </a:fillRef>
-          <a:effectRef idx="0">
-            <a:schemeClr val="accent1"/>
-          </a:effectRef>
-          <a:fontRef idx="minor">
-            <a:schemeClr val="lt1"/>
-          </a:fontRef>
-        </p:style>
+        </p:spPr>
         <p:txBody>
-          <a:bodyPr rot="0" spcFirstLastPara="0" vertOverflow="overflow" horzOverflow="overflow" vert="horz" wrap="square" lIns="91440" tIns="45720" rIns="91440" bIns="45720" numCol="1" spcCol="0" rtlCol="0" fromWordArt="0" anchor="t" anchorCtr="0" forceAA="0" compatLnSpc="1">
-            <a:prstTxWarp prst="textNoShape">
-              <a:avLst/>
-            </a:prstTxWarp>
-            <a:noAutofit/>
+          <a:bodyPr wrap="none" rtlCol="0">
+            <a:spAutoFit/>
           </a:bodyPr>
           <a:lstStyle/>
           <a:p>
-            <a:pPr algn="ctr"/>
-            <a:endParaRPr lang="en-US" sz="1000" dirty="0">
-              <a:solidFill>
-                <a:srgbClr val="879196"/>
-              </a:solidFill>
-            </a:endParaRPr>
+            <a:r>
+              <a:rPr kumimoji="1" lang="ja-JP" altLang="en-US" dirty="0"/>
+              <a:t>①</a:t>
+            </a:r>
           </a:p>
         </p:txBody>
       </p:sp>
       <p:sp>
         <p:nvSpPr>
-          <p:cNvPr id="63" name="Rectangle 8">
-            <a:extLst>
-              <a:ext uri="{FF2B5EF4-FFF2-40B4-BE49-F238E27FC236}">
-                <a16:creationId xmlns:a16="http://schemas.microsoft.com/office/drawing/2014/main" id="{4BF42E0B-AF37-4252-8364-5E0A876F4218}"/>
-              </a:ext>
-            </a:extLst>
-          </p:cNvPr>
-          <p:cNvSpPr/>
+          <p:cNvPr id="46" name="テキスト ボックス 45">
+            <a:extLst>
+              <a:ext uri="{FF2B5EF4-FFF2-40B4-BE49-F238E27FC236}">
+                <a16:creationId xmlns:a16="http://schemas.microsoft.com/office/drawing/2014/main" id="{71394DAD-3527-404A-97E7-B0B1BF2A00B5}"/>
+              </a:ext>
+            </a:extLst>
+          </p:cNvPr>
+          <p:cNvSpPr txBox="1"/>
           <p:nvPr/>
         </p:nvSpPr>
         <p:spPr>
           <a:xfrm>
-            <a:off x="2580526" y="2233277"/>
-            <a:ext cx="7268868" cy="1387964"/>
+            <a:off x="4867195" y="882191"/>
+            <a:ext cx="415498" cy="369332"/>
           </a:xfrm>
           <a:prstGeom prst="rect">
             <a:avLst/>
           </a:prstGeom>
           <a:noFill/>
-          <a:ln w="12700">
-            <a:solidFill>
-              <a:srgbClr val="879196"/>
-            </a:solidFill>
-            <a:prstDash val="dash"/>
-          </a:ln>
-        </p:spPr>
-        <p:style>
-          <a:lnRef idx="2">
-            <a:schemeClr val="accent1">
-              <a:shade val="50000"/>
-            </a:schemeClr>
-          </a:lnRef>
-          <a:fillRef idx="1">
-            <a:schemeClr val="accent1"/>
-          </a:fillRef>
-          <a:effectRef idx="0">
-            <a:schemeClr val="accent1"/>
-          </a:effectRef>
-          <a:fontRef idx="minor">
-            <a:schemeClr val="lt1"/>
-          </a:fontRef>
-        </p:style>
+        </p:spPr>
         <p:txBody>
-          <a:bodyPr rot="0" spcFirstLastPara="0" vertOverflow="overflow" horzOverflow="overflow" vert="horz" wrap="square" lIns="91440" tIns="45720" rIns="91440" bIns="45720" numCol="1" spcCol="0" rtlCol="0" fromWordArt="0" anchor="t" anchorCtr="0" forceAA="0" compatLnSpc="1">
-            <a:prstTxWarp prst="textNoShape">
-              <a:avLst/>
-            </a:prstTxWarp>
-            <a:noAutofit/>
+          <a:bodyPr wrap="none" rtlCol="0">
+            <a:spAutoFit/>
           </a:bodyPr>
           <a:lstStyle/>
           <a:p>
-            <a:pPr algn="ctr"/>
-            <a:endParaRPr lang="en-US" sz="1000" dirty="0">
-              <a:solidFill>
-                <a:srgbClr val="879196"/>
-              </a:solidFill>
-            </a:endParaRPr>
-          </a:p>
-        </p:txBody>
-      </p:sp>
-      <p:cxnSp>
-        <p:nvCxnSpPr>
-          <p:cNvPr id="35" name="Elbow Connector 122">
-            <a:extLst>
-              <a:ext uri="{FF2B5EF4-FFF2-40B4-BE49-F238E27FC236}">
-                <a16:creationId xmlns:a16="http://schemas.microsoft.com/office/drawing/2014/main" id="{A9CAC1E9-70C3-45B2-A945-42542F3EA71E}"/>
-              </a:ext>
-            </a:extLst>
-          </p:cNvPr>
-          <p:cNvCxnSpPr>
-            <a:cxnSpLocks/>
-            <a:stCxn id="23" idx="3"/>
-            <a:endCxn id="20" idx="2"/>
-          </p:cNvCxnSpPr>
-          <p:nvPr/>
-        </p:nvCxnSpPr>
-        <p:spPr>
-          <a:xfrm flipV="1">
-            <a:off x="9631061" y="5001909"/>
-            <a:ext cx="1009059" cy="1154260"/>
-          </a:xfrm>
-          <a:prstGeom prst="bentConnector2">
-            <a:avLst/>
-          </a:prstGeom>
-          <a:ln w="12700">
-            <a:solidFill>
-              <a:srgbClr val="545B64"/>
-            </a:solidFill>
-            <a:headEnd type="arrow" w="med" len="sm"/>
-            <a:tailEnd type="none" w="med" len="sm"/>
-          </a:ln>
-        </p:spPr>
-        <p:style>
-          <a:lnRef idx="1">
-            <a:schemeClr val="accent1"/>
-          </a:lnRef>
-          <a:fillRef idx="0">
-            <a:schemeClr val="accent1"/>
-          </a:fillRef>
-          <a:effectRef idx="0">
-            <a:schemeClr val="accent1"/>
-          </a:effectRef>
-          <a:fontRef idx="minor">
-            <a:schemeClr val="tx1"/>
-          </a:fontRef>
-        </p:style>
-      </p:cxnSp>
-      <p:cxnSp>
-        <p:nvCxnSpPr>
-          <p:cNvPr id="42" name="Straight Arrow Connector 42">
-            <a:extLst>
-              <a:ext uri="{FF2B5EF4-FFF2-40B4-BE49-F238E27FC236}">
-                <a16:creationId xmlns:a16="http://schemas.microsoft.com/office/drawing/2014/main" id="{3D05C747-BFD2-4E95-A888-5930B059E2C5}"/>
-              </a:ext>
-            </a:extLst>
-          </p:cNvPr>
-          <p:cNvCxnSpPr>
-            <a:cxnSpLocks/>
-            <a:stCxn id="21" idx="2"/>
-            <a:endCxn id="24" idx="0"/>
-          </p:cNvCxnSpPr>
-          <p:nvPr/>
-        </p:nvCxnSpPr>
-        <p:spPr>
-          <a:xfrm flipH="1">
-            <a:off x="7228247" y="5025851"/>
-            <a:ext cx="3" cy="584218"/>
-          </a:xfrm>
-          <a:prstGeom prst="straightConnector1">
-            <a:avLst/>
-          </a:prstGeom>
-          <a:ln w="12700">
-            <a:solidFill>
-              <a:srgbClr val="545B64"/>
-            </a:solidFill>
-            <a:headEnd type="none" w="med" len="sm"/>
-            <a:tailEnd type="arrow" w="med" len="sm"/>
-          </a:ln>
-        </p:spPr>
-        <p:style>
-          <a:lnRef idx="1">
-            <a:schemeClr val="accent1"/>
-          </a:lnRef>
-          <a:fillRef idx="0">
-            <a:schemeClr val="accent1"/>
-          </a:fillRef>
-          <a:effectRef idx="0">
-            <a:schemeClr val="accent1"/>
-          </a:effectRef>
-          <a:fontRef idx="minor">
-            <a:schemeClr val="tx1"/>
-          </a:fontRef>
-        </p:style>
-      </p:cxnSp>
-      <p:sp>
-        <p:nvSpPr>
-          <p:cNvPr id="44" name="Rectangle 8">
-            <a:extLst>
-              <a:ext uri="{FF2B5EF4-FFF2-40B4-BE49-F238E27FC236}">
-                <a16:creationId xmlns:a16="http://schemas.microsoft.com/office/drawing/2014/main" id="{4030B42E-FF70-49B4-B901-1EAA4EFF6451}"/>
-              </a:ext>
-            </a:extLst>
-          </p:cNvPr>
-          <p:cNvSpPr/>
-          <p:nvPr/>
-        </p:nvSpPr>
-        <p:spPr>
-          <a:xfrm>
-            <a:off x="2580526" y="3798550"/>
-            <a:ext cx="8636114" cy="1387964"/>
-          </a:xfrm>
-          <a:prstGeom prst="rect">
-            <a:avLst/>
-          </a:prstGeom>
-          <a:noFill/>
-          <a:ln w="12700">
-            <a:solidFill>
-              <a:srgbClr val="879196"/>
-            </a:solidFill>
-            <a:prstDash val="dash"/>
-          </a:ln>
-        </p:spPr>
-        <p:style>
-          <a:lnRef idx="2">
-            <a:schemeClr val="accent1">
-              <a:shade val="50000"/>
-            </a:schemeClr>
-          </a:lnRef>
-          <a:fillRef idx="1">
-            <a:schemeClr val="accent1"/>
-          </a:fillRef>
-          <a:effectRef idx="0">
-            <a:schemeClr val="accent1"/>
-          </a:effectRef>
-          <a:fontRef idx="minor">
-            <a:schemeClr val="lt1"/>
-          </a:fontRef>
-        </p:style>
-        <p:txBody>
-          <a:bodyPr rot="0" spcFirstLastPara="0" vertOverflow="overflow" horzOverflow="overflow" vert="horz" wrap="square" lIns="91440" tIns="45720" rIns="91440" bIns="45720" numCol="1" spcCol="0" rtlCol="0" fromWordArt="0" anchor="t" anchorCtr="0" forceAA="0" compatLnSpc="1">
-            <a:prstTxWarp prst="textNoShape">
-              <a:avLst/>
-            </a:prstTxWarp>
-            <a:noAutofit/>
-          </a:bodyPr>
-          <a:lstStyle/>
-          <a:p>
-            <a:pPr algn="ctr"/>
-            <a:endParaRPr lang="en-US" sz="1000" dirty="0">
-              <a:solidFill>
-                <a:srgbClr val="879196"/>
-              </a:solidFill>
-            </a:endParaRPr>
+            <a:r>
+              <a:rPr lang="ja-JP" altLang="en-US" dirty="0"/>
+              <a:t>②</a:t>
+            </a:r>
+            <a:endParaRPr kumimoji="1" lang="ja-JP" altLang="en-US" dirty="0"/>
           </a:p>
         </p:txBody>
       </p:sp>
       <p:sp>
         <p:nvSpPr>
-          <p:cNvPr id="50" name="Rectangle 8">
-            <a:extLst>
-              <a:ext uri="{FF2B5EF4-FFF2-40B4-BE49-F238E27FC236}">
-                <a16:creationId xmlns:a16="http://schemas.microsoft.com/office/drawing/2014/main" id="{BB7B69EA-7B4B-4E27-AC92-199B2C187777}"/>
-              </a:ext>
-            </a:extLst>
-          </p:cNvPr>
-          <p:cNvSpPr/>
+          <p:cNvPr id="47" name="テキスト ボックス 46">
+            <a:extLst>
+              <a:ext uri="{FF2B5EF4-FFF2-40B4-BE49-F238E27FC236}">
+                <a16:creationId xmlns:a16="http://schemas.microsoft.com/office/drawing/2014/main" id="{E8D39958-7447-4626-895E-E07481AF2D7C}"/>
+              </a:ext>
+            </a:extLst>
+          </p:cNvPr>
+          <p:cNvSpPr txBox="1"/>
           <p:nvPr/>
         </p:nvSpPr>
         <p:spPr>
           <a:xfrm>
-            <a:off x="6604564" y="3994469"/>
-            <a:ext cx="5059115" cy="2707773"/>
+            <a:off x="6939931" y="866294"/>
+            <a:ext cx="415498" cy="369332"/>
           </a:xfrm>
           <a:prstGeom prst="rect">
             <a:avLst/>
           </a:prstGeom>
           <a:noFill/>
-          <a:ln w="12700">
-            <a:solidFill>
-              <a:srgbClr val="879196"/>
-            </a:solidFill>
-            <a:prstDash val="dash"/>
-          </a:ln>
-        </p:spPr>
-        <p:style>
-          <a:lnRef idx="2">
-            <a:schemeClr val="accent1">
-              <a:shade val="50000"/>
-            </a:schemeClr>
-          </a:lnRef>
-          <a:fillRef idx="1">
-            <a:schemeClr val="accent1"/>
-          </a:fillRef>
-          <a:effectRef idx="0">
-            <a:schemeClr val="accent1"/>
-          </a:effectRef>
-          <a:fontRef idx="minor">
-            <a:schemeClr val="lt1"/>
-          </a:fontRef>
-        </p:style>
+        </p:spPr>
         <p:txBody>
-          <a:bodyPr rot="0" spcFirstLastPara="0" vertOverflow="overflow" horzOverflow="overflow" vert="horz" wrap="square" lIns="91440" tIns="45720" rIns="91440" bIns="45720" numCol="1" spcCol="0" rtlCol="0" fromWordArt="0" anchor="t" anchorCtr="0" forceAA="0" compatLnSpc="1">
-            <a:prstTxWarp prst="textNoShape">
-              <a:avLst/>
-            </a:prstTxWarp>
-            <a:noAutofit/>
+          <a:bodyPr wrap="none" rtlCol="0">
+            <a:spAutoFit/>
           </a:bodyPr>
           <a:lstStyle/>
           <a:p>
-            <a:pPr algn="ctr"/>
-            <a:endParaRPr lang="en-US" sz="1000" dirty="0">
-              <a:solidFill>
-                <a:srgbClr val="879196"/>
-              </a:solidFill>
-            </a:endParaRPr>
+            <a:r>
+              <a:rPr kumimoji="1" lang="ja-JP" altLang="en-US" dirty="0"/>
+              <a:t>③</a:t>
+            </a:r>
           </a:p>
         </p:txBody>
       </p:sp>
       <p:sp>
         <p:nvSpPr>
-          <p:cNvPr id="43" name="テキスト ボックス 42">
-            <a:extLst>
-              <a:ext uri="{FF2B5EF4-FFF2-40B4-BE49-F238E27FC236}">
-                <a16:creationId xmlns:a16="http://schemas.microsoft.com/office/drawing/2014/main" id="{3C685B31-F421-48E4-B900-80158D7FBD46}"/>
+          <p:cNvPr id="48" name="コンテンツ プレースホルダー 2">
+            <a:extLst>
+              <a:ext uri="{FF2B5EF4-FFF2-40B4-BE49-F238E27FC236}">
+                <a16:creationId xmlns:a16="http://schemas.microsoft.com/office/drawing/2014/main" id="{97BA79DF-035C-41CA-B6DA-BB956B72033A}"/>
+              </a:ext>
+            </a:extLst>
+          </p:cNvPr>
+          <p:cNvSpPr>
+            <a:spLocks noGrp="1"/>
+          </p:cNvSpPr>
+          <p:nvPr>
+            <p:ph idx="1"/>
+          </p:nvPr>
+        </p:nvSpPr>
+        <p:spPr>
+          <a:xfrm>
+            <a:off x="671195" y="1933575"/>
+            <a:ext cx="10861040" cy="4042234"/>
+          </a:xfrm>
+        </p:spPr>
+        <p:txBody>
+          <a:bodyPr>
+            <a:normAutofit/>
+          </a:bodyPr>
+          <a:lstStyle/>
+          <a:p>
+            <a:pPr marL="457200" indent="-457200">
+              <a:buFont typeface="+mj-ea"/>
+              <a:buAutoNum type="circleNumDbPlain"/>
+            </a:pPr>
+            <a:r>
+              <a:rPr lang="ja-JP" altLang="en-US" sz="2400" dirty="0"/>
+              <a:t>端末で取得した位置情報のリクエストを</a:t>
+            </a:r>
+            <a:r>
+              <a:rPr lang="en-US" altLang="ja-JP" sz="2400" dirty="0" err="1"/>
+              <a:t>APIGateway</a:t>
+            </a:r>
+            <a:r>
+              <a:rPr lang="ja-JP" altLang="en-US" sz="2400" dirty="0"/>
+              <a:t>のエントリに送る</a:t>
+            </a:r>
+          </a:p>
+          <a:p>
+            <a:pPr marL="457200" lvl="1" indent="0">
+              <a:buNone/>
+            </a:pPr>
+            <a:r>
+              <a:rPr lang="en-US" altLang="ja-JP" sz="2000" dirty="0"/>
+              <a:t>(POST</a:t>
+            </a:r>
+            <a:r>
+              <a:rPr lang="ja-JP" altLang="en-US" sz="2000" dirty="0"/>
+              <a:t>メソッド</a:t>
+            </a:r>
+            <a:r>
+              <a:rPr lang="en-US" altLang="ja-JP" sz="2000" dirty="0"/>
+              <a:t>, content-type: json, body</a:t>
+            </a:r>
+            <a:r>
+              <a:rPr lang="ja-JP" altLang="en-US" sz="2000" dirty="0"/>
+              <a:t>部に</a:t>
+            </a:r>
+            <a:r>
+              <a:rPr lang="en-US" altLang="ja-JP" sz="2000" dirty="0"/>
+              <a:t>json</a:t>
+            </a:r>
+            <a:r>
+              <a:rPr lang="ja-JP" altLang="en-US" sz="2000" dirty="0"/>
+              <a:t>データ</a:t>
+            </a:r>
+            <a:r>
+              <a:rPr lang="en-US" altLang="ja-JP" sz="2000" dirty="0"/>
+              <a:t>)</a:t>
+            </a:r>
+            <a:endParaRPr lang="ja-JP" altLang="en-US" sz="2000" dirty="0"/>
+          </a:p>
+          <a:p>
+            <a:pPr marL="457200" lvl="1" indent="0">
+              <a:buNone/>
+            </a:pPr>
+            <a:endParaRPr lang="en-US" altLang="ja-JP" sz="2000" dirty="0"/>
+          </a:p>
+          <a:p>
+            <a:pPr marL="457200" indent="-457200">
+              <a:buFont typeface="+mj-ea"/>
+              <a:buAutoNum type="circleNumDbPlain"/>
+            </a:pPr>
+            <a:r>
+              <a:rPr lang="en-US" altLang="ja-JP" sz="2400" dirty="0" err="1"/>
+              <a:t>APIGateway</a:t>
+            </a:r>
+            <a:r>
+              <a:rPr lang="ja-JP" altLang="en-US" sz="2400" dirty="0"/>
+              <a:t>が</a:t>
+            </a:r>
+            <a:r>
+              <a:rPr lang="en-US" altLang="ja-JP" sz="2400" dirty="0"/>
+              <a:t>Lambda(</a:t>
+            </a:r>
+            <a:r>
+              <a:rPr lang="en-US" altLang="ja-JP" sz="2400" dirty="0" err="1"/>
+              <a:t>parse_request</a:t>
+            </a:r>
+            <a:r>
+              <a:rPr lang="en-US" altLang="ja-JP" sz="2400" dirty="0"/>
+              <a:t>) </a:t>
+            </a:r>
+            <a:r>
+              <a:rPr lang="ja-JP" altLang="en-US" sz="2400" dirty="0"/>
+              <a:t>を呼び出す</a:t>
+            </a:r>
+            <a:endParaRPr lang="en-US" altLang="ja-JP" sz="2400" dirty="0"/>
+          </a:p>
+          <a:p>
+            <a:pPr marL="457200" lvl="1" indent="0">
+              <a:buNone/>
+            </a:pPr>
+            <a:r>
+              <a:rPr lang="en-US" altLang="ja-JP" sz="2000" dirty="0"/>
+              <a:t>Lambda</a:t>
+            </a:r>
+            <a:r>
+              <a:rPr lang="ja-JP" altLang="en-US" sz="2000" dirty="0"/>
+              <a:t>は</a:t>
+            </a:r>
+            <a:r>
+              <a:rPr lang="en-US" altLang="ja-JP" sz="2000" dirty="0"/>
+              <a:t>Python(3.7)</a:t>
+            </a:r>
+            <a:r>
+              <a:rPr lang="ja-JP" altLang="en-US" sz="2000" dirty="0"/>
+              <a:t>で記述される </a:t>
+            </a:r>
+            <a:r>
+              <a:rPr lang="en-US" altLang="ja-JP" sz="2000" dirty="0"/>
+              <a:t>(</a:t>
+            </a:r>
+            <a:r>
+              <a:rPr lang="ja-JP" altLang="en-US" sz="2000" dirty="0"/>
+              <a:t>以後同じ</a:t>
+            </a:r>
+            <a:r>
+              <a:rPr lang="en-US" altLang="ja-JP" sz="2000" dirty="0"/>
+              <a:t>)</a:t>
+            </a:r>
+            <a:endParaRPr lang="ja-JP" altLang="en-US" sz="2000" dirty="0"/>
+          </a:p>
+          <a:p>
+            <a:pPr marL="457200" indent="-457200">
+              <a:buFont typeface="+mj-ea"/>
+              <a:buAutoNum type="circleNumDbPlain"/>
+            </a:pPr>
+            <a:endParaRPr lang="en-US" altLang="ja-JP" sz="2400" dirty="0"/>
+          </a:p>
+          <a:p>
+            <a:pPr marL="457200" indent="-457200">
+              <a:buFont typeface="+mj-ea"/>
+              <a:buAutoNum type="circleNumDbPlain"/>
+            </a:pPr>
+            <a:r>
+              <a:rPr lang="en-US" altLang="ja-JP" sz="2400" dirty="0" err="1"/>
+              <a:t>parse_request</a:t>
+            </a:r>
+            <a:r>
+              <a:rPr lang="ja-JP" altLang="en-US" sz="2400" dirty="0"/>
+              <a:t>で</a:t>
+            </a:r>
+            <a:r>
+              <a:rPr lang="en-US" altLang="ja-JP" sz="2400" dirty="0"/>
+              <a:t>SQS</a:t>
+            </a:r>
+            <a:r>
+              <a:rPr lang="ja-JP" altLang="en-US" sz="2400" dirty="0"/>
+              <a:t>にリクエストを積む</a:t>
+            </a:r>
+            <a:endParaRPr lang="en-US" altLang="ja-JP" sz="2400" dirty="0"/>
+          </a:p>
+          <a:p>
+            <a:pPr marL="457200" lvl="1" indent="0">
+              <a:buNone/>
+            </a:pPr>
+            <a:r>
+              <a:rPr lang="ja-JP" altLang="en-US" sz="2000" dirty="0"/>
+              <a:t>この際、</a:t>
+            </a:r>
+            <a:r>
+              <a:rPr lang="en-US" altLang="ja-JP" sz="2000" dirty="0"/>
+              <a:t>JSON</a:t>
+            </a:r>
+            <a:r>
+              <a:rPr lang="ja-JP" altLang="en-US" sz="2000" dirty="0"/>
+              <a:t>の値チェックなどのリクエスト単体の</a:t>
+            </a:r>
+            <a:r>
+              <a:rPr lang="en-US" altLang="ja-JP" sz="2000" dirty="0"/>
+              <a:t>validation</a:t>
+            </a:r>
+            <a:r>
+              <a:rPr lang="ja-JP" altLang="en-US" sz="2000" dirty="0"/>
+              <a:t>は行う</a:t>
+            </a:r>
+            <a:endParaRPr lang="en-US" altLang="ja-JP" sz="2000" dirty="0"/>
+          </a:p>
+          <a:p>
+            <a:pPr marL="457200" lvl="1" indent="0">
+              <a:buNone/>
+            </a:pPr>
+            <a:r>
+              <a:rPr lang="ja-JP" altLang="en-US" sz="2000" dirty="0"/>
+              <a:t>積む際に</a:t>
+            </a:r>
+            <a:r>
+              <a:rPr lang="en-US" altLang="ja-JP" sz="2000" dirty="0"/>
+              <a:t>CSV</a:t>
+            </a:r>
+            <a:r>
+              <a:rPr lang="ja-JP" altLang="en-US" sz="2000" dirty="0"/>
+              <a:t>形式の文字列に変換している</a:t>
+            </a:r>
+            <a:endParaRPr lang="en-US" altLang="ja-JP" sz="2000" dirty="0"/>
+          </a:p>
+          <a:p>
+            <a:pPr marL="457200" lvl="1" indent="0">
+              <a:buNone/>
+            </a:pPr>
+            <a:r>
+              <a:rPr lang="ja-JP" altLang="en-US" sz="2000" dirty="0"/>
+              <a:t>なお、</a:t>
+            </a:r>
+            <a:r>
+              <a:rPr lang="en-US" altLang="ja-JP" sz="2000" dirty="0"/>
+              <a:t>SQS</a:t>
+            </a:r>
+            <a:r>
+              <a:rPr lang="ja-JP" altLang="en-US" sz="2000" dirty="0"/>
+              <a:t>は標準キューである</a:t>
+            </a:r>
+          </a:p>
+        </p:txBody>
+      </p:sp>
+      <p:sp>
+        <p:nvSpPr>
+          <p:cNvPr id="15" name="テキスト ボックス 14">
+            <a:extLst>
+              <a:ext uri="{FF2B5EF4-FFF2-40B4-BE49-F238E27FC236}">
+                <a16:creationId xmlns:a16="http://schemas.microsoft.com/office/drawing/2014/main" id="{4C9A1638-5112-45DA-81C8-4EDA86EE4296}"/>
               </a:ext>
             </a:extLst>
           </p:cNvPr>
@@ -10788,7 +12016,7 @@
         </p:nvSpPr>
         <p:spPr>
           <a:xfrm>
-            <a:off x="3699366" y="691301"/>
+            <a:off x="464466" y="291376"/>
             <a:ext cx="646331" cy="369332"/>
           </a:xfrm>
           <a:prstGeom prst="rect">
@@ -10815,419 +12043,10 @@
           </a:p>
         </p:txBody>
       </p:sp>
-      <p:sp>
-        <p:nvSpPr>
-          <p:cNvPr id="52" name="テキスト ボックス 51">
-            <a:extLst>
-              <a:ext uri="{FF2B5EF4-FFF2-40B4-BE49-F238E27FC236}">
-                <a16:creationId xmlns:a16="http://schemas.microsoft.com/office/drawing/2014/main" id="{DD8AAC87-AC1A-483B-B31C-3956F6162339}"/>
-              </a:ext>
-            </a:extLst>
-          </p:cNvPr>
-          <p:cNvSpPr txBox="1"/>
-          <p:nvPr/>
-        </p:nvSpPr>
-        <p:spPr>
-          <a:xfrm>
-            <a:off x="3688867" y="2233277"/>
-            <a:ext cx="1107996" cy="369332"/>
-          </a:xfrm>
-          <a:prstGeom prst="rect">
-            <a:avLst/>
-          </a:prstGeom>
-          <a:noFill/>
-          <a:ln w="3175">
-            <a:solidFill>
-              <a:schemeClr val="tx1"/>
-            </a:solidFill>
-          </a:ln>
-        </p:spPr>
-        <p:txBody>
-          <a:bodyPr wrap="none" rtlCol="0">
-            <a:spAutoFit/>
-          </a:bodyPr>
-          <a:lstStyle/>
-          <a:p>
-            <a:r>
-              <a:rPr kumimoji="1" lang="ja-JP" altLang="en-US" dirty="0"/>
-              <a:t>一時保管</a:t>
-            </a:r>
-          </a:p>
-        </p:txBody>
-      </p:sp>
-      <p:sp>
-        <p:nvSpPr>
-          <p:cNvPr id="53" name="テキスト ボックス 52">
-            <a:extLst>
-              <a:ext uri="{FF2B5EF4-FFF2-40B4-BE49-F238E27FC236}">
-                <a16:creationId xmlns:a16="http://schemas.microsoft.com/office/drawing/2014/main" id="{AC2905B4-AF5A-4409-AEB9-F61B899FB6D8}"/>
-              </a:ext>
-            </a:extLst>
-          </p:cNvPr>
-          <p:cNvSpPr txBox="1"/>
-          <p:nvPr/>
-        </p:nvSpPr>
-        <p:spPr>
-          <a:xfrm>
-            <a:off x="3699366" y="3864743"/>
-            <a:ext cx="646331" cy="369332"/>
-          </a:xfrm>
-          <a:prstGeom prst="rect">
-            <a:avLst/>
-          </a:prstGeom>
-          <a:noFill/>
-          <a:ln w="3175">
-            <a:solidFill>
-              <a:schemeClr val="tx1"/>
-            </a:solidFill>
-          </a:ln>
-        </p:spPr>
-        <p:txBody>
-          <a:bodyPr wrap="none" rtlCol="0">
-            <a:spAutoFit/>
-          </a:bodyPr>
-          <a:lstStyle/>
-          <a:p>
-            <a:r>
-              <a:rPr lang="ja-JP" altLang="en-US" dirty="0"/>
-              <a:t>振分</a:t>
-            </a:r>
-            <a:endParaRPr kumimoji="1" lang="ja-JP" altLang="en-US" dirty="0"/>
-          </a:p>
-        </p:txBody>
-      </p:sp>
-      <p:sp>
-        <p:nvSpPr>
-          <p:cNvPr id="54" name="テキスト ボックス 53">
-            <a:extLst>
-              <a:ext uri="{FF2B5EF4-FFF2-40B4-BE49-F238E27FC236}">
-                <a16:creationId xmlns:a16="http://schemas.microsoft.com/office/drawing/2014/main" id="{BB5D0E5A-BB45-49DB-9D43-B520C8BC14DA}"/>
-              </a:ext>
-            </a:extLst>
-          </p:cNvPr>
-          <p:cNvSpPr txBox="1"/>
-          <p:nvPr/>
-        </p:nvSpPr>
-        <p:spPr>
-          <a:xfrm>
-            <a:off x="10551100" y="6261321"/>
-            <a:ext cx="1107996" cy="369332"/>
-          </a:xfrm>
-          <a:prstGeom prst="rect">
-            <a:avLst/>
-          </a:prstGeom>
-          <a:noFill/>
-          <a:ln w="3175">
-            <a:solidFill>
-              <a:schemeClr val="tx1"/>
-            </a:solidFill>
-          </a:ln>
-        </p:spPr>
-        <p:txBody>
-          <a:bodyPr wrap="none" rtlCol="0">
-            <a:spAutoFit/>
-          </a:bodyPr>
-          <a:lstStyle/>
-          <a:p>
-            <a:r>
-              <a:rPr lang="ja-JP" altLang="en-US" dirty="0"/>
-              <a:t>一覧取得</a:t>
-            </a:r>
-            <a:endParaRPr kumimoji="1" lang="ja-JP" altLang="en-US" dirty="0"/>
-          </a:p>
-        </p:txBody>
-      </p:sp>
-      <p:sp>
-        <p:nvSpPr>
-          <p:cNvPr id="55" name="テキスト ボックス 54">
-            <a:extLst>
-              <a:ext uri="{FF2B5EF4-FFF2-40B4-BE49-F238E27FC236}">
-                <a16:creationId xmlns:a16="http://schemas.microsoft.com/office/drawing/2014/main" id="{EFDEAFC8-10EC-4F6F-BD1E-CF56E576F128}"/>
-              </a:ext>
-            </a:extLst>
-          </p:cNvPr>
-          <p:cNvSpPr txBox="1"/>
-          <p:nvPr/>
-        </p:nvSpPr>
-        <p:spPr>
-          <a:xfrm>
-            <a:off x="8913998" y="2314804"/>
-            <a:ext cx="723275" cy="307777"/>
-          </a:xfrm>
-          <a:prstGeom prst="rect">
-            <a:avLst/>
-          </a:prstGeom>
-          <a:noFill/>
-        </p:spPr>
-        <p:txBody>
-          <a:bodyPr wrap="none" rtlCol="0">
-            <a:spAutoFit/>
-          </a:bodyPr>
-          <a:lstStyle/>
-          <a:p>
-            <a:r>
-              <a:rPr lang="ja-JP" altLang="en-US" sz="1400" dirty="0"/>
-              <a:t>作業用</a:t>
-            </a:r>
-            <a:endParaRPr kumimoji="1" lang="ja-JP" altLang="en-US" sz="1400" dirty="0"/>
-          </a:p>
-        </p:txBody>
-      </p:sp>
-      <p:sp>
-        <p:nvSpPr>
-          <p:cNvPr id="56" name="テキスト ボックス 55">
-            <a:extLst>
-              <a:ext uri="{FF2B5EF4-FFF2-40B4-BE49-F238E27FC236}">
-                <a16:creationId xmlns:a16="http://schemas.microsoft.com/office/drawing/2014/main" id="{B05108C1-DFA2-4DC7-A7C9-6246D0DF2387}"/>
-              </a:ext>
-            </a:extLst>
-          </p:cNvPr>
-          <p:cNvSpPr txBox="1"/>
-          <p:nvPr/>
-        </p:nvSpPr>
-        <p:spPr>
-          <a:xfrm>
-            <a:off x="9535845" y="4659116"/>
-            <a:ext cx="723275" cy="307777"/>
-          </a:xfrm>
-          <a:prstGeom prst="rect">
-            <a:avLst/>
-          </a:prstGeom>
-          <a:noFill/>
-        </p:spPr>
-        <p:txBody>
-          <a:bodyPr wrap="none" rtlCol="0">
-            <a:spAutoFit/>
-          </a:bodyPr>
-          <a:lstStyle/>
-          <a:p>
-            <a:r>
-              <a:rPr lang="ja-JP" altLang="en-US" sz="1400" dirty="0"/>
-              <a:t>格納用</a:t>
-            </a:r>
-            <a:endParaRPr kumimoji="1" lang="ja-JP" altLang="en-US" sz="1400" dirty="0"/>
-          </a:p>
-        </p:txBody>
-      </p:sp>
-      <p:sp>
-        <p:nvSpPr>
-          <p:cNvPr id="57" name="テキスト ボックス 56">
-            <a:extLst>
-              <a:ext uri="{FF2B5EF4-FFF2-40B4-BE49-F238E27FC236}">
-                <a16:creationId xmlns:a16="http://schemas.microsoft.com/office/drawing/2014/main" id="{9EE9A0C3-C5EC-4CAF-8C89-A8A88C06DDF6}"/>
-              </a:ext>
-            </a:extLst>
-          </p:cNvPr>
-          <p:cNvSpPr txBox="1"/>
-          <p:nvPr/>
-        </p:nvSpPr>
-        <p:spPr>
-          <a:xfrm>
-            <a:off x="7204217" y="5372128"/>
-            <a:ext cx="1441420" cy="307777"/>
-          </a:xfrm>
-          <a:prstGeom prst="rect">
-            <a:avLst/>
-          </a:prstGeom>
-          <a:noFill/>
-        </p:spPr>
-        <p:txBody>
-          <a:bodyPr wrap="none" rtlCol="0">
-            <a:spAutoFit/>
-          </a:bodyPr>
-          <a:lstStyle/>
-          <a:p>
-            <a:r>
-              <a:rPr lang="ja-JP" altLang="en-US" sz="1400" dirty="0"/>
-              <a:t>ダウンロード用</a:t>
-            </a:r>
-            <a:endParaRPr kumimoji="1" lang="ja-JP" altLang="en-US" sz="1400" dirty="0"/>
-          </a:p>
-        </p:txBody>
-      </p:sp>
-      <p:sp>
-        <p:nvSpPr>
-          <p:cNvPr id="2" name="正方形/長方形 1">
-            <a:extLst>
-              <a:ext uri="{FF2B5EF4-FFF2-40B4-BE49-F238E27FC236}">
-                <a16:creationId xmlns:a16="http://schemas.microsoft.com/office/drawing/2014/main" id="{2BF33943-BDBD-434D-A179-B90754A28495}"/>
-              </a:ext>
-            </a:extLst>
-          </p:cNvPr>
-          <p:cNvSpPr/>
-          <p:nvPr/>
-        </p:nvSpPr>
-        <p:spPr>
-          <a:xfrm>
-            <a:off x="2066472" y="3400487"/>
-            <a:ext cx="9401628" cy="2116775"/>
-          </a:xfrm>
-          <a:prstGeom prst="rect">
-            <a:avLst/>
-          </a:prstGeom>
-          <a:noFill/>
-          <a:ln w="31750" cap="flat">
-            <a:solidFill>
-              <a:schemeClr val="accent2"/>
-            </a:solidFill>
-            <a:miter lim="800000"/>
-          </a:ln>
-        </p:spPr>
-        <p:style>
-          <a:lnRef idx="2">
-            <a:schemeClr val="accent2"/>
-          </a:lnRef>
-          <a:fillRef idx="1">
-            <a:schemeClr val="lt1"/>
-          </a:fillRef>
-          <a:effectRef idx="0">
-            <a:schemeClr val="accent2"/>
-          </a:effectRef>
-          <a:fontRef idx="minor">
-            <a:schemeClr val="dk1"/>
-          </a:fontRef>
-        </p:style>
-        <p:txBody>
-          <a:bodyPr rtlCol="0" anchor="ctr"/>
-          <a:lstStyle/>
-          <a:p>
-            <a:pPr algn="ctr"/>
-            <a:endParaRPr kumimoji="1" lang="ja-JP" altLang="en-US"/>
-          </a:p>
-        </p:txBody>
-      </p:sp>
-      <p:sp>
-        <p:nvSpPr>
-          <p:cNvPr id="47" name="正方形/長方形 46">
-            <a:extLst>
-              <a:ext uri="{FF2B5EF4-FFF2-40B4-BE49-F238E27FC236}">
-                <a16:creationId xmlns:a16="http://schemas.microsoft.com/office/drawing/2014/main" id="{E964FA2F-5D57-4AD4-9771-7567BEBD6190}"/>
-              </a:ext>
-            </a:extLst>
-          </p:cNvPr>
-          <p:cNvSpPr/>
-          <p:nvPr/>
-        </p:nvSpPr>
-        <p:spPr>
-          <a:xfrm>
-            <a:off x="7519279" y="1814585"/>
-            <a:ext cx="3948821" cy="1590191"/>
-          </a:xfrm>
-          <a:prstGeom prst="rect">
-            <a:avLst/>
-          </a:prstGeom>
-          <a:noFill/>
-          <a:ln w="31750" cap="flat">
-            <a:solidFill>
-              <a:schemeClr val="accent2"/>
-            </a:solidFill>
-            <a:miter lim="800000"/>
-          </a:ln>
-        </p:spPr>
-        <p:style>
-          <a:lnRef idx="2">
-            <a:schemeClr val="accent2"/>
-          </a:lnRef>
-          <a:fillRef idx="1">
-            <a:schemeClr val="lt1"/>
-          </a:fillRef>
-          <a:effectRef idx="0">
-            <a:schemeClr val="accent2"/>
-          </a:effectRef>
-          <a:fontRef idx="minor">
-            <a:schemeClr val="dk1"/>
-          </a:fontRef>
-        </p:style>
-        <p:txBody>
-          <a:bodyPr rtlCol="0" anchor="ctr"/>
-          <a:lstStyle/>
-          <a:p>
-            <a:pPr algn="ctr"/>
-            <a:endParaRPr kumimoji="1" lang="ja-JP" altLang="en-US"/>
-          </a:p>
-        </p:txBody>
-      </p:sp>
-      <p:cxnSp>
-        <p:nvCxnSpPr>
-          <p:cNvPr id="48" name="直線コネクタ 47">
-            <a:extLst>
-              <a:ext uri="{FF2B5EF4-FFF2-40B4-BE49-F238E27FC236}">
-                <a16:creationId xmlns:a16="http://schemas.microsoft.com/office/drawing/2014/main" id="{7D383745-D4DB-456F-8F98-557B556909C0}"/>
-              </a:ext>
-            </a:extLst>
-          </p:cNvPr>
-          <p:cNvCxnSpPr/>
-          <p:nvPr/>
-        </p:nvCxnSpPr>
-        <p:spPr>
-          <a:xfrm>
-            <a:off x="7504250" y="3400487"/>
-            <a:ext cx="3948821" cy="0"/>
-          </a:xfrm>
-          <a:prstGeom prst="line">
-            <a:avLst/>
-          </a:prstGeom>
-          <a:ln w="31750">
-            <a:solidFill>
-              <a:schemeClr val="bg1"/>
-            </a:solidFill>
-          </a:ln>
-        </p:spPr>
-        <p:style>
-          <a:lnRef idx="1">
-            <a:schemeClr val="accent1"/>
-          </a:lnRef>
-          <a:fillRef idx="0">
-            <a:schemeClr val="accent1"/>
-          </a:fillRef>
-          <a:effectRef idx="0">
-            <a:schemeClr val="accent1"/>
-          </a:effectRef>
-          <a:fontRef idx="minor">
-            <a:schemeClr val="tx1"/>
-          </a:fontRef>
-        </p:style>
-      </p:cxnSp>
-      <p:pic>
-        <p:nvPicPr>
-          <p:cNvPr id="13" name="Graphic 2">
-            <a:extLst>
-              <a:ext uri="{FF2B5EF4-FFF2-40B4-BE49-F238E27FC236}">
-                <a16:creationId xmlns:a16="http://schemas.microsoft.com/office/drawing/2014/main" id="{57EE68FC-B160-4D96-9BC7-488ABB7FDDF9}"/>
-              </a:ext>
-            </a:extLst>
-          </p:cNvPr>
-          <p:cNvPicPr>
-            <a:picLocks noChangeAspect="1"/>
-          </p:cNvPicPr>
-          <p:nvPr/>
-        </p:nvPicPr>
-        <p:blipFill>
-          <a:blip r:embed="rId12">
-            <a:extLst>
-              <a:ext uri="{96DAC541-7B7A-43D3-8B79-37D633B846F1}">
-                <asvg:svgBlip xmlns:asvg="http://schemas.microsoft.com/office/drawing/2016/SVG/main" r:embed="rId13"/>
-              </a:ext>
-            </a:extLst>
-          </a:blip>
-          <a:stretch>
-            <a:fillRect/>
-          </a:stretch>
-        </p:blipFill>
-        <p:spPr>
-          <a:xfrm>
-            <a:off x="8869061" y="2536633"/>
-            <a:ext cx="762000" cy="952500"/>
-          </a:xfrm>
-          <a:prstGeom prst="rect">
-            <a:avLst/>
-          </a:prstGeom>
-        </p:spPr>
-      </p:pic>
     </p:spTree>
     <p:extLst>
       <p:ext uri="{BB962C8B-B14F-4D97-AF65-F5344CB8AC3E}">
-        <p14:creationId xmlns:p14="http://schemas.microsoft.com/office/powerpoint/2010/main" val="4268935868"/>
+        <p14:creationId xmlns:p14="http://schemas.microsoft.com/office/powerpoint/2010/main" val="1441546476"/>
       </p:ext>
     </p:extLst>
   </p:cSld>
@@ -11237,7 +12056,7 @@
 </p:sld>
 </file>
 
-<file path=ppt/slides/slide8.xml><?xml version="1.0" encoding="utf-8"?>
+<file path=ppt/slides/slide7.xml><?xml version="1.0" encoding="utf-8"?>
 <p:sld xmlns:a="http://schemas.openxmlformats.org/drawingml/2006/main" xmlns:r="http://schemas.openxmlformats.org/officeDocument/2006/relationships" xmlns:p="http://schemas.openxmlformats.org/presentationml/2006/main">
   <p:cSld>
     <p:spTree>
@@ -12010,53 +12829,6 @@
       </p:cxnSp>
       <p:cxnSp>
         <p:nvCxnSpPr>
-          <p:cNvPr id="34" name="Elbow Connector 122">
-            <a:extLst>
-              <a:ext uri="{FF2B5EF4-FFF2-40B4-BE49-F238E27FC236}">
-                <a16:creationId xmlns:a16="http://schemas.microsoft.com/office/drawing/2014/main" id="{5825D826-5256-45E0-BC1D-BE38ECF92471}"/>
-              </a:ext>
-            </a:extLst>
-          </p:cNvPr>
-          <p:cNvCxnSpPr>
-            <a:cxnSpLocks/>
-          </p:cNvCxnSpPr>
-          <p:nvPr/>
-        </p:nvCxnSpPr>
-        <p:spPr>
-          <a:xfrm flipV="1">
-            <a:off x="5587436" y="1986416"/>
-            <a:ext cx="1640814" cy="798233"/>
-          </a:xfrm>
-          <a:prstGeom prst="bentConnector3">
-            <a:avLst>
-              <a:gd name="adj1" fmla="val 99890"/>
-            </a:avLst>
-          </a:prstGeom>
-          <a:ln w="12700">
-            <a:solidFill>
-              <a:srgbClr val="545B64"/>
-            </a:solidFill>
-            <a:headEnd type="arrow" w="med" len="sm"/>
-            <a:tailEnd type="none" w="med" len="sm"/>
-          </a:ln>
-        </p:spPr>
-        <p:style>
-          <a:lnRef idx="1">
-            <a:schemeClr val="accent1"/>
-          </a:lnRef>
-          <a:fillRef idx="0">
-            <a:schemeClr val="accent1"/>
-          </a:fillRef>
-          <a:effectRef idx="0">
-            <a:schemeClr val="accent1"/>
-          </a:effectRef>
-          <a:fontRef idx="minor">
-            <a:schemeClr val="tx1"/>
-          </a:fontRef>
-        </p:style>
-      </p:cxnSp>
-      <p:cxnSp>
-        <p:nvCxnSpPr>
           <p:cNvPr id="39" name="Elbow Connector 122">
             <a:extLst>
               <a:ext uri="{FF2B5EF4-FFF2-40B4-BE49-F238E27FC236}">
@@ -12648,7 +13420,9 @@
           <a:noFill/>
           <a:ln w="3175">
             <a:solidFill>
-              <a:schemeClr val="tx1"/>
+              <a:schemeClr val="bg1">
+                <a:lumMod val="50000"/>
+              </a:schemeClr>
             </a:solidFill>
           </a:ln>
         </p:spPr>
@@ -12659,10 +13433,22 @@
           <a:lstStyle/>
           <a:p>
             <a:r>
-              <a:rPr lang="ja-JP" altLang="en-US" dirty="0"/>
+              <a:rPr lang="ja-JP" altLang="en-US" dirty="0">
+                <a:solidFill>
+                  <a:schemeClr val="bg1">
+                    <a:lumMod val="50000"/>
+                  </a:schemeClr>
+                </a:solidFill>
+              </a:rPr>
               <a:t>受取</a:t>
             </a:r>
-            <a:endParaRPr kumimoji="1" lang="ja-JP" altLang="en-US" dirty="0"/>
+            <a:endParaRPr kumimoji="1" lang="ja-JP" altLang="en-US" dirty="0">
+              <a:solidFill>
+                <a:schemeClr val="bg1">
+                  <a:lumMod val="50000"/>
+                </a:schemeClr>
+              </a:solidFill>
+            </a:endParaRPr>
           </a:p>
         </p:txBody>
       </p:sp>
@@ -12729,7 +13515,9 @@
           <a:noFill/>
           <a:ln w="3175">
             <a:solidFill>
-              <a:schemeClr val="tx1"/>
+              <a:schemeClr val="bg1">
+                <a:lumMod val="50000"/>
+              </a:schemeClr>
             </a:solidFill>
           </a:ln>
         </p:spPr>
@@ -12740,10 +13528,22 @@
           <a:lstStyle/>
           <a:p>
             <a:r>
-              <a:rPr lang="ja-JP" altLang="en-US" dirty="0"/>
+              <a:rPr lang="ja-JP" altLang="en-US" dirty="0">
+                <a:solidFill>
+                  <a:schemeClr val="bg1">
+                    <a:lumMod val="50000"/>
+                  </a:schemeClr>
+                </a:solidFill>
+              </a:rPr>
               <a:t>振分</a:t>
             </a:r>
-            <a:endParaRPr kumimoji="1" lang="ja-JP" altLang="en-US" dirty="0"/>
+            <a:endParaRPr kumimoji="1" lang="ja-JP" altLang="en-US" dirty="0">
+              <a:solidFill>
+                <a:schemeClr val="bg1">
+                  <a:lumMod val="50000"/>
+                </a:schemeClr>
+              </a:solidFill>
+            </a:endParaRPr>
           </a:p>
         </p:txBody>
       </p:sp>
@@ -12770,7 +13570,9 @@
           <a:noFill/>
           <a:ln w="3175">
             <a:solidFill>
-              <a:schemeClr val="tx1"/>
+              <a:schemeClr val="bg1">
+                <a:lumMod val="50000"/>
+              </a:schemeClr>
             </a:solidFill>
           </a:ln>
         </p:spPr>
@@ -12781,10 +13583,22 @@
           <a:lstStyle/>
           <a:p>
             <a:r>
-              <a:rPr lang="ja-JP" altLang="en-US" dirty="0"/>
+              <a:rPr lang="ja-JP" altLang="en-US" dirty="0">
+                <a:solidFill>
+                  <a:schemeClr val="bg1">
+                    <a:lumMod val="50000"/>
+                  </a:schemeClr>
+                </a:solidFill>
+              </a:rPr>
               <a:t>一覧取得</a:t>
             </a:r>
-            <a:endParaRPr kumimoji="1" lang="ja-JP" altLang="en-US" dirty="0"/>
+            <a:endParaRPr kumimoji="1" lang="ja-JP" altLang="en-US" dirty="0">
+              <a:solidFill>
+                <a:schemeClr val="bg1">
+                  <a:lumMod val="50000"/>
+                </a:schemeClr>
+              </a:solidFill>
+            </a:endParaRPr>
           </a:p>
         </p:txBody>
       </p:sp>
@@ -12910,8 +13724,8 @@
         </p:nvSpPr>
         <p:spPr>
           <a:xfrm>
-            <a:off x="6210300" y="3628834"/>
-            <a:ext cx="5826746" cy="3229164"/>
+            <a:off x="1828547" y="2063574"/>
+            <a:ext cx="8534906" cy="1928112"/>
           </a:xfrm>
           <a:prstGeom prst="rect">
             <a:avLst/>
@@ -12947,10 +13761,2639 @@
           </a:p>
         </p:txBody>
       </p:sp>
+      <p:sp>
+        <p:nvSpPr>
+          <p:cNvPr id="46" name="正方形/長方形 45">
+            <a:extLst>
+              <a:ext uri="{FF2B5EF4-FFF2-40B4-BE49-F238E27FC236}">
+                <a16:creationId xmlns:a16="http://schemas.microsoft.com/office/drawing/2014/main" id="{9C32D73C-703F-4975-AA75-7EEBB93C2ED4}"/>
+              </a:ext>
+            </a:extLst>
+          </p:cNvPr>
+          <p:cNvSpPr/>
+          <p:nvPr/>
+        </p:nvSpPr>
+        <p:spPr>
+          <a:xfrm>
+            <a:off x="6414631" y="465777"/>
+            <a:ext cx="3948821" cy="1590191"/>
+          </a:xfrm>
+          <a:prstGeom prst="rect">
+            <a:avLst/>
+          </a:prstGeom>
+          <a:noFill/>
+          <a:ln w="31750" cap="flat">
+            <a:solidFill>
+              <a:schemeClr val="accent2"/>
+            </a:solidFill>
+            <a:miter lim="800000"/>
+          </a:ln>
+        </p:spPr>
+        <p:style>
+          <a:lnRef idx="2">
+            <a:schemeClr val="accent2"/>
+          </a:lnRef>
+          <a:fillRef idx="1">
+            <a:schemeClr val="lt1"/>
+          </a:fillRef>
+          <a:effectRef idx="0">
+            <a:schemeClr val="accent2"/>
+          </a:effectRef>
+          <a:fontRef idx="minor">
+            <a:schemeClr val="dk1"/>
+          </a:fontRef>
+        </p:style>
+        <p:txBody>
+          <a:bodyPr rtlCol="0" anchor="ctr"/>
+          <a:lstStyle/>
+          <a:p>
+            <a:pPr algn="ctr"/>
+            <a:endParaRPr kumimoji="1" lang="ja-JP" altLang="en-US"/>
+          </a:p>
+        </p:txBody>
+      </p:sp>
+      <p:cxnSp>
+        <p:nvCxnSpPr>
+          <p:cNvPr id="34" name="Elbow Connector 122">
+            <a:extLst>
+              <a:ext uri="{FF2B5EF4-FFF2-40B4-BE49-F238E27FC236}">
+                <a16:creationId xmlns:a16="http://schemas.microsoft.com/office/drawing/2014/main" id="{5825D826-5256-45E0-BC1D-BE38ECF92471}"/>
+              </a:ext>
+            </a:extLst>
+          </p:cNvPr>
+          <p:cNvCxnSpPr>
+            <a:cxnSpLocks/>
+          </p:cNvCxnSpPr>
+          <p:nvPr/>
+        </p:nvCxnSpPr>
+        <p:spPr>
+          <a:xfrm flipV="1">
+            <a:off x="5587436" y="1986416"/>
+            <a:ext cx="1640814" cy="798233"/>
+          </a:xfrm>
+          <a:prstGeom prst="bentConnector3">
+            <a:avLst>
+              <a:gd name="adj1" fmla="val 99890"/>
+            </a:avLst>
+          </a:prstGeom>
+          <a:ln w="12700">
+            <a:solidFill>
+              <a:srgbClr val="545B64"/>
+            </a:solidFill>
+            <a:headEnd type="arrow" w="med" len="sm"/>
+            <a:tailEnd type="none" w="med" len="sm"/>
+          </a:ln>
+        </p:spPr>
+        <p:style>
+          <a:lnRef idx="1">
+            <a:schemeClr val="accent1"/>
+          </a:lnRef>
+          <a:fillRef idx="0">
+            <a:schemeClr val="accent1"/>
+          </a:fillRef>
+          <a:effectRef idx="0">
+            <a:schemeClr val="accent1"/>
+          </a:effectRef>
+          <a:fontRef idx="minor">
+            <a:schemeClr val="tx1"/>
+          </a:fontRef>
+        </p:style>
+      </p:cxnSp>
+      <p:cxnSp>
+        <p:nvCxnSpPr>
+          <p:cNvPr id="47" name="直線コネクタ 46">
+            <a:extLst>
+              <a:ext uri="{FF2B5EF4-FFF2-40B4-BE49-F238E27FC236}">
+                <a16:creationId xmlns:a16="http://schemas.microsoft.com/office/drawing/2014/main" id="{050FF87D-CF7D-4138-9E80-35B239452D8D}"/>
+              </a:ext>
+            </a:extLst>
+          </p:cNvPr>
+          <p:cNvCxnSpPr/>
+          <p:nvPr/>
+        </p:nvCxnSpPr>
+        <p:spPr>
+          <a:xfrm>
+            <a:off x="6414631" y="2063574"/>
+            <a:ext cx="3948821" cy="0"/>
+          </a:xfrm>
+          <a:prstGeom prst="line">
+            <a:avLst/>
+          </a:prstGeom>
+          <a:ln w="34925">
+            <a:solidFill>
+              <a:schemeClr val="bg1"/>
+            </a:solidFill>
+          </a:ln>
+        </p:spPr>
+        <p:style>
+          <a:lnRef idx="1">
+            <a:schemeClr val="accent1"/>
+          </a:lnRef>
+          <a:fillRef idx="0">
+            <a:schemeClr val="accent1"/>
+          </a:fillRef>
+          <a:effectRef idx="0">
+            <a:schemeClr val="accent1"/>
+          </a:effectRef>
+          <a:fontRef idx="minor">
+            <a:schemeClr val="tx1"/>
+          </a:fontRef>
+        </p:style>
+      </p:cxnSp>
     </p:spTree>
     <p:extLst>
       <p:ext uri="{BB962C8B-B14F-4D97-AF65-F5344CB8AC3E}">
-        <p14:creationId xmlns:p14="http://schemas.microsoft.com/office/powerpoint/2010/main" val="2883377650"/>
+        <p14:creationId xmlns:p14="http://schemas.microsoft.com/office/powerpoint/2010/main" val="4149228654"/>
+      </p:ext>
+    </p:extLst>
+  </p:cSld>
+  <p:clrMapOvr>
+    <a:masterClrMapping/>
+  </p:clrMapOvr>
+</p:sld>
+</file>
+
+<file path=ppt/slides/slide8.xml><?xml version="1.0" encoding="utf-8"?>
+<p:sld xmlns:a="http://schemas.openxmlformats.org/drawingml/2006/main" xmlns:r="http://schemas.openxmlformats.org/officeDocument/2006/relationships" xmlns:p="http://schemas.openxmlformats.org/presentationml/2006/main">
+  <p:cSld>
+    <p:spTree>
+      <p:nvGrpSpPr>
+        <p:cNvPr id="1" name=""/>
+        <p:cNvGrpSpPr/>
+        <p:nvPr/>
+      </p:nvGrpSpPr>
+      <p:grpSpPr>
+        <a:xfrm>
+          <a:off x="0" y="0"/>
+          <a:ext cx="0" cy="0"/>
+          <a:chOff x="0" y="0"/>
+          <a:chExt cx="0" cy="0"/>
+        </a:xfrm>
+      </p:grpSpPr>
+      <p:pic>
+        <p:nvPicPr>
+          <p:cNvPr id="9" name="Graphic 7">
+            <a:extLst>
+              <a:ext uri="{FF2B5EF4-FFF2-40B4-BE49-F238E27FC236}">
+                <a16:creationId xmlns:a16="http://schemas.microsoft.com/office/drawing/2014/main" id="{55846175-EDDC-4002-BD19-7EDD0231849D}"/>
+              </a:ext>
+            </a:extLst>
+          </p:cNvPr>
+          <p:cNvPicPr>
+            <a:picLocks noChangeAspect="1"/>
+          </p:cNvPicPr>
+          <p:nvPr/>
+        </p:nvPicPr>
+        <p:blipFill>
+          <a:blip r:embed="rId2">
+            <a:extLst>
+              <a:ext uri="{96DAC541-7B7A-43D3-8B79-37D633B846F1}">
+                <asvg:svgBlip xmlns:asvg="http://schemas.microsoft.com/office/drawing/2016/SVG/main" r:embed="rId3"/>
+              </a:ext>
+            </a:extLst>
+          </a:blip>
+          <a:stretch>
+            <a:fillRect/>
+          </a:stretch>
+        </p:blipFill>
+        <p:spPr>
+          <a:xfrm>
+            <a:off x="6968254" y="750217"/>
+            <a:ext cx="762000" cy="952500"/>
+          </a:xfrm>
+          <a:prstGeom prst="rect">
+            <a:avLst/>
+          </a:prstGeom>
+        </p:spPr>
+      </p:pic>
+      <p:pic>
+        <p:nvPicPr>
+          <p:cNvPr id="11" name="Graphic 59">
+            <a:extLst>
+              <a:ext uri="{FF2B5EF4-FFF2-40B4-BE49-F238E27FC236}">
+                <a16:creationId xmlns:a16="http://schemas.microsoft.com/office/drawing/2014/main" id="{B4DD1B2E-2E1D-4D1E-A72E-CC176DF994AB}"/>
+              </a:ext>
+            </a:extLst>
+          </p:cNvPr>
+          <p:cNvPicPr>
+            <a:picLocks noChangeAspect="1"/>
+          </p:cNvPicPr>
+          <p:nvPr/>
+        </p:nvPicPr>
+        <p:blipFill>
+          <a:blip r:embed="rId4">
+            <a:extLst>
+              <a:ext uri="{96DAC541-7B7A-43D3-8B79-37D633B846F1}">
+                <asvg:svgBlip xmlns:asvg="http://schemas.microsoft.com/office/drawing/2016/SVG/main" r:embed="rId5"/>
+              </a:ext>
+            </a:extLst>
+          </a:blip>
+          <a:stretch>
+            <a:fillRect/>
+          </a:stretch>
+        </p:blipFill>
+        <p:spPr>
+          <a:xfrm>
+            <a:off x="4851563" y="1308725"/>
+            <a:ext cx="762000" cy="952500"/>
+          </a:xfrm>
+          <a:prstGeom prst="rect">
+            <a:avLst/>
+          </a:prstGeom>
+        </p:spPr>
+      </p:pic>
+      <p:pic>
+        <p:nvPicPr>
+          <p:cNvPr id="13" name="Graphic 2">
+            <a:extLst>
+              <a:ext uri="{FF2B5EF4-FFF2-40B4-BE49-F238E27FC236}">
+                <a16:creationId xmlns:a16="http://schemas.microsoft.com/office/drawing/2014/main" id="{57EE68FC-B160-4D96-9BC7-488ABB7FDDF9}"/>
+              </a:ext>
+            </a:extLst>
+          </p:cNvPr>
+          <p:cNvPicPr>
+            <a:picLocks noChangeAspect="1"/>
+          </p:cNvPicPr>
+          <p:nvPr/>
+        </p:nvPicPr>
+        <p:blipFill>
+          <a:blip r:embed="rId6">
+            <a:extLst>
+              <a:ext uri="{96DAC541-7B7A-43D3-8B79-37D633B846F1}">
+                <asvg:svgBlip xmlns:asvg="http://schemas.microsoft.com/office/drawing/2016/SVG/main" r:embed="rId7"/>
+              </a:ext>
+            </a:extLst>
+          </a:blip>
+          <a:stretch>
+            <a:fillRect/>
+          </a:stretch>
+        </p:blipFill>
+        <p:spPr>
+          <a:xfrm>
+            <a:off x="8895187" y="1308724"/>
+            <a:ext cx="762000" cy="952500"/>
+          </a:xfrm>
+          <a:prstGeom prst="rect">
+            <a:avLst/>
+          </a:prstGeom>
+        </p:spPr>
+      </p:pic>
+      <p:pic>
+        <p:nvPicPr>
+          <p:cNvPr id="14" name="Graphic 2">
+            <a:extLst>
+              <a:ext uri="{FF2B5EF4-FFF2-40B4-BE49-F238E27FC236}">
+                <a16:creationId xmlns:a16="http://schemas.microsoft.com/office/drawing/2014/main" id="{3CADE54C-9BBD-45D8-A6D0-19CD3E3C1244}"/>
+              </a:ext>
+            </a:extLst>
+          </p:cNvPr>
+          <p:cNvPicPr>
+            <a:picLocks noChangeAspect="1"/>
+          </p:cNvPicPr>
+          <p:nvPr/>
+        </p:nvPicPr>
+        <p:blipFill>
+          <a:blip r:embed="rId8">
+            <a:extLst>
+              <a:ext uri="{96DAC541-7B7A-43D3-8B79-37D633B846F1}">
+                <asvg:svgBlip xmlns:asvg="http://schemas.microsoft.com/office/drawing/2016/SVG/main" r:embed="rId9"/>
+              </a:ext>
+            </a:extLst>
+          </a:blip>
+          <a:stretch>
+            <a:fillRect/>
+          </a:stretch>
+        </p:blipFill>
+        <p:spPr>
+          <a:xfrm>
+            <a:off x="2829750" y="1308725"/>
+            <a:ext cx="762000" cy="1092200"/>
+          </a:xfrm>
+          <a:prstGeom prst="rect">
+            <a:avLst/>
+          </a:prstGeom>
+        </p:spPr>
+      </p:pic>
+      <p:cxnSp>
+        <p:nvCxnSpPr>
+          <p:cNvPr id="32" name="Straight Arrow Connector 42">
+            <a:extLst>
+              <a:ext uri="{FF2B5EF4-FFF2-40B4-BE49-F238E27FC236}">
+                <a16:creationId xmlns:a16="http://schemas.microsoft.com/office/drawing/2014/main" id="{939C3442-E717-4841-BC2D-A1A2E82692E8}"/>
+              </a:ext>
+            </a:extLst>
+          </p:cNvPr>
+          <p:cNvCxnSpPr>
+            <a:cxnSpLocks/>
+          </p:cNvCxnSpPr>
+          <p:nvPr/>
+        </p:nvCxnSpPr>
+        <p:spPr>
+          <a:xfrm>
+            <a:off x="3591749" y="1681954"/>
+            <a:ext cx="1259813" cy="0"/>
+          </a:xfrm>
+          <a:prstGeom prst="straightConnector1">
+            <a:avLst/>
+          </a:prstGeom>
+          <a:ln w="12700">
+            <a:solidFill>
+              <a:srgbClr val="545B64"/>
+            </a:solidFill>
+            <a:headEnd type="none" w="med" len="sm"/>
+            <a:tailEnd type="arrow" w="med" len="sm"/>
+          </a:ln>
+        </p:spPr>
+        <p:style>
+          <a:lnRef idx="1">
+            <a:schemeClr val="accent1"/>
+          </a:lnRef>
+          <a:fillRef idx="0">
+            <a:schemeClr val="accent1"/>
+          </a:fillRef>
+          <a:effectRef idx="0">
+            <a:schemeClr val="accent1"/>
+          </a:effectRef>
+          <a:fontRef idx="minor">
+            <a:schemeClr val="tx1"/>
+          </a:fontRef>
+        </p:style>
+      </p:cxnSp>
+      <p:cxnSp>
+        <p:nvCxnSpPr>
+          <p:cNvPr id="33" name="Straight Arrow Connector 42">
+            <a:extLst>
+              <a:ext uri="{FF2B5EF4-FFF2-40B4-BE49-F238E27FC236}">
+                <a16:creationId xmlns:a16="http://schemas.microsoft.com/office/drawing/2014/main" id="{5F86128A-048D-427A-BC7C-2AB24586B4CD}"/>
+              </a:ext>
+            </a:extLst>
+          </p:cNvPr>
+          <p:cNvCxnSpPr>
+            <a:cxnSpLocks/>
+          </p:cNvCxnSpPr>
+          <p:nvPr/>
+        </p:nvCxnSpPr>
+        <p:spPr>
+          <a:xfrm flipV="1">
+            <a:off x="5613562" y="1784974"/>
+            <a:ext cx="3199513" cy="26026"/>
+          </a:xfrm>
+          <a:prstGeom prst="straightConnector1">
+            <a:avLst/>
+          </a:prstGeom>
+          <a:ln w="12700">
+            <a:solidFill>
+              <a:srgbClr val="545B64"/>
+            </a:solidFill>
+            <a:headEnd type="none" w="med" len="sm"/>
+            <a:tailEnd type="arrow" w="med" len="sm"/>
+          </a:ln>
+        </p:spPr>
+        <p:style>
+          <a:lnRef idx="1">
+            <a:schemeClr val="accent1"/>
+          </a:lnRef>
+          <a:fillRef idx="0">
+            <a:schemeClr val="accent1"/>
+          </a:fillRef>
+          <a:effectRef idx="0">
+            <a:schemeClr val="accent1"/>
+          </a:effectRef>
+          <a:fontRef idx="minor">
+            <a:schemeClr val="tx1"/>
+          </a:fontRef>
+        </p:style>
+      </p:cxnSp>
+      <p:sp>
+        <p:nvSpPr>
+          <p:cNvPr id="55" name="テキスト ボックス 54">
+            <a:extLst>
+              <a:ext uri="{FF2B5EF4-FFF2-40B4-BE49-F238E27FC236}">
+                <a16:creationId xmlns:a16="http://schemas.microsoft.com/office/drawing/2014/main" id="{EFDEAFC8-10EC-4F6F-BD1E-CF56E576F128}"/>
+              </a:ext>
+            </a:extLst>
+          </p:cNvPr>
+          <p:cNvSpPr txBox="1"/>
+          <p:nvPr/>
+        </p:nvSpPr>
+        <p:spPr>
+          <a:xfrm>
+            <a:off x="8940124" y="1086895"/>
+            <a:ext cx="723275" cy="307777"/>
+          </a:xfrm>
+          <a:prstGeom prst="rect">
+            <a:avLst/>
+          </a:prstGeom>
+          <a:noFill/>
+        </p:spPr>
+        <p:txBody>
+          <a:bodyPr wrap="none" rtlCol="0">
+            <a:spAutoFit/>
+          </a:bodyPr>
+          <a:lstStyle/>
+          <a:p>
+            <a:r>
+              <a:rPr lang="ja-JP" altLang="en-US" sz="1400" dirty="0"/>
+              <a:t>作業用</a:t>
+            </a:r>
+            <a:endParaRPr kumimoji="1" lang="ja-JP" altLang="en-US" sz="1400" dirty="0"/>
+          </a:p>
+        </p:txBody>
+      </p:sp>
+      <p:cxnSp>
+        <p:nvCxnSpPr>
+          <p:cNvPr id="34" name="Elbow Connector 122">
+            <a:extLst>
+              <a:ext uri="{FF2B5EF4-FFF2-40B4-BE49-F238E27FC236}">
+                <a16:creationId xmlns:a16="http://schemas.microsoft.com/office/drawing/2014/main" id="{5825D826-5256-45E0-BC1D-BE38ECF92471}"/>
+              </a:ext>
+            </a:extLst>
+          </p:cNvPr>
+          <p:cNvCxnSpPr>
+            <a:cxnSpLocks/>
+          </p:cNvCxnSpPr>
+          <p:nvPr/>
+        </p:nvCxnSpPr>
+        <p:spPr>
+          <a:xfrm flipV="1">
+            <a:off x="5613562" y="1135995"/>
+            <a:ext cx="1286625" cy="330274"/>
+          </a:xfrm>
+          <a:prstGeom prst="bentConnector3">
+            <a:avLst>
+              <a:gd name="adj1" fmla="val 50000"/>
+            </a:avLst>
+          </a:prstGeom>
+          <a:ln w="12700">
+            <a:solidFill>
+              <a:srgbClr val="545B64"/>
+            </a:solidFill>
+            <a:headEnd type="arrow" w="med" len="sm"/>
+            <a:tailEnd type="none" w="med" len="sm"/>
+          </a:ln>
+        </p:spPr>
+        <p:style>
+          <a:lnRef idx="1">
+            <a:schemeClr val="accent1"/>
+          </a:lnRef>
+          <a:fillRef idx="0">
+            <a:schemeClr val="accent1"/>
+          </a:fillRef>
+          <a:effectRef idx="0">
+            <a:schemeClr val="accent1"/>
+          </a:effectRef>
+          <a:fontRef idx="minor">
+            <a:schemeClr val="tx1"/>
+          </a:fontRef>
+        </p:style>
+      </p:cxnSp>
+      <p:sp>
+        <p:nvSpPr>
+          <p:cNvPr id="47" name="テキスト ボックス 46">
+            <a:extLst>
+              <a:ext uri="{FF2B5EF4-FFF2-40B4-BE49-F238E27FC236}">
+                <a16:creationId xmlns:a16="http://schemas.microsoft.com/office/drawing/2014/main" id="{7E1B88C0-498D-4055-BDA9-605605245D41}"/>
+              </a:ext>
+            </a:extLst>
+          </p:cNvPr>
+          <p:cNvSpPr txBox="1"/>
+          <p:nvPr/>
+        </p:nvSpPr>
+        <p:spPr>
+          <a:xfrm>
+            <a:off x="4007830" y="1924391"/>
+            <a:ext cx="415498" cy="369332"/>
+          </a:xfrm>
+          <a:prstGeom prst="rect">
+            <a:avLst/>
+          </a:prstGeom>
+          <a:noFill/>
+        </p:spPr>
+        <p:txBody>
+          <a:bodyPr wrap="none" rtlCol="0">
+            <a:spAutoFit/>
+          </a:bodyPr>
+          <a:lstStyle/>
+          <a:p>
+            <a:r>
+              <a:rPr kumimoji="1" lang="ja-JP" altLang="en-US" dirty="0"/>
+              <a:t>①</a:t>
+            </a:r>
+          </a:p>
+        </p:txBody>
+      </p:sp>
+      <p:sp>
+        <p:nvSpPr>
+          <p:cNvPr id="48" name="テキスト ボックス 47">
+            <a:extLst>
+              <a:ext uri="{FF2B5EF4-FFF2-40B4-BE49-F238E27FC236}">
+                <a16:creationId xmlns:a16="http://schemas.microsoft.com/office/drawing/2014/main" id="{62CE6892-1561-4C8E-8FE5-EF829C091F37}"/>
+              </a:ext>
+            </a:extLst>
+          </p:cNvPr>
+          <p:cNvSpPr txBox="1"/>
+          <p:nvPr/>
+        </p:nvSpPr>
+        <p:spPr>
+          <a:xfrm>
+            <a:off x="6049125" y="706236"/>
+            <a:ext cx="415498" cy="369332"/>
+          </a:xfrm>
+          <a:prstGeom prst="rect">
+            <a:avLst/>
+          </a:prstGeom>
+          <a:noFill/>
+        </p:spPr>
+        <p:txBody>
+          <a:bodyPr wrap="none" rtlCol="0">
+            <a:spAutoFit/>
+          </a:bodyPr>
+          <a:lstStyle/>
+          <a:p>
+            <a:r>
+              <a:rPr lang="ja-JP" altLang="en-US" dirty="0"/>
+              <a:t>②</a:t>
+            </a:r>
+            <a:endParaRPr kumimoji="1" lang="ja-JP" altLang="en-US" dirty="0"/>
+          </a:p>
+        </p:txBody>
+      </p:sp>
+      <p:sp>
+        <p:nvSpPr>
+          <p:cNvPr id="49" name="テキスト ボックス 48">
+            <a:extLst>
+              <a:ext uri="{FF2B5EF4-FFF2-40B4-BE49-F238E27FC236}">
+                <a16:creationId xmlns:a16="http://schemas.microsoft.com/office/drawing/2014/main" id="{5C88DAB7-F3BE-4215-9FE2-BA0FA222D5FB}"/>
+              </a:ext>
+            </a:extLst>
+          </p:cNvPr>
+          <p:cNvSpPr txBox="1"/>
+          <p:nvPr/>
+        </p:nvSpPr>
+        <p:spPr>
+          <a:xfrm>
+            <a:off x="6570747" y="1891892"/>
+            <a:ext cx="415498" cy="369332"/>
+          </a:xfrm>
+          <a:prstGeom prst="rect">
+            <a:avLst/>
+          </a:prstGeom>
+          <a:noFill/>
+        </p:spPr>
+        <p:txBody>
+          <a:bodyPr wrap="none" rtlCol="0">
+            <a:spAutoFit/>
+          </a:bodyPr>
+          <a:lstStyle/>
+          <a:p>
+            <a:r>
+              <a:rPr kumimoji="1" lang="ja-JP" altLang="en-US" dirty="0"/>
+              <a:t>③</a:t>
+            </a:r>
+          </a:p>
+        </p:txBody>
+      </p:sp>
+      <p:sp>
+        <p:nvSpPr>
+          <p:cNvPr id="51" name="コンテンツ プレースホルダー 2">
+            <a:extLst>
+              <a:ext uri="{FF2B5EF4-FFF2-40B4-BE49-F238E27FC236}">
+                <a16:creationId xmlns:a16="http://schemas.microsoft.com/office/drawing/2014/main" id="{E21A35E6-FBAB-435A-AD8F-A3D15F473061}"/>
+              </a:ext>
+            </a:extLst>
+          </p:cNvPr>
+          <p:cNvSpPr>
+            <a:spLocks noGrp="1"/>
+          </p:cNvSpPr>
+          <p:nvPr>
+            <p:ph idx="1"/>
+          </p:nvPr>
+        </p:nvSpPr>
+        <p:spPr>
+          <a:xfrm>
+            <a:off x="671195" y="2930316"/>
+            <a:ext cx="10861040" cy="3461593"/>
+          </a:xfrm>
+        </p:spPr>
+        <p:txBody>
+          <a:bodyPr>
+            <a:normAutofit/>
+          </a:bodyPr>
+          <a:lstStyle/>
+          <a:p>
+            <a:pPr marL="457200" indent="-457200">
+              <a:buFont typeface="+mj-ea"/>
+              <a:buAutoNum type="circleNumDbPlain"/>
+            </a:pPr>
+            <a:r>
+              <a:rPr lang="en-US" altLang="ja-JP" sz="2400" dirty="0"/>
+              <a:t>CloudWatch Events</a:t>
+            </a:r>
+            <a:r>
+              <a:rPr lang="ja-JP" altLang="en-US" sz="2400" dirty="0"/>
+              <a:t>によって、</a:t>
+            </a:r>
+            <a:r>
+              <a:rPr lang="en-US" altLang="ja-JP" sz="2000" dirty="0"/>
+              <a:t>5</a:t>
+            </a:r>
+            <a:r>
+              <a:rPr lang="ja-JP" altLang="en-US" sz="2000" dirty="0"/>
+              <a:t>分毎に</a:t>
+            </a:r>
+            <a:r>
+              <a:rPr lang="en-US" altLang="ja-JP" sz="2000" dirty="0"/>
+              <a:t>Lambda(store-request)</a:t>
+            </a:r>
+            <a:r>
+              <a:rPr lang="ja-JP" altLang="en-US" sz="2000" dirty="0"/>
+              <a:t>を呼び出す</a:t>
+            </a:r>
+          </a:p>
+          <a:p>
+            <a:pPr marL="457200" lvl="1" indent="0">
+              <a:buNone/>
+            </a:pPr>
+            <a:endParaRPr lang="en-US" altLang="ja-JP" sz="2000" dirty="0"/>
+          </a:p>
+          <a:p>
+            <a:pPr marL="457200" indent="-457200">
+              <a:buFont typeface="+mj-ea"/>
+              <a:buAutoNum type="circleNumDbPlain"/>
+            </a:pPr>
+            <a:r>
+              <a:rPr lang="en-US" altLang="ja-JP" sz="2400" dirty="0"/>
+              <a:t>Lambda(</a:t>
+            </a:r>
+            <a:r>
+              <a:rPr lang="en-US" altLang="ja-JP" sz="2400" dirty="0" err="1"/>
+              <a:t>store_request</a:t>
+            </a:r>
+            <a:r>
+              <a:rPr lang="en-US" altLang="ja-JP" sz="2400" dirty="0"/>
+              <a:t>)</a:t>
+            </a:r>
+            <a:r>
+              <a:rPr lang="ja-JP" altLang="en-US" sz="2400" dirty="0"/>
+              <a:t>が</a:t>
+            </a:r>
+            <a:r>
+              <a:rPr lang="en-US" altLang="ja-JP" sz="2400" dirty="0"/>
+              <a:t>SQS</a:t>
+            </a:r>
+            <a:r>
+              <a:rPr lang="ja-JP" altLang="en-US" sz="2400" dirty="0"/>
+              <a:t>からリクエストを取り込む</a:t>
+            </a:r>
+            <a:endParaRPr lang="en-US" altLang="ja-JP" sz="2400" dirty="0"/>
+          </a:p>
+          <a:p>
+            <a:pPr marL="457200" lvl="1" indent="0">
+              <a:buNone/>
+            </a:pPr>
+            <a:r>
+              <a:rPr lang="ja-JP" altLang="en-US" sz="2000" dirty="0"/>
+              <a:t>前フェーズで</a:t>
+            </a:r>
+            <a:r>
+              <a:rPr lang="en-US" altLang="ja-JP" sz="2000" dirty="0"/>
+              <a:t>SQS</a:t>
+            </a:r>
+            <a:r>
+              <a:rPr lang="ja-JP" altLang="en-US" sz="2000" dirty="0"/>
+              <a:t>に蓄えられたリクエストを全て取り出し、このとき重複を取り除く</a:t>
+            </a:r>
+          </a:p>
+          <a:p>
+            <a:pPr marL="457200" lvl="1" indent="0">
+              <a:buNone/>
+            </a:pPr>
+            <a:endParaRPr lang="en-US" altLang="ja-JP" sz="2000" dirty="0"/>
+          </a:p>
+          <a:p>
+            <a:pPr marL="457200" indent="-457200">
+              <a:buFont typeface="+mj-ea"/>
+              <a:buAutoNum type="circleNumDbPlain"/>
+            </a:pPr>
+            <a:r>
+              <a:rPr lang="ja-JP" altLang="en-US" sz="2400" dirty="0"/>
+              <a:t>取り出したリクエストを一つのオブジェクトにまとめる</a:t>
+            </a:r>
+          </a:p>
+          <a:p>
+            <a:pPr marL="457200" lvl="1" indent="0">
+              <a:buNone/>
+            </a:pPr>
+            <a:r>
+              <a:rPr lang="ja-JP" altLang="en-US" sz="2000" dirty="0"/>
+              <a:t>オブジェクトは、</a:t>
+            </a:r>
+            <a:r>
+              <a:rPr lang="en-US" altLang="ja-JP" sz="2000" dirty="0"/>
+              <a:t>S3</a:t>
+            </a:r>
+            <a:r>
+              <a:rPr lang="ja-JP" altLang="en-US" sz="2000" dirty="0"/>
+              <a:t>の所定の作業用フォルダに格納される</a:t>
+            </a:r>
+          </a:p>
+        </p:txBody>
+      </p:sp>
+      <p:sp>
+        <p:nvSpPr>
+          <p:cNvPr id="15" name="テキスト ボックス 14">
+            <a:extLst>
+              <a:ext uri="{FF2B5EF4-FFF2-40B4-BE49-F238E27FC236}">
+                <a16:creationId xmlns:a16="http://schemas.microsoft.com/office/drawing/2014/main" id="{28E14470-93F0-412B-9561-FEE5A9E917BA}"/>
+              </a:ext>
+            </a:extLst>
+          </p:cNvPr>
+          <p:cNvSpPr txBox="1"/>
+          <p:nvPr/>
+        </p:nvSpPr>
+        <p:spPr>
+          <a:xfrm>
+            <a:off x="449278" y="336904"/>
+            <a:ext cx="1107996" cy="369332"/>
+          </a:xfrm>
+          <a:prstGeom prst="rect">
+            <a:avLst/>
+          </a:prstGeom>
+          <a:noFill/>
+          <a:ln w="3175">
+            <a:solidFill>
+              <a:schemeClr val="tx1"/>
+            </a:solidFill>
+          </a:ln>
+        </p:spPr>
+        <p:txBody>
+          <a:bodyPr wrap="none" rtlCol="0">
+            <a:spAutoFit/>
+          </a:bodyPr>
+          <a:lstStyle/>
+          <a:p>
+            <a:r>
+              <a:rPr kumimoji="1" lang="ja-JP" altLang="en-US" dirty="0"/>
+              <a:t>一時保管</a:t>
+            </a:r>
+          </a:p>
+        </p:txBody>
+      </p:sp>
+    </p:spTree>
+    <p:extLst>
+      <p:ext uri="{BB962C8B-B14F-4D97-AF65-F5344CB8AC3E}">
+        <p14:creationId xmlns:p14="http://schemas.microsoft.com/office/powerpoint/2010/main" val="3261649681"/>
+      </p:ext>
+    </p:extLst>
+  </p:cSld>
+  <p:clrMapOvr>
+    <a:masterClrMapping/>
+  </p:clrMapOvr>
+</p:sld>
+</file>
+
+<file path=ppt/slides/slide9.xml><?xml version="1.0" encoding="utf-8"?>
+<p:sld xmlns:a="http://schemas.openxmlformats.org/drawingml/2006/main" xmlns:r="http://schemas.openxmlformats.org/officeDocument/2006/relationships" xmlns:p="http://schemas.openxmlformats.org/presentationml/2006/main">
+  <p:cSld>
+    <p:spTree>
+      <p:nvGrpSpPr>
+        <p:cNvPr id="1" name=""/>
+        <p:cNvGrpSpPr/>
+        <p:nvPr/>
+      </p:nvGrpSpPr>
+      <p:grpSpPr>
+        <a:xfrm>
+          <a:off x="0" y="0"/>
+          <a:ext cx="0" cy="0"/>
+          <a:chOff x="0" y="0"/>
+          <a:chExt cx="0" cy="0"/>
+        </a:xfrm>
+      </p:grpSpPr>
+      <p:grpSp>
+        <p:nvGrpSpPr>
+          <p:cNvPr id="4" name="Group 69">
+            <a:extLst>
+              <a:ext uri="{FF2B5EF4-FFF2-40B4-BE49-F238E27FC236}">
+                <a16:creationId xmlns:a16="http://schemas.microsoft.com/office/drawing/2014/main" id="{D363478F-CC4E-4D6F-9F9D-3E27A1F977EC}"/>
+              </a:ext>
+            </a:extLst>
+          </p:cNvPr>
+          <p:cNvGrpSpPr/>
+          <p:nvPr/>
+        </p:nvGrpSpPr>
+        <p:grpSpPr>
+          <a:xfrm>
+            <a:off x="262038" y="1104419"/>
+            <a:ext cx="1072750" cy="859842"/>
+            <a:chOff x="537920" y="3353653"/>
+            <a:chExt cx="1072750" cy="859842"/>
+          </a:xfrm>
+        </p:grpSpPr>
+        <p:pic>
+          <p:nvPicPr>
+            <p:cNvPr id="5" name="Graphic 70">
+              <a:extLst>
+                <a:ext uri="{FF2B5EF4-FFF2-40B4-BE49-F238E27FC236}">
+                  <a16:creationId xmlns:a16="http://schemas.microsoft.com/office/drawing/2014/main" id="{799C75A0-DA7C-403C-9EA0-EBE3DC82C5CE}"/>
+                </a:ext>
+              </a:extLst>
+            </p:cNvPr>
+            <p:cNvPicPr>
+              <a:picLocks noChangeAspect="1"/>
+            </p:cNvPicPr>
+            <p:nvPr/>
+          </p:nvPicPr>
+          <p:blipFill>
+            <a:blip r:embed="rId2">
+              <a:extLst>
+                <a:ext uri="{96DAC541-7B7A-43D3-8B79-37D633B846F1}">
+                  <asvg:svgBlip xmlns:asvg="http://schemas.microsoft.com/office/drawing/2016/SVG/main" r:embed="rId3"/>
+                </a:ext>
+              </a:extLst>
+            </a:blip>
+            <a:stretch>
+              <a:fillRect/>
+            </a:stretch>
+          </p:blipFill>
+          <p:spPr>
+            <a:xfrm>
+              <a:off x="788545" y="3353653"/>
+              <a:ext cx="571500" cy="571500"/>
+            </a:xfrm>
+            <a:prstGeom prst="rect">
+              <a:avLst/>
+            </a:prstGeom>
+          </p:spPr>
+        </p:pic>
+        <p:sp>
+          <p:nvSpPr>
+            <p:cNvPr id="6" name="TextBox 71">
+              <a:extLst>
+                <a:ext uri="{FF2B5EF4-FFF2-40B4-BE49-F238E27FC236}">
+                  <a16:creationId xmlns:a16="http://schemas.microsoft.com/office/drawing/2014/main" id="{FBD7C65C-0612-464E-B7F3-EA7EF74D059B}"/>
+                </a:ext>
+              </a:extLst>
+            </p:cNvPr>
+            <p:cNvSpPr txBox="1"/>
+            <p:nvPr/>
+          </p:nvSpPr>
+          <p:spPr>
+            <a:xfrm>
+              <a:off x="537920" y="3951885"/>
+              <a:ext cx="1072750" cy="261610"/>
+            </a:xfrm>
+            <a:prstGeom prst="rect">
+              <a:avLst/>
+            </a:prstGeom>
+            <a:noFill/>
+          </p:spPr>
+          <p:txBody>
+            <a:bodyPr wrap="square" rtlCol="0">
+              <a:spAutoFit/>
+            </a:bodyPr>
+            <a:lstStyle/>
+            <a:p>
+              <a:pPr algn="ctr"/>
+              <a:r>
+                <a:rPr lang="en-US" sz="1100" dirty="0">
+                  <a:solidFill>
+                    <a:srgbClr val="232F3E"/>
+                  </a:solidFill>
+                </a:rPr>
+                <a:t>Mobile client</a:t>
+              </a:r>
+            </a:p>
+          </p:txBody>
+        </p:sp>
+      </p:grpSp>
+      <p:pic>
+        <p:nvPicPr>
+          <p:cNvPr id="7" name="Graphic 3">
+            <a:extLst>
+              <a:ext uri="{FF2B5EF4-FFF2-40B4-BE49-F238E27FC236}">
+                <a16:creationId xmlns:a16="http://schemas.microsoft.com/office/drawing/2014/main" id="{A103A305-92B3-44CE-9B33-2EC04180A374}"/>
+              </a:ext>
+            </a:extLst>
+          </p:cNvPr>
+          <p:cNvPicPr>
+            <a:picLocks noChangeAspect="1"/>
+          </p:cNvPicPr>
+          <p:nvPr/>
+        </p:nvPicPr>
+        <p:blipFill>
+          <a:blip r:embed="rId4">
+            <a:extLst>
+              <a:ext uri="{96DAC541-7B7A-43D3-8B79-37D633B846F1}">
+                <asvg:svgBlip xmlns:asvg="http://schemas.microsoft.com/office/drawing/2016/SVG/main" r:embed="rId5"/>
+              </a:ext>
+            </a:extLst>
+          </a:blip>
+          <a:stretch>
+            <a:fillRect/>
+          </a:stretch>
+        </p:blipFill>
+        <p:spPr>
+          <a:xfrm>
+            <a:off x="2803624" y="999917"/>
+            <a:ext cx="762000" cy="1092200"/>
+          </a:xfrm>
+          <a:prstGeom prst="rect">
+            <a:avLst/>
+          </a:prstGeom>
+        </p:spPr>
+      </p:pic>
+      <p:pic>
+        <p:nvPicPr>
+          <p:cNvPr id="8" name="Graphic 59">
+            <a:extLst>
+              <a:ext uri="{FF2B5EF4-FFF2-40B4-BE49-F238E27FC236}">
+                <a16:creationId xmlns:a16="http://schemas.microsoft.com/office/drawing/2014/main" id="{B6D1220D-C3EE-49F3-AF41-5FDBA3FA42F0}"/>
+              </a:ext>
+            </a:extLst>
+          </p:cNvPr>
+          <p:cNvPicPr>
+            <a:picLocks noChangeAspect="1"/>
+          </p:cNvPicPr>
+          <p:nvPr/>
+        </p:nvPicPr>
+        <p:blipFill>
+          <a:blip r:embed="rId6">
+            <a:extLst>
+              <a:ext uri="{96DAC541-7B7A-43D3-8B79-37D633B846F1}">
+                <asvg:svgBlip xmlns:asvg="http://schemas.microsoft.com/office/drawing/2016/SVG/main" r:embed="rId7"/>
+              </a:ext>
+            </a:extLst>
+          </a:blip>
+          <a:stretch>
+            <a:fillRect/>
+          </a:stretch>
+        </p:blipFill>
+        <p:spPr>
+          <a:xfrm>
+            <a:off x="4825437" y="999917"/>
+            <a:ext cx="762000" cy="952500"/>
+          </a:xfrm>
+          <a:prstGeom prst="rect">
+            <a:avLst/>
+          </a:prstGeom>
+        </p:spPr>
+      </p:pic>
+      <p:pic>
+        <p:nvPicPr>
+          <p:cNvPr id="9" name="Graphic 7">
+            <a:extLst>
+              <a:ext uri="{FF2B5EF4-FFF2-40B4-BE49-F238E27FC236}">
+                <a16:creationId xmlns:a16="http://schemas.microsoft.com/office/drawing/2014/main" id="{55846175-EDDC-4002-BD19-7EDD0231849D}"/>
+              </a:ext>
+            </a:extLst>
+          </p:cNvPr>
+          <p:cNvPicPr>
+            <a:picLocks noChangeAspect="1"/>
+          </p:cNvPicPr>
+          <p:nvPr/>
+        </p:nvPicPr>
+        <p:blipFill>
+          <a:blip r:embed="rId8">
+            <a:extLst>
+              <a:ext uri="{96DAC541-7B7A-43D3-8B79-37D633B846F1}">
+                <asvg:svgBlip xmlns:asvg="http://schemas.microsoft.com/office/drawing/2016/SVG/main" r:embed="rId9"/>
+              </a:ext>
+            </a:extLst>
+          </a:blip>
+          <a:stretch>
+            <a:fillRect/>
+          </a:stretch>
+        </p:blipFill>
+        <p:spPr>
+          <a:xfrm>
+            <a:off x="6847250" y="999917"/>
+            <a:ext cx="762000" cy="952500"/>
+          </a:xfrm>
+          <a:prstGeom prst="rect">
+            <a:avLst/>
+          </a:prstGeom>
+        </p:spPr>
+      </p:pic>
+      <p:pic>
+        <p:nvPicPr>
+          <p:cNvPr id="11" name="Graphic 59">
+            <a:extLst>
+              <a:ext uri="{FF2B5EF4-FFF2-40B4-BE49-F238E27FC236}">
+                <a16:creationId xmlns:a16="http://schemas.microsoft.com/office/drawing/2014/main" id="{B4DD1B2E-2E1D-4D1E-A72E-CC176DF994AB}"/>
+              </a:ext>
+            </a:extLst>
+          </p:cNvPr>
+          <p:cNvPicPr>
+            <a:picLocks noChangeAspect="1"/>
+          </p:cNvPicPr>
+          <p:nvPr/>
+        </p:nvPicPr>
+        <p:blipFill>
+          <a:blip r:embed="rId6">
+            <a:extLst>
+              <a:ext uri="{96DAC541-7B7A-43D3-8B79-37D633B846F1}">
+                <asvg:svgBlip xmlns:asvg="http://schemas.microsoft.com/office/drawing/2016/SVG/main" r:embed="rId7"/>
+              </a:ext>
+            </a:extLst>
+          </a:blip>
+          <a:stretch>
+            <a:fillRect/>
+          </a:stretch>
+        </p:blipFill>
+        <p:spPr>
+          <a:xfrm>
+            <a:off x="4825437" y="2536634"/>
+            <a:ext cx="762000" cy="952500"/>
+          </a:xfrm>
+          <a:prstGeom prst="rect">
+            <a:avLst/>
+          </a:prstGeom>
+        </p:spPr>
+      </p:pic>
+      <p:pic>
+        <p:nvPicPr>
+          <p:cNvPr id="14" name="Graphic 2">
+            <a:extLst>
+              <a:ext uri="{FF2B5EF4-FFF2-40B4-BE49-F238E27FC236}">
+                <a16:creationId xmlns:a16="http://schemas.microsoft.com/office/drawing/2014/main" id="{3CADE54C-9BBD-45D8-A6D0-19CD3E3C1244}"/>
+              </a:ext>
+            </a:extLst>
+          </p:cNvPr>
+          <p:cNvPicPr>
+            <a:picLocks noChangeAspect="1"/>
+          </p:cNvPicPr>
+          <p:nvPr/>
+        </p:nvPicPr>
+        <p:blipFill>
+          <a:blip r:embed="rId10">
+            <a:extLst>
+              <a:ext uri="{96DAC541-7B7A-43D3-8B79-37D633B846F1}">
+                <asvg:svgBlip xmlns:asvg="http://schemas.microsoft.com/office/drawing/2016/SVG/main" r:embed="rId11"/>
+              </a:ext>
+            </a:extLst>
+          </a:blip>
+          <a:stretch>
+            <a:fillRect/>
+          </a:stretch>
+        </p:blipFill>
+        <p:spPr>
+          <a:xfrm>
+            <a:off x="2803624" y="2536634"/>
+            <a:ext cx="762000" cy="1092200"/>
+          </a:xfrm>
+          <a:prstGeom prst="rect">
+            <a:avLst/>
+          </a:prstGeom>
+        </p:spPr>
+      </p:pic>
+      <p:pic>
+        <p:nvPicPr>
+          <p:cNvPr id="18" name="Graphic 59">
+            <a:extLst>
+              <a:ext uri="{FF2B5EF4-FFF2-40B4-BE49-F238E27FC236}">
+                <a16:creationId xmlns:a16="http://schemas.microsoft.com/office/drawing/2014/main" id="{5E5B22F8-B044-4392-838C-DB5098A844B2}"/>
+              </a:ext>
+            </a:extLst>
+          </p:cNvPr>
+          <p:cNvPicPr>
+            <a:picLocks noChangeAspect="1"/>
+          </p:cNvPicPr>
+          <p:nvPr/>
+        </p:nvPicPr>
+        <p:blipFill>
+          <a:blip r:embed="rId6">
+            <a:extLst>
+              <a:ext uri="{96DAC541-7B7A-43D3-8B79-37D633B846F1}">
+                <asvg:svgBlip xmlns:asvg="http://schemas.microsoft.com/office/drawing/2016/SVG/main" r:embed="rId7"/>
+              </a:ext>
+            </a:extLst>
+          </a:blip>
+          <a:stretch>
+            <a:fillRect/>
+          </a:stretch>
+        </p:blipFill>
+        <p:spPr>
+          <a:xfrm>
+            <a:off x="4825437" y="4096838"/>
+            <a:ext cx="762000" cy="952500"/>
+          </a:xfrm>
+          <a:prstGeom prst="rect">
+            <a:avLst/>
+          </a:prstGeom>
+        </p:spPr>
+      </p:pic>
+      <p:pic>
+        <p:nvPicPr>
+          <p:cNvPr id="19" name="Graphic 2">
+            <a:extLst>
+              <a:ext uri="{FF2B5EF4-FFF2-40B4-BE49-F238E27FC236}">
+                <a16:creationId xmlns:a16="http://schemas.microsoft.com/office/drawing/2014/main" id="{B2D5FC1A-1D96-426F-B4E3-4C42DB443A36}"/>
+              </a:ext>
+            </a:extLst>
+          </p:cNvPr>
+          <p:cNvPicPr>
+            <a:picLocks noChangeAspect="1"/>
+          </p:cNvPicPr>
+          <p:nvPr/>
+        </p:nvPicPr>
+        <p:blipFill>
+          <a:blip r:embed="rId10">
+            <a:extLst>
+              <a:ext uri="{96DAC541-7B7A-43D3-8B79-37D633B846F1}">
+                <asvg:svgBlip xmlns:asvg="http://schemas.microsoft.com/office/drawing/2016/SVG/main" r:embed="rId11"/>
+              </a:ext>
+            </a:extLst>
+          </a:blip>
+          <a:stretch>
+            <a:fillRect/>
+          </a:stretch>
+        </p:blipFill>
+        <p:spPr>
+          <a:xfrm>
+            <a:off x="2831493" y="4073351"/>
+            <a:ext cx="762000" cy="1092200"/>
+          </a:xfrm>
+          <a:prstGeom prst="rect">
+            <a:avLst/>
+          </a:prstGeom>
+        </p:spPr>
+      </p:pic>
+      <p:pic>
+        <p:nvPicPr>
+          <p:cNvPr id="20" name="Graphic 2">
+            <a:extLst>
+              <a:ext uri="{FF2B5EF4-FFF2-40B4-BE49-F238E27FC236}">
+                <a16:creationId xmlns:a16="http://schemas.microsoft.com/office/drawing/2014/main" id="{9E9E899A-6D02-4444-B759-095E2741AF9B}"/>
+              </a:ext>
+            </a:extLst>
+          </p:cNvPr>
+          <p:cNvPicPr>
+            <a:picLocks noChangeAspect="1"/>
+          </p:cNvPicPr>
+          <p:nvPr/>
+        </p:nvPicPr>
+        <p:blipFill>
+          <a:blip r:embed="rId12">
+            <a:extLst>
+              <a:ext uri="{96DAC541-7B7A-43D3-8B79-37D633B846F1}">
+                <asvg:svgBlip xmlns:asvg="http://schemas.microsoft.com/office/drawing/2016/SVG/main" r:embed="rId13"/>
+              </a:ext>
+            </a:extLst>
+          </a:blip>
+          <a:stretch>
+            <a:fillRect/>
+          </a:stretch>
+        </p:blipFill>
+        <p:spPr>
+          <a:xfrm>
+            <a:off x="10259120" y="4049409"/>
+            <a:ext cx="762000" cy="952500"/>
+          </a:xfrm>
+          <a:prstGeom prst="rect">
+            <a:avLst/>
+          </a:prstGeom>
+        </p:spPr>
+      </p:pic>
+      <p:pic>
+        <p:nvPicPr>
+          <p:cNvPr id="21" name="Graphic 2">
+            <a:extLst>
+              <a:ext uri="{FF2B5EF4-FFF2-40B4-BE49-F238E27FC236}">
+                <a16:creationId xmlns:a16="http://schemas.microsoft.com/office/drawing/2014/main" id="{BE3678C0-603A-4DCB-8F62-2B8D9249700A}"/>
+              </a:ext>
+            </a:extLst>
+          </p:cNvPr>
+          <p:cNvPicPr>
+            <a:picLocks noChangeAspect="1"/>
+          </p:cNvPicPr>
+          <p:nvPr/>
+        </p:nvPicPr>
+        <p:blipFill>
+          <a:blip r:embed="rId14">
+            <a:extLst>
+              <a:ext uri="{96DAC541-7B7A-43D3-8B79-37D633B846F1}">
+                <asvg:svgBlip xmlns:asvg="http://schemas.microsoft.com/office/drawing/2016/SVG/main" r:embed="rId15"/>
+              </a:ext>
+            </a:extLst>
+          </a:blip>
+          <a:stretch>
+            <a:fillRect/>
+          </a:stretch>
+        </p:blipFill>
+        <p:spPr>
+          <a:xfrm>
+            <a:off x="6847250" y="4073351"/>
+            <a:ext cx="762000" cy="952500"/>
+          </a:xfrm>
+          <a:prstGeom prst="rect">
+            <a:avLst/>
+          </a:prstGeom>
+        </p:spPr>
+      </p:pic>
+      <p:pic>
+        <p:nvPicPr>
+          <p:cNvPr id="23" name="Graphic 26">
+            <a:extLst>
+              <a:ext uri="{FF2B5EF4-FFF2-40B4-BE49-F238E27FC236}">
+                <a16:creationId xmlns:a16="http://schemas.microsoft.com/office/drawing/2014/main" id="{B070B8B4-CED1-45EC-AE11-201572FEA4D6}"/>
+              </a:ext>
+            </a:extLst>
+          </p:cNvPr>
+          <p:cNvPicPr>
+            <a:picLocks noChangeAspect="1"/>
+          </p:cNvPicPr>
+          <p:nvPr/>
+        </p:nvPicPr>
+        <p:blipFill>
+          <a:blip r:embed="rId16">
+            <a:extLst>
+              <a:ext uri="{96DAC541-7B7A-43D3-8B79-37D633B846F1}">
+                <asvg:svgBlip xmlns:asvg="http://schemas.microsoft.com/office/drawing/2016/SVG/main" r:embed="rId17"/>
+              </a:ext>
+            </a:extLst>
+          </a:blip>
+          <a:stretch>
+            <a:fillRect/>
+          </a:stretch>
+        </p:blipFill>
+        <p:spPr>
+          <a:xfrm>
+            <a:off x="8869061" y="5610069"/>
+            <a:ext cx="762000" cy="1092200"/>
+          </a:xfrm>
+          <a:prstGeom prst="rect">
+            <a:avLst/>
+          </a:prstGeom>
+        </p:spPr>
+      </p:pic>
+      <p:pic>
+        <p:nvPicPr>
+          <p:cNvPr id="24" name="Graphic 2">
+            <a:extLst>
+              <a:ext uri="{FF2B5EF4-FFF2-40B4-BE49-F238E27FC236}">
+                <a16:creationId xmlns:a16="http://schemas.microsoft.com/office/drawing/2014/main" id="{C800DC76-5395-4929-9BFD-B130C7F11D51}"/>
+              </a:ext>
+            </a:extLst>
+          </p:cNvPr>
+          <p:cNvPicPr>
+            <a:picLocks noChangeAspect="1"/>
+          </p:cNvPicPr>
+          <p:nvPr/>
+        </p:nvPicPr>
+        <p:blipFill>
+          <a:blip r:embed="rId12">
+            <a:extLst>
+              <a:ext uri="{96DAC541-7B7A-43D3-8B79-37D633B846F1}">
+                <asvg:svgBlip xmlns:asvg="http://schemas.microsoft.com/office/drawing/2016/SVG/main" r:embed="rId13"/>
+              </a:ext>
+            </a:extLst>
+          </a:blip>
+          <a:stretch>
+            <a:fillRect/>
+          </a:stretch>
+        </p:blipFill>
+        <p:spPr>
+          <a:xfrm>
+            <a:off x="6847247" y="5610069"/>
+            <a:ext cx="762000" cy="952500"/>
+          </a:xfrm>
+          <a:prstGeom prst="rect">
+            <a:avLst/>
+          </a:prstGeom>
+        </p:spPr>
+      </p:pic>
+      <p:cxnSp>
+        <p:nvCxnSpPr>
+          <p:cNvPr id="25" name="Straight Arrow Connector 42">
+            <a:extLst>
+              <a:ext uri="{FF2B5EF4-FFF2-40B4-BE49-F238E27FC236}">
+                <a16:creationId xmlns:a16="http://schemas.microsoft.com/office/drawing/2014/main" id="{2243A0E8-854A-4B47-838A-A7EB923BC4F1}"/>
+              </a:ext>
+            </a:extLst>
+          </p:cNvPr>
+          <p:cNvCxnSpPr>
+            <a:cxnSpLocks/>
+          </p:cNvCxnSpPr>
+          <p:nvPr/>
+        </p:nvCxnSpPr>
+        <p:spPr>
+          <a:xfrm>
+            <a:off x="1084163" y="1393527"/>
+            <a:ext cx="1719461" cy="0"/>
+          </a:xfrm>
+          <a:prstGeom prst="straightConnector1">
+            <a:avLst/>
+          </a:prstGeom>
+          <a:ln w="12700">
+            <a:solidFill>
+              <a:srgbClr val="545B64"/>
+            </a:solidFill>
+            <a:headEnd type="none" w="med" len="sm"/>
+            <a:tailEnd type="arrow" w="med" len="sm"/>
+          </a:ln>
+        </p:spPr>
+        <p:style>
+          <a:lnRef idx="1">
+            <a:schemeClr val="accent1"/>
+          </a:lnRef>
+          <a:fillRef idx="0">
+            <a:schemeClr val="accent1"/>
+          </a:fillRef>
+          <a:effectRef idx="0">
+            <a:schemeClr val="accent1"/>
+          </a:effectRef>
+          <a:fontRef idx="minor">
+            <a:schemeClr val="tx1"/>
+          </a:fontRef>
+        </p:style>
+      </p:cxnSp>
+      <p:cxnSp>
+        <p:nvCxnSpPr>
+          <p:cNvPr id="27" name="Straight Arrow Connector 42">
+            <a:extLst>
+              <a:ext uri="{FF2B5EF4-FFF2-40B4-BE49-F238E27FC236}">
+                <a16:creationId xmlns:a16="http://schemas.microsoft.com/office/drawing/2014/main" id="{931111E7-3A90-4FCC-AF53-7CEBF1F973C4}"/>
+              </a:ext>
+            </a:extLst>
+          </p:cNvPr>
+          <p:cNvCxnSpPr>
+            <a:cxnSpLocks/>
+          </p:cNvCxnSpPr>
+          <p:nvPr/>
+        </p:nvCxnSpPr>
+        <p:spPr>
+          <a:xfrm>
+            <a:off x="3565624" y="1398926"/>
+            <a:ext cx="1259813" cy="0"/>
+          </a:xfrm>
+          <a:prstGeom prst="straightConnector1">
+            <a:avLst/>
+          </a:prstGeom>
+          <a:ln w="12700">
+            <a:solidFill>
+              <a:srgbClr val="545B64"/>
+            </a:solidFill>
+            <a:headEnd type="none" w="med" len="sm"/>
+            <a:tailEnd type="arrow" w="med" len="sm"/>
+          </a:ln>
+        </p:spPr>
+        <p:style>
+          <a:lnRef idx="1">
+            <a:schemeClr val="accent1"/>
+          </a:lnRef>
+          <a:fillRef idx="0">
+            <a:schemeClr val="accent1"/>
+          </a:fillRef>
+          <a:effectRef idx="0">
+            <a:schemeClr val="accent1"/>
+          </a:effectRef>
+          <a:fontRef idx="minor">
+            <a:schemeClr val="tx1"/>
+          </a:fontRef>
+        </p:style>
+      </p:cxnSp>
+      <p:cxnSp>
+        <p:nvCxnSpPr>
+          <p:cNvPr id="28" name="Straight Arrow Connector 42">
+            <a:extLst>
+              <a:ext uri="{FF2B5EF4-FFF2-40B4-BE49-F238E27FC236}">
+                <a16:creationId xmlns:a16="http://schemas.microsoft.com/office/drawing/2014/main" id="{E651CB5D-94A7-49DF-A8FC-18147D536FF8}"/>
+              </a:ext>
+            </a:extLst>
+          </p:cNvPr>
+          <p:cNvCxnSpPr>
+            <a:cxnSpLocks/>
+          </p:cNvCxnSpPr>
+          <p:nvPr/>
+        </p:nvCxnSpPr>
+        <p:spPr>
+          <a:xfrm>
+            <a:off x="5587437" y="1382661"/>
+            <a:ext cx="1259813" cy="0"/>
+          </a:xfrm>
+          <a:prstGeom prst="straightConnector1">
+            <a:avLst/>
+          </a:prstGeom>
+          <a:ln w="12700">
+            <a:solidFill>
+              <a:srgbClr val="545B64"/>
+            </a:solidFill>
+            <a:headEnd type="none" w="med" len="sm"/>
+            <a:tailEnd type="arrow" w="med" len="sm"/>
+          </a:ln>
+        </p:spPr>
+        <p:style>
+          <a:lnRef idx="1">
+            <a:schemeClr val="accent1"/>
+          </a:lnRef>
+          <a:fillRef idx="0">
+            <a:schemeClr val="accent1"/>
+          </a:fillRef>
+          <a:effectRef idx="0">
+            <a:schemeClr val="accent1"/>
+          </a:effectRef>
+          <a:fontRef idx="minor">
+            <a:schemeClr val="tx1"/>
+          </a:fontRef>
+        </p:style>
+      </p:cxnSp>
+      <p:cxnSp>
+        <p:nvCxnSpPr>
+          <p:cNvPr id="32" name="Straight Arrow Connector 42">
+            <a:extLst>
+              <a:ext uri="{FF2B5EF4-FFF2-40B4-BE49-F238E27FC236}">
+                <a16:creationId xmlns:a16="http://schemas.microsoft.com/office/drawing/2014/main" id="{939C3442-E717-4841-BC2D-A1A2E82692E8}"/>
+              </a:ext>
+            </a:extLst>
+          </p:cNvPr>
+          <p:cNvCxnSpPr>
+            <a:cxnSpLocks/>
+          </p:cNvCxnSpPr>
+          <p:nvPr/>
+        </p:nvCxnSpPr>
+        <p:spPr>
+          <a:xfrm>
+            <a:off x="3565623" y="2909863"/>
+            <a:ext cx="1259813" cy="0"/>
+          </a:xfrm>
+          <a:prstGeom prst="straightConnector1">
+            <a:avLst/>
+          </a:prstGeom>
+          <a:ln w="12700">
+            <a:solidFill>
+              <a:srgbClr val="545B64"/>
+            </a:solidFill>
+            <a:headEnd type="none" w="med" len="sm"/>
+            <a:tailEnd type="arrow" w="med" len="sm"/>
+          </a:ln>
+        </p:spPr>
+        <p:style>
+          <a:lnRef idx="1">
+            <a:schemeClr val="accent1"/>
+          </a:lnRef>
+          <a:fillRef idx="0">
+            <a:schemeClr val="accent1"/>
+          </a:fillRef>
+          <a:effectRef idx="0">
+            <a:schemeClr val="accent1"/>
+          </a:effectRef>
+          <a:fontRef idx="minor">
+            <a:schemeClr val="tx1"/>
+          </a:fontRef>
+        </p:style>
+      </p:cxnSp>
+      <p:cxnSp>
+        <p:nvCxnSpPr>
+          <p:cNvPr id="33" name="Straight Arrow Connector 42">
+            <a:extLst>
+              <a:ext uri="{FF2B5EF4-FFF2-40B4-BE49-F238E27FC236}">
+                <a16:creationId xmlns:a16="http://schemas.microsoft.com/office/drawing/2014/main" id="{5F86128A-048D-427A-BC7C-2AB24586B4CD}"/>
+              </a:ext>
+            </a:extLst>
+          </p:cNvPr>
+          <p:cNvCxnSpPr>
+            <a:cxnSpLocks/>
+          </p:cNvCxnSpPr>
+          <p:nvPr/>
+        </p:nvCxnSpPr>
+        <p:spPr>
+          <a:xfrm flipV="1">
+            <a:off x="5587436" y="3012883"/>
+            <a:ext cx="3199513" cy="26026"/>
+          </a:xfrm>
+          <a:prstGeom prst="straightConnector1">
+            <a:avLst/>
+          </a:prstGeom>
+          <a:ln w="12700">
+            <a:solidFill>
+              <a:srgbClr val="545B64"/>
+            </a:solidFill>
+            <a:headEnd type="none" w="med" len="sm"/>
+            <a:tailEnd type="arrow" w="med" len="sm"/>
+          </a:ln>
+        </p:spPr>
+        <p:style>
+          <a:lnRef idx="1">
+            <a:schemeClr val="accent1"/>
+          </a:lnRef>
+          <a:fillRef idx="0">
+            <a:schemeClr val="accent1"/>
+          </a:fillRef>
+          <a:effectRef idx="0">
+            <a:schemeClr val="accent1"/>
+          </a:effectRef>
+          <a:fontRef idx="minor">
+            <a:schemeClr val="tx1"/>
+          </a:fontRef>
+        </p:style>
+      </p:cxnSp>
+      <p:cxnSp>
+        <p:nvCxnSpPr>
+          <p:cNvPr id="34" name="Elbow Connector 122">
+            <a:extLst>
+              <a:ext uri="{FF2B5EF4-FFF2-40B4-BE49-F238E27FC236}">
+                <a16:creationId xmlns:a16="http://schemas.microsoft.com/office/drawing/2014/main" id="{5825D826-5256-45E0-BC1D-BE38ECF92471}"/>
+              </a:ext>
+            </a:extLst>
+          </p:cNvPr>
+          <p:cNvCxnSpPr>
+            <a:cxnSpLocks/>
+          </p:cNvCxnSpPr>
+          <p:nvPr/>
+        </p:nvCxnSpPr>
+        <p:spPr>
+          <a:xfrm flipV="1">
+            <a:off x="5587436" y="1986416"/>
+            <a:ext cx="1640814" cy="798233"/>
+          </a:xfrm>
+          <a:prstGeom prst="bentConnector3">
+            <a:avLst>
+              <a:gd name="adj1" fmla="val 99890"/>
+            </a:avLst>
+          </a:prstGeom>
+          <a:ln w="12700">
+            <a:solidFill>
+              <a:srgbClr val="545B64"/>
+            </a:solidFill>
+            <a:headEnd type="arrow" w="med" len="sm"/>
+            <a:tailEnd type="none" w="med" len="sm"/>
+          </a:ln>
+        </p:spPr>
+        <p:style>
+          <a:lnRef idx="1">
+            <a:schemeClr val="accent1"/>
+          </a:lnRef>
+          <a:fillRef idx="0">
+            <a:schemeClr val="accent1"/>
+          </a:fillRef>
+          <a:effectRef idx="0">
+            <a:schemeClr val="accent1"/>
+          </a:effectRef>
+          <a:fontRef idx="minor">
+            <a:schemeClr val="tx1"/>
+          </a:fontRef>
+        </p:style>
+      </p:cxnSp>
+      <p:cxnSp>
+        <p:nvCxnSpPr>
+          <p:cNvPr id="39" name="Elbow Connector 122">
+            <a:extLst>
+              <a:ext uri="{FF2B5EF4-FFF2-40B4-BE49-F238E27FC236}">
+                <a16:creationId xmlns:a16="http://schemas.microsoft.com/office/drawing/2014/main" id="{1189CC59-29A5-4BD4-B6BE-7A6C4951AB9B}"/>
+              </a:ext>
+            </a:extLst>
+          </p:cNvPr>
+          <p:cNvCxnSpPr>
+            <a:cxnSpLocks/>
+          </p:cNvCxnSpPr>
+          <p:nvPr/>
+        </p:nvCxnSpPr>
+        <p:spPr>
+          <a:xfrm flipV="1">
+            <a:off x="7609247" y="3514384"/>
+            <a:ext cx="1640814" cy="798233"/>
+          </a:xfrm>
+          <a:prstGeom prst="bentConnector3">
+            <a:avLst>
+              <a:gd name="adj1" fmla="val 99890"/>
+            </a:avLst>
+          </a:prstGeom>
+          <a:ln w="12700">
+            <a:solidFill>
+              <a:srgbClr val="545B64"/>
+            </a:solidFill>
+            <a:headEnd type="arrow" w="med" len="sm"/>
+            <a:tailEnd type="none" w="med" len="sm"/>
+          </a:ln>
+        </p:spPr>
+        <p:style>
+          <a:lnRef idx="1">
+            <a:schemeClr val="accent1"/>
+          </a:lnRef>
+          <a:fillRef idx="0">
+            <a:schemeClr val="accent1"/>
+          </a:fillRef>
+          <a:effectRef idx="0">
+            <a:schemeClr val="accent1"/>
+          </a:effectRef>
+          <a:fontRef idx="minor">
+            <a:schemeClr val="tx1"/>
+          </a:fontRef>
+        </p:style>
+      </p:cxnSp>
+      <p:cxnSp>
+        <p:nvCxnSpPr>
+          <p:cNvPr id="40" name="Straight Arrow Connector 42">
+            <a:extLst>
+              <a:ext uri="{FF2B5EF4-FFF2-40B4-BE49-F238E27FC236}">
+                <a16:creationId xmlns:a16="http://schemas.microsoft.com/office/drawing/2014/main" id="{8931444F-91A9-48A2-B5BD-34BB785BFF93}"/>
+              </a:ext>
+            </a:extLst>
+          </p:cNvPr>
+          <p:cNvCxnSpPr>
+            <a:cxnSpLocks/>
+          </p:cNvCxnSpPr>
+          <p:nvPr/>
+        </p:nvCxnSpPr>
+        <p:spPr>
+          <a:xfrm flipV="1">
+            <a:off x="7650304" y="4525659"/>
+            <a:ext cx="2514896" cy="1766"/>
+          </a:xfrm>
+          <a:prstGeom prst="straightConnector1">
+            <a:avLst/>
+          </a:prstGeom>
+          <a:ln w="12700">
+            <a:solidFill>
+              <a:srgbClr val="545B64"/>
+            </a:solidFill>
+            <a:headEnd type="none" w="med" len="sm"/>
+            <a:tailEnd type="arrow" w="med" len="sm"/>
+          </a:ln>
+        </p:spPr>
+        <p:style>
+          <a:lnRef idx="1">
+            <a:schemeClr val="accent1"/>
+          </a:lnRef>
+          <a:fillRef idx="0">
+            <a:schemeClr val="accent1"/>
+          </a:fillRef>
+          <a:effectRef idx="0">
+            <a:schemeClr val="accent1"/>
+          </a:effectRef>
+          <a:fontRef idx="minor">
+            <a:schemeClr val="tx1"/>
+          </a:fontRef>
+        </p:style>
+      </p:cxnSp>
+      <p:cxnSp>
+        <p:nvCxnSpPr>
+          <p:cNvPr id="41" name="Straight Arrow Connector 42">
+            <a:extLst>
+              <a:ext uri="{FF2B5EF4-FFF2-40B4-BE49-F238E27FC236}">
+                <a16:creationId xmlns:a16="http://schemas.microsoft.com/office/drawing/2014/main" id="{6132CFB3-7135-4A3C-B606-77143EFA5503}"/>
+              </a:ext>
+            </a:extLst>
+          </p:cNvPr>
+          <p:cNvCxnSpPr>
+            <a:cxnSpLocks/>
+          </p:cNvCxnSpPr>
+          <p:nvPr/>
+        </p:nvCxnSpPr>
+        <p:spPr>
+          <a:xfrm>
+            <a:off x="3583399" y="4446926"/>
+            <a:ext cx="1259813" cy="0"/>
+          </a:xfrm>
+          <a:prstGeom prst="straightConnector1">
+            <a:avLst/>
+          </a:prstGeom>
+          <a:ln w="12700">
+            <a:solidFill>
+              <a:srgbClr val="545B64"/>
+            </a:solidFill>
+            <a:headEnd type="none" w="med" len="sm"/>
+            <a:tailEnd type="arrow" w="med" len="sm"/>
+          </a:ln>
+        </p:spPr>
+        <p:style>
+          <a:lnRef idx="1">
+            <a:schemeClr val="accent1"/>
+          </a:lnRef>
+          <a:fillRef idx="0">
+            <a:schemeClr val="accent1"/>
+          </a:fillRef>
+          <a:effectRef idx="0">
+            <a:schemeClr val="accent1"/>
+          </a:effectRef>
+          <a:fontRef idx="minor">
+            <a:schemeClr val="tx1"/>
+          </a:fontRef>
+        </p:style>
+      </p:cxnSp>
+      <p:cxnSp>
+        <p:nvCxnSpPr>
+          <p:cNvPr id="45" name="Straight Arrow Connector 42">
+            <a:extLst>
+              <a:ext uri="{FF2B5EF4-FFF2-40B4-BE49-F238E27FC236}">
+                <a16:creationId xmlns:a16="http://schemas.microsoft.com/office/drawing/2014/main" id="{7851DAA9-3BB9-41FE-927D-B98B8CF6E9C8}"/>
+              </a:ext>
+            </a:extLst>
+          </p:cNvPr>
+          <p:cNvCxnSpPr>
+            <a:cxnSpLocks/>
+          </p:cNvCxnSpPr>
+          <p:nvPr/>
+        </p:nvCxnSpPr>
+        <p:spPr>
+          <a:xfrm>
+            <a:off x="5587437" y="4448126"/>
+            <a:ext cx="1259813" cy="0"/>
+          </a:xfrm>
+          <a:prstGeom prst="straightConnector1">
+            <a:avLst/>
+          </a:prstGeom>
+          <a:ln w="12700">
+            <a:solidFill>
+              <a:srgbClr val="545B64"/>
+            </a:solidFill>
+            <a:headEnd type="none" w="med" len="sm"/>
+            <a:tailEnd type="arrow" w="med" len="sm"/>
+          </a:ln>
+        </p:spPr>
+        <p:style>
+          <a:lnRef idx="1">
+            <a:schemeClr val="accent1"/>
+          </a:lnRef>
+          <a:fillRef idx="0">
+            <a:schemeClr val="accent1"/>
+          </a:fillRef>
+          <a:effectRef idx="0">
+            <a:schemeClr val="accent1"/>
+          </a:effectRef>
+          <a:fontRef idx="minor">
+            <a:schemeClr val="tx1"/>
+          </a:fontRef>
+        </p:style>
+      </p:cxnSp>
+      <p:cxnSp>
+        <p:nvCxnSpPr>
+          <p:cNvPr id="58" name="Elbow Connector 122">
+            <a:extLst>
+              <a:ext uri="{FF2B5EF4-FFF2-40B4-BE49-F238E27FC236}">
+                <a16:creationId xmlns:a16="http://schemas.microsoft.com/office/drawing/2014/main" id="{2808F6CE-FDC2-470B-A975-6165D7BB98B6}"/>
+              </a:ext>
+            </a:extLst>
+          </p:cNvPr>
+          <p:cNvCxnSpPr>
+            <a:cxnSpLocks/>
+            <a:stCxn id="23" idx="0"/>
+          </p:cNvCxnSpPr>
+          <p:nvPr/>
+        </p:nvCxnSpPr>
+        <p:spPr>
+          <a:xfrm rot="16200000" flipV="1">
+            <a:off x="8027512" y="4387520"/>
+            <a:ext cx="845342" cy="1599756"/>
+          </a:xfrm>
+          <a:prstGeom prst="bentConnector2">
+            <a:avLst/>
+          </a:prstGeom>
+          <a:ln w="12700">
+            <a:solidFill>
+              <a:srgbClr val="545B64"/>
+            </a:solidFill>
+            <a:headEnd type="arrow" w="med" len="sm"/>
+            <a:tailEnd type="none" w="med" len="sm"/>
+          </a:ln>
+        </p:spPr>
+        <p:style>
+          <a:lnRef idx="1">
+            <a:schemeClr val="accent1"/>
+          </a:lnRef>
+          <a:fillRef idx="0">
+            <a:schemeClr val="accent1"/>
+          </a:fillRef>
+          <a:effectRef idx="0">
+            <a:schemeClr val="accent1"/>
+          </a:effectRef>
+          <a:fontRef idx="minor">
+            <a:schemeClr val="tx1"/>
+          </a:fontRef>
+        </p:style>
+      </p:cxnSp>
+      <p:sp>
+        <p:nvSpPr>
+          <p:cNvPr id="62" name="Rectangle 8">
+            <a:extLst>
+              <a:ext uri="{FF2B5EF4-FFF2-40B4-BE49-F238E27FC236}">
+                <a16:creationId xmlns:a16="http://schemas.microsoft.com/office/drawing/2014/main" id="{8E53AAF9-6AA5-40EF-B3B1-4F7447E70AC9}"/>
+              </a:ext>
+            </a:extLst>
+          </p:cNvPr>
+          <p:cNvSpPr/>
+          <p:nvPr/>
+        </p:nvSpPr>
+        <p:spPr>
+          <a:xfrm>
+            <a:off x="2594601" y="678819"/>
+            <a:ext cx="5251822" cy="1387964"/>
+          </a:xfrm>
+          <a:prstGeom prst="rect">
+            <a:avLst/>
+          </a:prstGeom>
+          <a:noFill/>
+          <a:ln w="12700">
+            <a:solidFill>
+              <a:srgbClr val="879196"/>
+            </a:solidFill>
+            <a:prstDash val="dash"/>
+          </a:ln>
+        </p:spPr>
+        <p:style>
+          <a:lnRef idx="2">
+            <a:schemeClr val="accent1">
+              <a:shade val="50000"/>
+            </a:schemeClr>
+          </a:lnRef>
+          <a:fillRef idx="1">
+            <a:schemeClr val="accent1"/>
+          </a:fillRef>
+          <a:effectRef idx="0">
+            <a:schemeClr val="accent1"/>
+          </a:effectRef>
+          <a:fontRef idx="minor">
+            <a:schemeClr val="lt1"/>
+          </a:fontRef>
+        </p:style>
+        <p:txBody>
+          <a:bodyPr rot="0" spcFirstLastPara="0" vertOverflow="overflow" horzOverflow="overflow" vert="horz" wrap="square" lIns="91440" tIns="45720" rIns="91440" bIns="45720" numCol="1" spcCol="0" rtlCol="0" fromWordArt="0" anchor="t" anchorCtr="0" forceAA="0" compatLnSpc="1">
+            <a:prstTxWarp prst="textNoShape">
+              <a:avLst/>
+            </a:prstTxWarp>
+            <a:noAutofit/>
+          </a:bodyPr>
+          <a:lstStyle/>
+          <a:p>
+            <a:pPr algn="ctr"/>
+            <a:endParaRPr lang="en-US" sz="1000" dirty="0">
+              <a:solidFill>
+                <a:srgbClr val="879196"/>
+              </a:solidFill>
+            </a:endParaRPr>
+          </a:p>
+        </p:txBody>
+      </p:sp>
+      <p:sp>
+        <p:nvSpPr>
+          <p:cNvPr id="63" name="Rectangle 8">
+            <a:extLst>
+              <a:ext uri="{FF2B5EF4-FFF2-40B4-BE49-F238E27FC236}">
+                <a16:creationId xmlns:a16="http://schemas.microsoft.com/office/drawing/2014/main" id="{4BF42E0B-AF37-4252-8364-5E0A876F4218}"/>
+              </a:ext>
+            </a:extLst>
+          </p:cNvPr>
+          <p:cNvSpPr/>
+          <p:nvPr/>
+        </p:nvSpPr>
+        <p:spPr>
+          <a:xfrm>
+            <a:off x="2580526" y="2233277"/>
+            <a:ext cx="7268868" cy="1387964"/>
+          </a:xfrm>
+          <a:prstGeom prst="rect">
+            <a:avLst/>
+          </a:prstGeom>
+          <a:noFill/>
+          <a:ln w="12700">
+            <a:solidFill>
+              <a:srgbClr val="879196"/>
+            </a:solidFill>
+            <a:prstDash val="dash"/>
+          </a:ln>
+        </p:spPr>
+        <p:style>
+          <a:lnRef idx="2">
+            <a:schemeClr val="accent1">
+              <a:shade val="50000"/>
+            </a:schemeClr>
+          </a:lnRef>
+          <a:fillRef idx="1">
+            <a:schemeClr val="accent1"/>
+          </a:fillRef>
+          <a:effectRef idx="0">
+            <a:schemeClr val="accent1"/>
+          </a:effectRef>
+          <a:fontRef idx="minor">
+            <a:schemeClr val="lt1"/>
+          </a:fontRef>
+        </p:style>
+        <p:txBody>
+          <a:bodyPr rot="0" spcFirstLastPara="0" vertOverflow="overflow" horzOverflow="overflow" vert="horz" wrap="square" lIns="91440" tIns="45720" rIns="91440" bIns="45720" numCol="1" spcCol="0" rtlCol="0" fromWordArt="0" anchor="t" anchorCtr="0" forceAA="0" compatLnSpc="1">
+            <a:prstTxWarp prst="textNoShape">
+              <a:avLst/>
+            </a:prstTxWarp>
+            <a:noAutofit/>
+          </a:bodyPr>
+          <a:lstStyle/>
+          <a:p>
+            <a:pPr algn="ctr"/>
+            <a:endParaRPr lang="en-US" sz="1000" dirty="0">
+              <a:solidFill>
+                <a:srgbClr val="879196"/>
+              </a:solidFill>
+            </a:endParaRPr>
+          </a:p>
+        </p:txBody>
+      </p:sp>
+      <p:cxnSp>
+        <p:nvCxnSpPr>
+          <p:cNvPr id="35" name="Elbow Connector 122">
+            <a:extLst>
+              <a:ext uri="{FF2B5EF4-FFF2-40B4-BE49-F238E27FC236}">
+                <a16:creationId xmlns:a16="http://schemas.microsoft.com/office/drawing/2014/main" id="{A9CAC1E9-70C3-45B2-A945-42542F3EA71E}"/>
+              </a:ext>
+            </a:extLst>
+          </p:cNvPr>
+          <p:cNvCxnSpPr>
+            <a:cxnSpLocks/>
+            <a:stCxn id="23" idx="3"/>
+            <a:endCxn id="20" idx="2"/>
+          </p:cNvCxnSpPr>
+          <p:nvPr/>
+        </p:nvCxnSpPr>
+        <p:spPr>
+          <a:xfrm flipV="1">
+            <a:off x="9631061" y="5001909"/>
+            <a:ext cx="1009059" cy="1154260"/>
+          </a:xfrm>
+          <a:prstGeom prst="bentConnector2">
+            <a:avLst/>
+          </a:prstGeom>
+          <a:ln w="12700">
+            <a:solidFill>
+              <a:srgbClr val="545B64"/>
+            </a:solidFill>
+            <a:headEnd type="arrow" w="med" len="sm"/>
+            <a:tailEnd type="none" w="med" len="sm"/>
+          </a:ln>
+        </p:spPr>
+        <p:style>
+          <a:lnRef idx="1">
+            <a:schemeClr val="accent1"/>
+          </a:lnRef>
+          <a:fillRef idx="0">
+            <a:schemeClr val="accent1"/>
+          </a:fillRef>
+          <a:effectRef idx="0">
+            <a:schemeClr val="accent1"/>
+          </a:effectRef>
+          <a:fontRef idx="minor">
+            <a:schemeClr val="tx1"/>
+          </a:fontRef>
+        </p:style>
+      </p:cxnSp>
+      <p:cxnSp>
+        <p:nvCxnSpPr>
+          <p:cNvPr id="42" name="Straight Arrow Connector 42">
+            <a:extLst>
+              <a:ext uri="{FF2B5EF4-FFF2-40B4-BE49-F238E27FC236}">
+                <a16:creationId xmlns:a16="http://schemas.microsoft.com/office/drawing/2014/main" id="{3D05C747-BFD2-4E95-A888-5930B059E2C5}"/>
+              </a:ext>
+            </a:extLst>
+          </p:cNvPr>
+          <p:cNvCxnSpPr>
+            <a:cxnSpLocks/>
+            <a:stCxn id="21" idx="2"/>
+            <a:endCxn id="24" idx="0"/>
+          </p:cNvCxnSpPr>
+          <p:nvPr/>
+        </p:nvCxnSpPr>
+        <p:spPr>
+          <a:xfrm flipH="1">
+            <a:off x="7228247" y="5025851"/>
+            <a:ext cx="3" cy="584218"/>
+          </a:xfrm>
+          <a:prstGeom prst="straightConnector1">
+            <a:avLst/>
+          </a:prstGeom>
+          <a:ln w="12700">
+            <a:solidFill>
+              <a:srgbClr val="545B64"/>
+            </a:solidFill>
+            <a:headEnd type="none" w="med" len="sm"/>
+            <a:tailEnd type="arrow" w="med" len="sm"/>
+          </a:ln>
+        </p:spPr>
+        <p:style>
+          <a:lnRef idx="1">
+            <a:schemeClr val="accent1"/>
+          </a:lnRef>
+          <a:fillRef idx="0">
+            <a:schemeClr val="accent1"/>
+          </a:fillRef>
+          <a:effectRef idx="0">
+            <a:schemeClr val="accent1"/>
+          </a:effectRef>
+          <a:fontRef idx="minor">
+            <a:schemeClr val="tx1"/>
+          </a:fontRef>
+        </p:style>
+      </p:cxnSp>
+      <p:sp>
+        <p:nvSpPr>
+          <p:cNvPr id="44" name="Rectangle 8">
+            <a:extLst>
+              <a:ext uri="{FF2B5EF4-FFF2-40B4-BE49-F238E27FC236}">
+                <a16:creationId xmlns:a16="http://schemas.microsoft.com/office/drawing/2014/main" id="{4030B42E-FF70-49B4-B901-1EAA4EFF6451}"/>
+              </a:ext>
+            </a:extLst>
+          </p:cNvPr>
+          <p:cNvSpPr/>
+          <p:nvPr/>
+        </p:nvSpPr>
+        <p:spPr>
+          <a:xfrm>
+            <a:off x="2580526" y="3798550"/>
+            <a:ext cx="8636114" cy="1387964"/>
+          </a:xfrm>
+          <a:prstGeom prst="rect">
+            <a:avLst/>
+          </a:prstGeom>
+          <a:noFill/>
+          <a:ln w="12700">
+            <a:solidFill>
+              <a:srgbClr val="879196"/>
+            </a:solidFill>
+            <a:prstDash val="dash"/>
+          </a:ln>
+        </p:spPr>
+        <p:style>
+          <a:lnRef idx="2">
+            <a:schemeClr val="accent1">
+              <a:shade val="50000"/>
+            </a:schemeClr>
+          </a:lnRef>
+          <a:fillRef idx="1">
+            <a:schemeClr val="accent1"/>
+          </a:fillRef>
+          <a:effectRef idx="0">
+            <a:schemeClr val="accent1"/>
+          </a:effectRef>
+          <a:fontRef idx="minor">
+            <a:schemeClr val="lt1"/>
+          </a:fontRef>
+        </p:style>
+        <p:txBody>
+          <a:bodyPr rot="0" spcFirstLastPara="0" vertOverflow="overflow" horzOverflow="overflow" vert="horz" wrap="square" lIns="91440" tIns="45720" rIns="91440" bIns="45720" numCol="1" spcCol="0" rtlCol="0" fromWordArt="0" anchor="t" anchorCtr="0" forceAA="0" compatLnSpc="1">
+            <a:prstTxWarp prst="textNoShape">
+              <a:avLst/>
+            </a:prstTxWarp>
+            <a:noAutofit/>
+          </a:bodyPr>
+          <a:lstStyle/>
+          <a:p>
+            <a:pPr algn="ctr"/>
+            <a:endParaRPr lang="en-US" sz="1000" dirty="0">
+              <a:solidFill>
+                <a:srgbClr val="879196"/>
+              </a:solidFill>
+            </a:endParaRPr>
+          </a:p>
+        </p:txBody>
+      </p:sp>
+      <p:sp>
+        <p:nvSpPr>
+          <p:cNvPr id="50" name="Rectangle 8">
+            <a:extLst>
+              <a:ext uri="{FF2B5EF4-FFF2-40B4-BE49-F238E27FC236}">
+                <a16:creationId xmlns:a16="http://schemas.microsoft.com/office/drawing/2014/main" id="{BB7B69EA-7B4B-4E27-AC92-199B2C187777}"/>
+              </a:ext>
+            </a:extLst>
+          </p:cNvPr>
+          <p:cNvSpPr/>
+          <p:nvPr/>
+        </p:nvSpPr>
+        <p:spPr>
+          <a:xfrm>
+            <a:off x="6604564" y="3994469"/>
+            <a:ext cx="5059115" cy="2707773"/>
+          </a:xfrm>
+          <a:prstGeom prst="rect">
+            <a:avLst/>
+          </a:prstGeom>
+          <a:noFill/>
+          <a:ln w="12700">
+            <a:solidFill>
+              <a:srgbClr val="879196"/>
+            </a:solidFill>
+            <a:prstDash val="dash"/>
+          </a:ln>
+        </p:spPr>
+        <p:style>
+          <a:lnRef idx="2">
+            <a:schemeClr val="accent1">
+              <a:shade val="50000"/>
+            </a:schemeClr>
+          </a:lnRef>
+          <a:fillRef idx="1">
+            <a:schemeClr val="accent1"/>
+          </a:fillRef>
+          <a:effectRef idx="0">
+            <a:schemeClr val="accent1"/>
+          </a:effectRef>
+          <a:fontRef idx="minor">
+            <a:schemeClr val="lt1"/>
+          </a:fontRef>
+        </p:style>
+        <p:txBody>
+          <a:bodyPr rot="0" spcFirstLastPara="0" vertOverflow="overflow" horzOverflow="overflow" vert="horz" wrap="square" lIns="91440" tIns="45720" rIns="91440" bIns="45720" numCol="1" spcCol="0" rtlCol="0" fromWordArt="0" anchor="t" anchorCtr="0" forceAA="0" compatLnSpc="1">
+            <a:prstTxWarp prst="textNoShape">
+              <a:avLst/>
+            </a:prstTxWarp>
+            <a:noAutofit/>
+          </a:bodyPr>
+          <a:lstStyle/>
+          <a:p>
+            <a:pPr algn="ctr"/>
+            <a:endParaRPr lang="en-US" sz="1000" dirty="0">
+              <a:solidFill>
+                <a:srgbClr val="879196"/>
+              </a:solidFill>
+            </a:endParaRPr>
+          </a:p>
+        </p:txBody>
+      </p:sp>
+      <p:sp>
+        <p:nvSpPr>
+          <p:cNvPr id="43" name="テキスト ボックス 42">
+            <a:extLst>
+              <a:ext uri="{FF2B5EF4-FFF2-40B4-BE49-F238E27FC236}">
+                <a16:creationId xmlns:a16="http://schemas.microsoft.com/office/drawing/2014/main" id="{3C685B31-F421-48E4-B900-80158D7FBD46}"/>
+              </a:ext>
+            </a:extLst>
+          </p:cNvPr>
+          <p:cNvSpPr txBox="1"/>
+          <p:nvPr/>
+        </p:nvSpPr>
+        <p:spPr>
+          <a:xfrm>
+            <a:off x="3699366" y="691301"/>
+            <a:ext cx="646331" cy="369332"/>
+          </a:xfrm>
+          <a:prstGeom prst="rect">
+            <a:avLst/>
+          </a:prstGeom>
+          <a:noFill/>
+          <a:ln w="3175">
+            <a:solidFill>
+              <a:schemeClr val="bg1">
+                <a:lumMod val="50000"/>
+              </a:schemeClr>
+            </a:solidFill>
+          </a:ln>
+        </p:spPr>
+        <p:txBody>
+          <a:bodyPr wrap="none" rtlCol="0">
+            <a:spAutoFit/>
+          </a:bodyPr>
+          <a:lstStyle/>
+          <a:p>
+            <a:r>
+              <a:rPr lang="ja-JP" altLang="en-US" dirty="0">
+                <a:solidFill>
+                  <a:schemeClr val="bg1">
+                    <a:lumMod val="50000"/>
+                  </a:schemeClr>
+                </a:solidFill>
+              </a:rPr>
+              <a:t>受取</a:t>
+            </a:r>
+            <a:endParaRPr kumimoji="1" lang="ja-JP" altLang="en-US" dirty="0">
+              <a:solidFill>
+                <a:schemeClr val="bg1">
+                  <a:lumMod val="50000"/>
+                </a:schemeClr>
+              </a:solidFill>
+            </a:endParaRPr>
+          </a:p>
+        </p:txBody>
+      </p:sp>
+      <p:sp>
+        <p:nvSpPr>
+          <p:cNvPr id="52" name="テキスト ボックス 51">
+            <a:extLst>
+              <a:ext uri="{FF2B5EF4-FFF2-40B4-BE49-F238E27FC236}">
+                <a16:creationId xmlns:a16="http://schemas.microsoft.com/office/drawing/2014/main" id="{DD8AAC87-AC1A-483B-B31C-3956F6162339}"/>
+              </a:ext>
+            </a:extLst>
+          </p:cNvPr>
+          <p:cNvSpPr txBox="1"/>
+          <p:nvPr/>
+        </p:nvSpPr>
+        <p:spPr>
+          <a:xfrm>
+            <a:off x="3688867" y="2233277"/>
+            <a:ext cx="1107996" cy="369332"/>
+          </a:xfrm>
+          <a:prstGeom prst="rect">
+            <a:avLst/>
+          </a:prstGeom>
+          <a:noFill/>
+          <a:ln w="3175">
+            <a:solidFill>
+              <a:schemeClr val="bg1">
+                <a:lumMod val="50000"/>
+              </a:schemeClr>
+            </a:solidFill>
+          </a:ln>
+        </p:spPr>
+        <p:txBody>
+          <a:bodyPr wrap="none" rtlCol="0">
+            <a:spAutoFit/>
+          </a:bodyPr>
+          <a:lstStyle/>
+          <a:p>
+            <a:r>
+              <a:rPr kumimoji="1" lang="ja-JP" altLang="en-US" dirty="0">
+                <a:solidFill>
+                  <a:schemeClr val="bg1">
+                    <a:lumMod val="50000"/>
+                  </a:schemeClr>
+                </a:solidFill>
+              </a:rPr>
+              <a:t>一時保管</a:t>
+            </a:r>
+          </a:p>
+        </p:txBody>
+      </p:sp>
+      <p:sp>
+        <p:nvSpPr>
+          <p:cNvPr id="53" name="テキスト ボックス 52">
+            <a:extLst>
+              <a:ext uri="{FF2B5EF4-FFF2-40B4-BE49-F238E27FC236}">
+                <a16:creationId xmlns:a16="http://schemas.microsoft.com/office/drawing/2014/main" id="{AC2905B4-AF5A-4409-AEB9-F61B899FB6D8}"/>
+              </a:ext>
+            </a:extLst>
+          </p:cNvPr>
+          <p:cNvSpPr txBox="1"/>
+          <p:nvPr/>
+        </p:nvSpPr>
+        <p:spPr>
+          <a:xfrm>
+            <a:off x="3699366" y="3864743"/>
+            <a:ext cx="646331" cy="369332"/>
+          </a:xfrm>
+          <a:prstGeom prst="rect">
+            <a:avLst/>
+          </a:prstGeom>
+          <a:noFill/>
+          <a:ln w="3175">
+            <a:solidFill>
+              <a:schemeClr val="tx1"/>
+            </a:solidFill>
+          </a:ln>
+        </p:spPr>
+        <p:txBody>
+          <a:bodyPr wrap="none" rtlCol="0">
+            <a:spAutoFit/>
+          </a:bodyPr>
+          <a:lstStyle/>
+          <a:p>
+            <a:r>
+              <a:rPr lang="ja-JP" altLang="en-US" dirty="0"/>
+              <a:t>振分</a:t>
+            </a:r>
+            <a:endParaRPr kumimoji="1" lang="ja-JP" altLang="en-US" dirty="0"/>
+          </a:p>
+        </p:txBody>
+      </p:sp>
+      <p:sp>
+        <p:nvSpPr>
+          <p:cNvPr id="54" name="テキスト ボックス 53">
+            <a:extLst>
+              <a:ext uri="{FF2B5EF4-FFF2-40B4-BE49-F238E27FC236}">
+                <a16:creationId xmlns:a16="http://schemas.microsoft.com/office/drawing/2014/main" id="{BB5D0E5A-BB45-49DB-9D43-B520C8BC14DA}"/>
+              </a:ext>
+            </a:extLst>
+          </p:cNvPr>
+          <p:cNvSpPr txBox="1"/>
+          <p:nvPr/>
+        </p:nvSpPr>
+        <p:spPr>
+          <a:xfrm>
+            <a:off x="10551100" y="6261321"/>
+            <a:ext cx="1107996" cy="369332"/>
+          </a:xfrm>
+          <a:prstGeom prst="rect">
+            <a:avLst/>
+          </a:prstGeom>
+          <a:noFill/>
+          <a:ln w="3175">
+            <a:solidFill>
+              <a:schemeClr val="bg1">
+                <a:lumMod val="50000"/>
+              </a:schemeClr>
+            </a:solidFill>
+          </a:ln>
+        </p:spPr>
+        <p:txBody>
+          <a:bodyPr wrap="none" rtlCol="0">
+            <a:spAutoFit/>
+          </a:bodyPr>
+          <a:lstStyle/>
+          <a:p>
+            <a:r>
+              <a:rPr lang="ja-JP" altLang="en-US" dirty="0">
+                <a:solidFill>
+                  <a:schemeClr val="bg1">
+                    <a:lumMod val="50000"/>
+                  </a:schemeClr>
+                </a:solidFill>
+              </a:rPr>
+              <a:t>一覧取得</a:t>
+            </a:r>
+            <a:endParaRPr kumimoji="1" lang="ja-JP" altLang="en-US" dirty="0">
+              <a:solidFill>
+                <a:schemeClr val="bg1">
+                  <a:lumMod val="50000"/>
+                </a:schemeClr>
+              </a:solidFill>
+            </a:endParaRPr>
+          </a:p>
+        </p:txBody>
+      </p:sp>
+      <p:sp>
+        <p:nvSpPr>
+          <p:cNvPr id="55" name="テキスト ボックス 54">
+            <a:extLst>
+              <a:ext uri="{FF2B5EF4-FFF2-40B4-BE49-F238E27FC236}">
+                <a16:creationId xmlns:a16="http://schemas.microsoft.com/office/drawing/2014/main" id="{EFDEAFC8-10EC-4F6F-BD1E-CF56E576F128}"/>
+              </a:ext>
+            </a:extLst>
+          </p:cNvPr>
+          <p:cNvSpPr txBox="1"/>
+          <p:nvPr/>
+        </p:nvSpPr>
+        <p:spPr>
+          <a:xfrm>
+            <a:off x="8913998" y="2314804"/>
+            <a:ext cx="723275" cy="307777"/>
+          </a:xfrm>
+          <a:prstGeom prst="rect">
+            <a:avLst/>
+          </a:prstGeom>
+          <a:noFill/>
+        </p:spPr>
+        <p:txBody>
+          <a:bodyPr wrap="none" rtlCol="0">
+            <a:spAutoFit/>
+          </a:bodyPr>
+          <a:lstStyle/>
+          <a:p>
+            <a:r>
+              <a:rPr lang="ja-JP" altLang="en-US" sz="1400" dirty="0"/>
+              <a:t>作業用</a:t>
+            </a:r>
+            <a:endParaRPr kumimoji="1" lang="ja-JP" altLang="en-US" sz="1400" dirty="0"/>
+          </a:p>
+        </p:txBody>
+      </p:sp>
+      <p:sp>
+        <p:nvSpPr>
+          <p:cNvPr id="56" name="テキスト ボックス 55">
+            <a:extLst>
+              <a:ext uri="{FF2B5EF4-FFF2-40B4-BE49-F238E27FC236}">
+                <a16:creationId xmlns:a16="http://schemas.microsoft.com/office/drawing/2014/main" id="{B05108C1-DFA2-4DC7-A7C9-6246D0DF2387}"/>
+              </a:ext>
+            </a:extLst>
+          </p:cNvPr>
+          <p:cNvSpPr txBox="1"/>
+          <p:nvPr/>
+        </p:nvSpPr>
+        <p:spPr>
+          <a:xfrm>
+            <a:off x="9535845" y="4659116"/>
+            <a:ext cx="723275" cy="307777"/>
+          </a:xfrm>
+          <a:prstGeom prst="rect">
+            <a:avLst/>
+          </a:prstGeom>
+          <a:noFill/>
+        </p:spPr>
+        <p:txBody>
+          <a:bodyPr wrap="none" rtlCol="0">
+            <a:spAutoFit/>
+          </a:bodyPr>
+          <a:lstStyle/>
+          <a:p>
+            <a:r>
+              <a:rPr lang="ja-JP" altLang="en-US" sz="1400" dirty="0"/>
+              <a:t>格納用</a:t>
+            </a:r>
+            <a:endParaRPr kumimoji="1" lang="ja-JP" altLang="en-US" sz="1400" dirty="0"/>
+          </a:p>
+        </p:txBody>
+      </p:sp>
+      <p:sp>
+        <p:nvSpPr>
+          <p:cNvPr id="57" name="テキスト ボックス 56">
+            <a:extLst>
+              <a:ext uri="{FF2B5EF4-FFF2-40B4-BE49-F238E27FC236}">
+                <a16:creationId xmlns:a16="http://schemas.microsoft.com/office/drawing/2014/main" id="{9EE9A0C3-C5EC-4CAF-8C89-A8A88C06DDF6}"/>
+              </a:ext>
+            </a:extLst>
+          </p:cNvPr>
+          <p:cNvSpPr txBox="1"/>
+          <p:nvPr/>
+        </p:nvSpPr>
+        <p:spPr>
+          <a:xfrm>
+            <a:off x="7204217" y="5372128"/>
+            <a:ext cx="1441420" cy="307777"/>
+          </a:xfrm>
+          <a:prstGeom prst="rect">
+            <a:avLst/>
+          </a:prstGeom>
+          <a:noFill/>
+        </p:spPr>
+        <p:txBody>
+          <a:bodyPr wrap="none" rtlCol="0">
+            <a:spAutoFit/>
+          </a:bodyPr>
+          <a:lstStyle/>
+          <a:p>
+            <a:r>
+              <a:rPr lang="ja-JP" altLang="en-US" sz="1400" dirty="0"/>
+              <a:t>ダウンロード用</a:t>
+            </a:r>
+            <a:endParaRPr kumimoji="1" lang="ja-JP" altLang="en-US" sz="1400" dirty="0"/>
+          </a:p>
+        </p:txBody>
+      </p:sp>
+      <p:sp>
+        <p:nvSpPr>
+          <p:cNvPr id="2" name="正方形/長方形 1">
+            <a:extLst>
+              <a:ext uri="{FF2B5EF4-FFF2-40B4-BE49-F238E27FC236}">
+                <a16:creationId xmlns:a16="http://schemas.microsoft.com/office/drawing/2014/main" id="{2BF33943-BDBD-434D-A179-B90754A28495}"/>
+              </a:ext>
+            </a:extLst>
+          </p:cNvPr>
+          <p:cNvSpPr/>
+          <p:nvPr/>
+        </p:nvSpPr>
+        <p:spPr>
+          <a:xfrm>
+            <a:off x="2066472" y="3400487"/>
+            <a:ext cx="9401628" cy="2116775"/>
+          </a:xfrm>
+          <a:prstGeom prst="rect">
+            <a:avLst/>
+          </a:prstGeom>
+          <a:noFill/>
+          <a:ln w="31750" cap="flat">
+            <a:solidFill>
+              <a:schemeClr val="accent2"/>
+            </a:solidFill>
+            <a:miter lim="800000"/>
+          </a:ln>
+        </p:spPr>
+        <p:style>
+          <a:lnRef idx="2">
+            <a:schemeClr val="accent2"/>
+          </a:lnRef>
+          <a:fillRef idx="1">
+            <a:schemeClr val="lt1"/>
+          </a:fillRef>
+          <a:effectRef idx="0">
+            <a:schemeClr val="accent2"/>
+          </a:effectRef>
+          <a:fontRef idx="minor">
+            <a:schemeClr val="dk1"/>
+          </a:fontRef>
+        </p:style>
+        <p:txBody>
+          <a:bodyPr rtlCol="0" anchor="ctr"/>
+          <a:lstStyle/>
+          <a:p>
+            <a:pPr algn="ctr"/>
+            <a:endParaRPr kumimoji="1" lang="ja-JP" altLang="en-US"/>
+          </a:p>
+        </p:txBody>
+      </p:sp>
+      <p:sp>
+        <p:nvSpPr>
+          <p:cNvPr id="47" name="正方形/長方形 46">
+            <a:extLst>
+              <a:ext uri="{FF2B5EF4-FFF2-40B4-BE49-F238E27FC236}">
+                <a16:creationId xmlns:a16="http://schemas.microsoft.com/office/drawing/2014/main" id="{E964FA2F-5D57-4AD4-9771-7567BEBD6190}"/>
+              </a:ext>
+            </a:extLst>
+          </p:cNvPr>
+          <p:cNvSpPr/>
+          <p:nvPr/>
+        </p:nvSpPr>
+        <p:spPr>
+          <a:xfrm>
+            <a:off x="7519279" y="1814585"/>
+            <a:ext cx="3948821" cy="1590191"/>
+          </a:xfrm>
+          <a:prstGeom prst="rect">
+            <a:avLst/>
+          </a:prstGeom>
+          <a:noFill/>
+          <a:ln w="31750" cap="flat">
+            <a:solidFill>
+              <a:schemeClr val="accent2"/>
+            </a:solidFill>
+            <a:miter lim="800000"/>
+          </a:ln>
+        </p:spPr>
+        <p:style>
+          <a:lnRef idx="2">
+            <a:schemeClr val="accent2"/>
+          </a:lnRef>
+          <a:fillRef idx="1">
+            <a:schemeClr val="lt1"/>
+          </a:fillRef>
+          <a:effectRef idx="0">
+            <a:schemeClr val="accent2"/>
+          </a:effectRef>
+          <a:fontRef idx="minor">
+            <a:schemeClr val="dk1"/>
+          </a:fontRef>
+        </p:style>
+        <p:txBody>
+          <a:bodyPr rtlCol="0" anchor="ctr"/>
+          <a:lstStyle/>
+          <a:p>
+            <a:pPr algn="ctr"/>
+            <a:endParaRPr kumimoji="1" lang="ja-JP" altLang="en-US"/>
+          </a:p>
+        </p:txBody>
+      </p:sp>
+      <p:cxnSp>
+        <p:nvCxnSpPr>
+          <p:cNvPr id="48" name="直線コネクタ 47">
+            <a:extLst>
+              <a:ext uri="{FF2B5EF4-FFF2-40B4-BE49-F238E27FC236}">
+                <a16:creationId xmlns:a16="http://schemas.microsoft.com/office/drawing/2014/main" id="{7D383745-D4DB-456F-8F98-557B556909C0}"/>
+              </a:ext>
+            </a:extLst>
+          </p:cNvPr>
+          <p:cNvCxnSpPr/>
+          <p:nvPr/>
+        </p:nvCxnSpPr>
+        <p:spPr>
+          <a:xfrm>
+            <a:off x="7504250" y="3409196"/>
+            <a:ext cx="3948821" cy="0"/>
+          </a:xfrm>
+          <a:prstGeom prst="line">
+            <a:avLst/>
+          </a:prstGeom>
+          <a:ln w="34925">
+            <a:solidFill>
+              <a:schemeClr val="bg1"/>
+            </a:solidFill>
+          </a:ln>
+        </p:spPr>
+        <p:style>
+          <a:lnRef idx="1">
+            <a:schemeClr val="accent1"/>
+          </a:lnRef>
+          <a:fillRef idx="0">
+            <a:schemeClr val="accent1"/>
+          </a:fillRef>
+          <a:effectRef idx="0">
+            <a:schemeClr val="accent1"/>
+          </a:effectRef>
+          <a:fontRef idx="minor">
+            <a:schemeClr val="tx1"/>
+          </a:fontRef>
+        </p:style>
+      </p:cxnSp>
+      <p:pic>
+        <p:nvPicPr>
+          <p:cNvPr id="13" name="Graphic 2">
+            <a:extLst>
+              <a:ext uri="{FF2B5EF4-FFF2-40B4-BE49-F238E27FC236}">
+                <a16:creationId xmlns:a16="http://schemas.microsoft.com/office/drawing/2014/main" id="{57EE68FC-B160-4D96-9BC7-488ABB7FDDF9}"/>
+              </a:ext>
+            </a:extLst>
+          </p:cNvPr>
+          <p:cNvPicPr>
+            <a:picLocks noChangeAspect="1"/>
+          </p:cNvPicPr>
+          <p:nvPr/>
+        </p:nvPicPr>
+        <p:blipFill>
+          <a:blip r:embed="rId12">
+            <a:extLst>
+              <a:ext uri="{96DAC541-7B7A-43D3-8B79-37D633B846F1}">
+                <asvg:svgBlip xmlns:asvg="http://schemas.microsoft.com/office/drawing/2016/SVG/main" r:embed="rId13"/>
+              </a:ext>
+            </a:extLst>
+          </a:blip>
+          <a:stretch>
+            <a:fillRect/>
+          </a:stretch>
+        </p:blipFill>
+        <p:spPr>
+          <a:xfrm>
+            <a:off x="8869061" y="2536633"/>
+            <a:ext cx="762000" cy="952500"/>
+          </a:xfrm>
+          <a:prstGeom prst="rect">
+            <a:avLst/>
+          </a:prstGeom>
+        </p:spPr>
+      </p:pic>
+    </p:spTree>
+    <p:extLst>
+      <p:ext uri="{BB962C8B-B14F-4D97-AF65-F5344CB8AC3E}">
+        <p14:creationId xmlns:p14="http://schemas.microsoft.com/office/powerpoint/2010/main" val="4268935868"/>
       </p:ext>
     </p:extLst>
   </p:cSld>

--- a/doc/arch.pptx
+++ b/doc/arch.pptx
@@ -274,7 +274,7 @@
           <a:p>
             <a:fld id="{40398E49-7B02-45E2-82B4-982F99B89FFD}" type="datetimeFigureOut">
               <a:rPr kumimoji="1" lang="ja-JP" altLang="en-US" smtClean="0"/>
-              <a:t>2019/8/31</a:t>
+              <a:t>2019/9/12</a:t>
             </a:fld>
             <a:endParaRPr kumimoji="1" lang="ja-JP" altLang="en-US"/>
           </a:p>
@@ -504,7 +504,7 @@
           <a:p>
             <a:fld id="{40398E49-7B02-45E2-82B4-982F99B89FFD}" type="datetimeFigureOut">
               <a:rPr kumimoji="1" lang="ja-JP" altLang="en-US" smtClean="0"/>
-              <a:t>2019/8/31</a:t>
+              <a:t>2019/9/12</a:t>
             </a:fld>
             <a:endParaRPr kumimoji="1" lang="ja-JP" altLang="en-US"/>
           </a:p>
@@ -744,7 +744,7 @@
           <a:p>
             <a:fld id="{40398E49-7B02-45E2-82B4-982F99B89FFD}" type="datetimeFigureOut">
               <a:rPr kumimoji="1" lang="ja-JP" altLang="en-US" smtClean="0"/>
-              <a:t>2019/8/31</a:t>
+              <a:t>2019/9/12</a:t>
             </a:fld>
             <a:endParaRPr kumimoji="1" lang="ja-JP" altLang="en-US"/>
           </a:p>
@@ -974,7 +974,7 @@
           <a:p>
             <a:fld id="{40398E49-7B02-45E2-82B4-982F99B89FFD}" type="datetimeFigureOut">
               <a:rPr kumimoji="1" lang="ja-JP" altLang="en-US" smtClean="0"/>
-              <a:t>2019/8/31</a:t>
+              <a:t>2019/9/12</a:t>
             </a:fld>
             <a:endParaRPr kumimoji="1" lang="ja-JP" altLang="en-US"/>
           </a:p>
@@ -1249,7 +1249,7 @@
           <a:p>
             <a:fld id="{40398E49-7B02-45E2-82B4-982F99B89FFD}" type="datetimeFigureOut">
               <a:rPr kumimoji="1" lang="ja-JP" altLang="en-US" smtClean="0"/>
-              <a:t>2019/8/31</a:t>
+              <a:t>2019/9/12</a:t>
             </a:fld>
             <a:endParaRPr kumimoji="1" lang="ja-JP" altLang="en-US"/>
           </a:p>
@@ -1578,7 +1578,7 @@
           <a:p>
             <a:fld id="{40398E49-7B02-45E2-82B4-982F99B89FFD}" type="datetimeFigureOut">
               <a:rPr kumimoji="1" lang="ja-JP" altLang="en-US" smtClean="0"/>
-              <a:t>2019/8/31</a:t>
+              <a:t>2019/9/12</a:t>
             </a:fld>
             <a:endParaRPr kumimoji="1" lang="ja-JP" altLang="en-US"/>
           </a:p>
@@ -2054,7 +2054,7 @@
           <a:p>
             <a:fld id="{40398E49-7B02-45E2-82B4-982F99B89FFD}" type="datetimeFigureOut">
               <a:rPr kumimoji="1" lang="ja-JP" altLang="en-US" smtClean="0"/>
-              <a:t>2019/8/31</a:t>
+              <a:t>2019/9/12</a:t>
             </a:fld>
             <a:endParaRPr kumimoji="1" lang="ja-JP" altLang="en-US"/>
           </a:p>
@@ -2195,7 +2195,7 @@
           <a:p>
             <a:fld id="{40398E49-7B02-45E2-82B4-982F99B89FFD}" type="datetimeFigureOut">
               <a:rPr kumimoji="1" lang="ja-JP" altLang="en-US" smtClean="0"/>
-              <a:t>2019/8/31</a:t>
+              <a:t>2019/9/12</a:t>
             </a:fld>
             <a:endParaRPr kumimoji="1" lang="ja-JP" altLang="en-US"/>
           </a:p>
@@ -2308,7 +2308,7 @@
           <a:p>
             <a:fld id="{40398E49-7B02-45E2-82B4-982F99B89FFD}" type="datetimeFigureOut">
               <a:rPr kumimoji="1" lang="ja-JP" altLang="en-US" smtClean="0"/>
-              <a:t>2019/8/31</a:t>
+              <a:t>2019/9/12</a:t>
             </a:fld>
             <a:endParaRPr kumimoji="1" lang="ja-JP" altLang="en-US"/>
           </a:p>
@@ -2651,7 +2651,7 @@
           <a:p>
             <a:fld id="{40398E49-7B02-45E2-82B4-982F99B89FFD}" type="datetimeFigureOut">
               <a:rPr kumimoji="1" lang="ja-JP" altLang="en-US" smtClean="0"/>
-              <a:t>2019/8/31</a:t>
+              <a:t>2019/9/12</a:t>
             </a:fld>
             <a:endParaRPr kumimoji="1" lang="ja-JP" altLang="en-US"/>
           </a:p>
@@ -2939,7 +2939,7 @@
           <a:p>
             <a:fld id="{40398E49-7B02-45E2-82B4-982F99B89FFD}" type="datetimeFigureOut">
               <a:rPr kumimoji="1" lang="ja-JP" altLang="en-US" smtClean="0"/>
-              <a:t>2019/8/31</a:t>
+              <a:t>2019/9/12</a:t>
             </a:fld>
             <a:endParaRPr kumimoji="1" lang="ja-JP" altLang="en-US"/>
           </a:p>
@@ -3212,7 +3212,7 @@
           <a:p>
             <a:fld id="{40398E49-7B02-45E2-82B4-982F99B89FFD}" type="datetimeFigureOut">
               <a:rPr kumimoji="1" lang="ja-JP" altLang="en-US" smtClean="0"/>
-              <a:t>2019/8/31</a:t>
+              <a:t>2019/9/12</a:t>
             </a:fld>
             <a:endParaRPr kumimoji="1" lang="ja-JP" altLang="en-US"/>
           </a:p>
@@ -10144,7 +10144,7 @@
         <p:spPr>
           <a:xfrm>
             <a:off x="505097" y="871946"/>
-            <a:ext cx="11025051" cy="3170099"/>
+            <a:ext cx="11025051" cy="3477875"/>
           </a:xfrm>
           <a:prstGeom prst="rect">
             <a:avLst/>
@@ -10221,15 +10221,7 @@
             </a:r>
             <a:r>
               <a:rPr lang="ja-JP" altLang="en-US" sz="2000" dirty="0"/>
-              <a:t>を</a:t>
-            </a:r>
-            <a:r>
-              <a:rPr lang="en-US" altLang="ja-JP" sz="2000" dirty="0"/>
-              <a:t>Public</a:t>
-            </a:r>
-            <a:r>
-              <a:rPr lang="ja-JP" altLang="en-US" sz="2000" dirty="0"/>
-              <a:t>にするとセキュリティ上問題があるのでは</a:t>
+              <a:t>へのアクセス方法は</a:t>
             </a:r>
             <a:r>
               <a:rPr lang="en-US" altLang="ja-JP" sz="2000" dirty="0"/>
@@ -10240,8 +10232,45 @@
             <a:pPr lvl="1"/>
             <a:r>
               <a:rPr lang="ja-JP" altLang="en-US" sz="2000" dirty="0"/>
-              <a:t>→ 問題はあるが、セキュリティ上の要件は現段階では想定していない。</a:t>
-            </a:r>
+              <a:t>→</a:t>
+            </a:r>
+            <a:r>
+              <a:rPr lang="en-US" altLang="ja-JP" sz="2000" dirty="0"/>
+              <a:t> </a:t>
+            </a:r>
+            <a:r>
+              <a:rPr lang="en-US" altLang="ja-JP" sz="2000" dirty="0" err="1"/>
+              <a:t>APIGateway</a:t>
+            </a:r>
+            <a:r>
+              <a:rPr lang="ja-JP" altLang="en-US" sz="2000" dirty="0"/>
+              <a:t>から、事前証明書付き</a:t>
+            </a:r>
+            <a:r>
+              <a:rPr lang="en-US" altLang="ja-JP" sz="2000" dirty="0"/>
+              <a:t>URL</a:t>
+            </a:r>
+            <a:r>
+              <a:rPr lang="ja-JP" altLang="en-US" sz="2000" dirty="0"/>
+              <a:t>を発行する</a:t>
+            </a:r>
+            <a:r>
+              <a:rPr lang="en-US" altLang="ja-JP" sz="2000" dirty="0"/>
+              <a:t>Lambda</a:t>
+            </a:r>
+            <a:r>
+              <a:rPr lang="ja-JP" altLang="en-US" sz="2000" dirty="0"/>
+              <a:t>を呼び出し、その</a:t>
+            </a:r>
+            <a:r>
+              <a:rPr lang="en-US" altLang="ja-JP" sz="2000" dirty="0"/>
+              <a:t>URL</a:t>
+            </a:r>
+            <a:r>
+              <a:rPr lang="ja-JP" altLang="en-US" sz="2000"/>
+              <a:t>へリクエストを転送している。</a:t>
+            </a:r>
+            <a:endParaRPr lang="ja-JP" altLang="en-US" sz="2000" dirty="0"/>
           </a:p>
           <a:p>
             <a:pPr lvl="1"/>
